--- a/prj_input/rakurakuInput.pptx
+++ b/prj_input/rakurakuInput.pptx
@@ -8,13 +8,17 @@
     <p:sldId id="264" r:id="rId2"/>
     <p:sldId id="265" r:id="rId3"/>
     <p:sldId id="256" r:id="rId4"/>
-    <p:sldId id="266" r:id="rId5"/>
-    <p:sldId id="257" r:id="rId6"/>
-    <p:sldId id="259" r:id="rId7"/>
-    <p:sldId id="260" r:id="rId8"/>
-    <p:sldId id="261" r:id="rId9"/>
-    <p:sldId id="262" r:id="rId10"/>
-    <p:sldId id="263" r:id="rId11"/>
+    <p:sldId id="267" r:id="rId5"/>
+    <p:sldId id="266" r:id="rId6"/>
+    <p:sldId id="257" r:id="rId7"/>
+    <p:sldId id="259" r:id="rId8"/>
+    <p:sldId id="260" r:id="rId9"/>
+    <p:sldId id="261" r:id="rId10"/>
+    <p:sldId id="262" r:id="rId11"/>
+    <p:sldId id="263" r:id="rId12"/>
+    <p:sldId id="268" r:id="rId13"/>
+    <p:sldId id="270" r:id="rId14"/>
+    <p:sldId id="269" r:id="rId15"/>
   </p:sldIdLst>
   <p:sldSz cx="12192000" cy="6858000"/>
   <p:notesSz cx="6858000" cy="9144000"/>
@@ -268,7 +272,7 @@
           <a:p>
             <a:fld id="{1CD75DFC-66AA-4157-91E4-03CC23A492E6}" type="datetimeFigureOut">
               <a:rPr kumimoji="1" lang="ja-JP" altLang="en-US" smtClean="0"/>
-              <a:t>2020/5/6</a:t>
+              <a:t>2020/5/8</a:t>
             </a:fld>
             <a:endParaRPr kumimoji="1" lang="ja-JP" altLang="en-US"/>
           </a:p>
@@ -498,7 +502,7 @@
           <a:p>
             <a:fld id="{1CD75DFC-66AA-4157-91E4-03CC23A492E6}" type="datetimeFigureOut">
               <a:rPr kumimoji="1" lang="ja-JP" altLang="en-US" smtClean="0"/>
-              <a:t>2020/5/6</a:t>
+              <a:t>2020/5/8</a:t>
             </a:fld>
             <a:endParaRPr kumimoji="1" lang="ja-JP" altLang="en-US"/>
           </a:p>
@@ -738,7 +742,7 @@
           <a:p>
             <a:fld id="{1CD75DFC-66AA-4157-91E4-03CC23A492E6}" type="datetimeFigureOut">
               <a:rPr kumimoji="1" lang="ja-JP" altLang="en-US" smtClean="0"/>
-              <a:t>2020/5/6</a:t>
+              <a:t>2020/5/8</a:t>
             </a:fld>
             <a:endParaRPr kumimoji="1" lang="ja-JP" altLang="en-US"/>
           </a:p>
@@ -968,7 +972,7 @@
           <a:p>
             <a:fld id="{1CD75DFC-66AA-4157-91E4-03CC23A492E6}" type="datetimeFigureOut">
               <a:rPr kumimoji="1" lang="ja-JP" altLang="en-US" smtClean="0"/>
-              <a:t>2020/5/6</a:t>
+              <a:t>2020/5/8</a:t>
             </a:fld>
             <a:endParaRPr kumimoji="1" lang="ja-JP" altLang="en-US"/>
           </a:p>
@@ -1243,7 +1247,7 @@
           <a:p>
             <a:fld id="{1CD75DFC-66AA-4157-91E4-03CC23A492E6}" type="datetimeFigureOut">
               <a:rPr kumimoji="1" lang="ja-JP" altLang="en-US" smtClean="0"/>
-              <a:t>2020/5/6</a:t>
+              <a:t>2020/5/8</a:t>
             </a:fld>
             <a:endParaRPr kumimoji="1" lang="ja-JP" altLang="en-US"/>
           </a:p>
@@ -1572,7 +1576,7 @@
           <a:p>
             <a:fld id="{1CD75DFC-66AA-4157-91E4-03CC23A492E6}" type="datetimeFigureOut">
               <a:rPr kumimoji="1" lang="ja-JP" altLang="en-US" smtClean="0"/>
-              <a:t>2020/5/6</a:t>
+              <a:t>2020/5/8</a:t>
             </a:fld>
             <a:endParaRPr kumimoji="1" lang="ja-JP" altLang="en-US"/>
           </a:p>
@@ -2048,7 +2052,7 @@
           <a:p>
             <a:fld id="{1CD75DFC-66AA-4157-91E4-03CC23A492E6}" type="datetimeFigureOut">
               <a:rPr kumimoji="1" lang="ja-JP" altLang="en-US" smtClean="0"/>
-              <a:t>2020/5/6</a:t>
+              <a:t>2020/5/8</a:t>
             </a:fld>
             <a:endParaRPr kumimoji="1" lang="ja-JP" altLang="en-US"/>
           </a:p>
@@ -2189,7 +2193,7 @@
           <a:p>
             <a:fld id="{1CD75DFC-66AA-4157-91E4-03CC23A492E6}" type="datetimeFigureOut">
               <a:rPr kumimoji="1" lang="ja-JP" altLang="en-US" smtClean="0"/>
-              <a:t>2020/5/6</a:t>
+              <a:t>2020/5/8</a:t>
             </a:fld>
             <a:endParaRPr kumimoji="1" lang="ja-JP" altLang="en-US"/>
           </a:p>
@@ -2302,7 +2306,7 @@
           <a:p>
             <a:fld id="{1CD75DFC-66AA-4157-91E4-03CC23A492E6}" type="datetimeFigureOut">
               <a:rPr kumimoji="1" lang="ja-JP" altLang="en-US" smtClean="0"/>
-              <a:t>2020/5/6</a:t>
+              <a:t>2020/5/8</a:t>
             </a:fld>
             <a:endParaRPr kumimoji="1" lang="ja-JP" altLang="en-US"/>
           </a:p>
@@ -2645,7 +2649,7 @@
           <a:p>
             <a:fld id="{1CD75DFC-66AA-4157-91E4-03CC23A492E6}" type="datetimeFigureOut">
               <a:rPr kumimoji="1" lang="ja-JP" altLang="en-US" smtClean="0"/>
-              <a:t>2020/5/6</a:t>
+              <a:t>2020/5/8</a:t>
             </a:fld>
             <a:endParaRPr kumimoji="1" lang="ja-JP" altLang="en-US"/>
           </a:p>
@@ -2933,7 +2937,7 @@
           <a:p>
             <a:fld id="{1CD75DFC-66AA-4157-91E4-03CC23A492E6}" type="datetimeFigureOut">
               <a:rPr kumimoji="1" lang="ja-JP" altLang="en-US" smtClean="0"/>
-              <a:t>2020/5/6</a:t>
+              <a:t>2020/5/8</a:t>
             </a:fld>
             <a:endParaRPr kumimoji="1" lang="ja-JP" altLang="en-US"/>
           </a:p>
@@ -3206,7 +3210,7 @@
           <a:p>
             <a:fld id="{1CD75DFC-66AA-4157-91E4-03CC23A492E6}" type="datetimeFigureOut">
               <a:rPr kumimoji="1" lang="ja-JP" altLang="en-US" smtClean="0"/>
-              <a:t>2020/5/6</a:t>
+              <a:t>2020/5/8</a:t>
             </a:fld>
             <a:endParaRPr kumimoji="1" lang="ja-JP" altLang="en-US"/>
           </a:p>
@@ -3778,10 +3782,46 @@
       </p:sp>
       <p:sp>
         <p:nvSpPr>
-          <p:cNvPr id="20" name="正方形/長方形 19">
-            <a:extLst>
-              <a:ext uri="{FF2B5EF4-FFF2-40B4-BE49-F238E27FC236}">
-                <a16:creationId xmlns:a16="http://schemas.microsoft.com/office/drawing/2014/main" id="{AFAB25F2-EB89-4229-812E-41896CE4247D}"/>
+          <p:cNvPr id="21" name="テキスト ボックス 20">
+            <a:extLst>
+              <a:ext uri="{FF2B5EF4-FFF2-40B4-BE49-F238E27FC236}">
+                <a16:creationId xmlns:a16="http://schemas.microsoft.com/office/drawing/2014/main" id="{BD3A7990-06EA-4B76-A59B-DBDFE0D888C9}"/>
+              </a:ext>
+            </a:extLst>
+          </p:cNvPr>
+          <p:cNvSpPr txBox="1"/>
+          <p:nvPr/>
+        </p:nvSpPr>
+        <p:spPr>
+          <a:xfrm>
+            <a:off x="7346086" y="3790028"/>
+            <a:ext cx="1275986" cy="523220"/>
+          </a:xfrm>
+          <a:prstGeom prst="rect">
+            <a:avLst/>
+          </a:prstGeom>
+          <a:noFill/>
+        </p:spPr>
+        <p:txBody>
+          <a:bodyPr wrap="square" rtlCol="0">
+            <a:spAutoFit/>
+          </a:bodyPr>
+          <a:lstStyle/>
+          <a:p>
+            <a:r>
+              <a:rPr kumimoji="1" lang="en-US" altLang="ja-JP" sz="2800" dirty="0"/>
+              <a:t>* 10 </a:t>
+            </a:r>
+            <a:endParaRPr kumimoji="1" lang="ja-JP" altLang="en-US" sz="2800" dirty="0"/>
+          </a:p>
+        </p:txBody>
+      </p:sp>
+      <p:sp>
+        <p:nvSpPr>
+          <p:cNvPr id="23" name="正方形/長方形 22">
+            <a:extLst>
+              <a:ext uri="{FF2B5EF4-FFF2-40B4-BE49-F238E27FC236}">
+                <a16:creationId xmlns:a16="http://schemas.microsoft.com/office/drawing/2014/main" id="{7E9B9460-8C55-45DD-95BB-1DFFE7873247}"/>
               </a:ext>
             </a:extLst>
           </p:cNvPr>
@@ -3790,8 +3830,8 @@
         </p:nvSpPr>
         <p:spPr>
           <a:xfrm>
-            <a:off x="4289140" y="3543151"/>
-            <a:ext cx="2378976" cy="873866"/>
+            <a:off x="1292261" y="782583"/>
+            <a:ext cx="1367686" cy="416064"/>
           </a:xfrm>
           <a:prstGeom prst="rect">
             <a:avLst/>
@@ -3823,15 +3863,67 @@
             <a:pPr algn="ctr"/>
             <a:r>
               <a:rPr lang="en-US" altLang="ja-JP" dirty="0" err="1"/>
-              <a:t>TextN</a:t>
-            </a:r>
+              <a:t>TextRow</a:t>
+            </a:r>
+            <a:endParaRPr kumimoji="1" lang="ja-JP" altLang="en-US" dirty="0"/>
+          </a:p>
+        </p:txBody>
+      </p:sp>
+      <p:sp>
+        <p:nvSpPr>
+          <p:cNvPr id="24" name="正方形/長方形 23">
+            <a:extLst>
+              <a:ext uri="{FF2B5EF4-FFF2-40B4-BE49-F238E27FC236}">
+                <a16:creationId xmlns:a16="http://schemas.microsoft.com/office/drawing/2014/main" id="{B0ACB750-314C-469D-9034-33A23C7EF689}"/>
+              </a:ext>
+            </a:extLst>
+          </p:cNvPr>
+          <p:cNvSpPr/>
+          <p:nvPr/>
+        </p:nvSpPr>
+        <p:spPr>
+          <a:xfrm>
+            <a:off x="1135981" y="1361667"/>
+            <a:ext cx="1739637" cy="508503"/>
+          </a:xfrm>
+          <a:prstGeom prst="rect">
+            <a:avLst/>
+          </a:prstGeom>
+          <a:ln>
+            <a:solidFill>
+              <a:schemeClr val="tx1"/>
+            </a:solidFill>
+          </a:ln>
+        </p:spPr>
+        <p:style>
+          <a:lnRef idx="2">
+            <a:schemeClr val="accent6"/>
+          </a:lnRef>
+          <a:fillRef idx="1">
+            <a:schemeClr val="lt1"/>
+          </a:fillRef>
+          <a:effectRef idx="0">
+            <a:schemeClr val="accent6"/>
+          </a:effectRef>
+          <a:fontRef idx="minor">
+            <a:schemeClr val="dk1"/>
+          </a:fontRef>
+        </p:style>
+        <p:txBody>
+          <a:bodyPr rtlCol="0" anchor="ctr"/>
+          <a:lstStyle/>
+          <a:p>
+            <a:pPr algn="ctr"/>
             <a:r>
               <a:rPr lang="en-US" altLang="ja-JP" dirty="0"/>
-              <a:t>/</a:t>
-            </a:r>
+              <a:t>Command</a:t>
+            </a:r>
+          </a:p>
+          <a:p>
+            <a:pPr algn="ctr"/>
             <a:r>
               <a:rPr lang="en-US" altLang="ja-JP" dirty="0" err="1"/>
-              <a:t>ComboN</a:t>
+              <a:t>NewRow</a:t>
             </a:r>
             <a:endParaRPr kumimoji="1" lang="ja-JP" altLang="en-US" dirty="0"/>
           </a:p>
@@ -3839,10 +3931,10 @@
       </p:sp>
       <p:sp>
         <p:nvSpPr>
-          <p:cNvPr id="21" name="テキスト ボックス 20">
-            <a:extLst>
-              <a:ext uri="{FF2B5EF4-FFF2-40B4-BE49-F238E27FC236}">
-                <a16:creationId xmlns:a16="http://schemas.microsoft.com/office/drawing/2014/main" id="{BD3A7990-06EA-4B76-A59B-DBDFE0D888C9}"/>
+          <p:cNvPr id="27" name="テキスト ボックス 26">
+            <a:extLst>
+              <a:ext uri="{FF2B5EF4-FFF2-40B4-BE49-F238E27FC236}">
+                <a16:creationId xmlns:a16="http://schemas.microsoft.com/office/drawing/2014/main" id="{7C7DEA68-CB10-4DEC-9F56-817EDC582CA8}"/>
               </a:ext>
             </a:extLst>
           </p:cNvPr>
@@ -3851,8 +3943,8 @@
         </p:nvSpPr>
         <p:spPr>
           <a:xfrm>
-            <a:off x="7346086" y="3790028"/>
-            <a:ext cx="1275986" cy="523220"/>
+            <a:off x="262192" y="6122255"/>
+            <a:ext cx="2109049" cy="646331"/>
           </a:xfrm>
           <a:prstGeom prst="rect">
             <a:avLst/>
@@ -3866,6 +3958,384 @@
           <a:lstStyle/>
           <a:p>
             <a:r>
+              <a:rPr kumimoji="1" lang="en-US" altLang="ja-JP" sz="3600" dirty="0"/>
+              <a:t>Figure6.</a:t>
+            </a:r>
+            <a:endParaRPr kumimoji="1" lang="ja-JP" altLang="en-US" sz="3600" dirty="0"/>
+          </a:p>
+        </p:txBody>
+      </p:sp>
+      <p:sp>
+        <p:nvSpPr>
+          <p:cNvPr id="28" name="正方形/長方形 27">
+            <a:extLst>
+              <a:ext uri="{FF2B5EF4-FFF2-40B4-BE49-F238E27FC236}">
+                <a16:creationId xmlns:a16="http://schemas.microsoft.com/office/drawing/2014/main" id="{FEEA847D-0602-48ED-92BE-FD63908A9FE0}"/>
+              </a:ext>
+            </a:extLst>
+          </p:cNvPr>
+          <p:cNvSpPr/>
+          <p:nvPr/>
+        </p:nvSpPr>
+        <p:spPr>
+          <a:xfrm>
+            <a:off x="9553395" y="3614705"/>
+            <a:ext cx="2378976" cy="873866"/>
+          </a:xfrm>
+          <a:prstGeom prst="rect">
+            <a:avLst/>
+          </a:prstGeom>
+          <a:ln>
+            <a:solidFill>
+              <a:schemeClr val="tx1"/>
+            </a:solidFill>
+          </a:ln>
+        </p:spPr>
+        <p:style>
+          <a:lnRef idx="2">
+            <a:schemeClr val="accent6"/>
+          </a:lnRef>
+          <a:fillRef idx="1">
+            <a:schemeClr val="lt1"/>
+          </a:fillRef>
+          <a:effectRef idx="0">
+            <a:schemeClr val="accent6"/>
+          </a:effectRef>
+          <a:fontRef idx="minor">
+            <a:schemeClr val="dk1"/>
+          </a:fontRef>
+        </p:style>
+        <p:txBody>
+          <a:bodyPr rtlCol="0" anchor="ctr"/>
+          <a:lstStyle/>
+          <a:p>
+            <a:pPr algn="ctr"/>
+            <a:r>
+              <a:rPr lang="ja-JP" altLang="en-US" dirty="0"/>
+              <a:t>書き込まれている</a:t>
+            </a:r>
+            <a:endParaRPr lang="en-US" altLang="ja-JP" dirty="0"/>
+          </a:p>
+          <a:p>
+            <a:pPr algn="ctr"/>
+            <a:r>
+              <a:rPr kumimoji="1" lang="ja-JP" altLang="en-US" dirty="0"/>
+              <a:t>セルの値</a:t>
+            </a:r>
+          </a:p>
+        </p:txBody>
+      </p:sp>
+      <p:sp>
+        <p:nvSpPr>
+          <p:cNvPr id="38" name="テキスト ボックス 37">
+            <a:extLst>
+              <a:ext uri="{FF2B5EF4-FFF2-40B4-BE49-F238E27FC236}">
+                <a16:creationId xmlns:a16="http://schemas.microsoft.com/office/drawing/2014/main" id="{F10ACAC9-6424-41D3-9CE6-CF6F9E09B441}"/>
+              </a:ext>
+            </a:extLst>
+          </p:cNvPr>
+          <p:cNvSpPr txBox="1"/>
+          <p:nvPr/>
+        </p:nvSpPr>
+        <p:spPr>
+          <a:xfrm>
+            <a:off x="5478628" y="5485515"/>
+            <a:ext cx="2725925" cy="646331"/>
+          </a:xfrm>
+          <a:prstGeom prst="rect">
+            <a:avLst/>
+          </a:prstGeom>
+          <a:noFill/>
+        </p:spPr>
+        <p:txBody>
+          <a:bodyPr wrap="square" rtlCol="0">
+            <a:spAutoFit/>
+          </a:bodyPr>
+          <a:lstStyle/>
+          <a:p>
+            <a:r>
+              <a:rPr kumimoji="1" lang="ja-JP" altLang="en-US" dirty="0"/>
+              <a:t>それぞれの項目に入っているものを全て</a:t>
+            </a:r>
+            <a:r>
+              <a:rPr lang="ja-JP" altLang="en-US" dirty="0"/>
+              <a:t>書き込む</a:t>
+            </a:r>
+            <a:endParaRPr kumimoji="1" lang="ja-JP" altLang="en-US" dirty="0"/>
+          </a:p>
+        </p:txBody>
+      </p:sp>
+      <p:cxnSp>
+        <p:nvCxnSpPr>
+          <p:cNvPr id="6" name="直線矢印コネクタ 5">
+            <a:extLst>
+              <a:ext uri="{FF2B5EF4-FFF2-40B4-BE49-F238E27FC236}">
+                <a16:creationId xmlns:a16="http://schemas.microsoft.com/office/drawing/2014/main" id="{2C541AB5-71D5-43FD-B939-69BEFF90A17F}"/>
+              </a:ext>
+            </a:extLst>
+          </p:cNvPr>
+          <p:cNvCxnSpPr>
+            <a:cxnSpLocks/>
+            <a:stCxn id="34" idx="3"/>
+            <a:endCxn id="28" idx="1"/>
+          </p:cNvCxnSpPr>
+          <p:nvPr/>
+        </p:nvCxnSpPr>
+        <p:spPr>
+          <a:xfrm>
+            <a:off x="6668116" y="3980084"/>
+            <a:ext cx="2885279" cy="71554"/>
+          </a:xfrm>
+          <a:prstGeom prst="straightConnector1">
+            <a:avLst/>
+          </a:prstGeom>
+          <a:ln w="57150">
+            <a:solidFill>
+              <a:srgbClr val="FF0000"/>
+            </a:solidFill>
+            <a:tailEnd type="triangle"/>
+          </a:ln>
+        </p:spPr>
+        <p:style>
+          <a:lnRef idx="1">
+            <a:schemeClr val="accent1"/>
+          </a:lnRef>
+          <a:fillRef idx="0">
+            <a:schemeClr val="accent1"/>
+          </a:fillRef>
+          <a:effectRef idx="0">
+            <a:schemeClr val="accent1"/>
+          </a:effectRef>
+          <a:fontRef idx="minor">
+            <a:schemeClr val="tx1"/>
+          </a:fontRef>
+        </p:style>
+      </p:cxnSp>
+      <p:sp>
+        <p:nvSpPr>
+          <p:cNvPr id="7" name="テキスト ボックス 6">
+            <a:extLst>
+              <a:ext uri="{FF2B5EF4-FFF2-40B4-BE49-F238E27FC236}">
+                <a16:creationId xmlns:a16="http://schemas.microsoft.com/office/drawing/2014/main" id="{87B58132-E05A-4EA5-BB83-6B2F1359F180}"/>
+              </a:ext>
+            </a:extLst>
+          </p:cNvPr>
+          <p:cNvSpPr txBox="1"/>
+          <p:nvPr/>
+        </p:nvSpPr>
+        <p:spPr>
+          <a:xfrm>
+            <a:off x="7599439" y="4144081"/>
+            <a:ext cx="1439165" cy="461665"/>
+          </a:xfrm>
+          <a:prstGeom prst="rect">
+            <a:avLst/>
+          </a:prstGeom>
+          <a:noFill/>
+        </p:spPr>
+        <p:txBody>
+          <a:bodyPr wrap="square" rtlCol="0">
+            <a:spAutoFit/>
+          </a:bodyPr>
+          <a:lstStyle/>
+          <a:p>
+            <a:r>
+              <a:rPr kumimoji="1" lang="ja-JP" altLang="en-US" sz="2400" dirty="0"/>
+              <a:t>書き込み</a:t>
+            </a:r>
+          </a:p>
+        </p:txBody>
+      </p:sp>
+      <p:sp>
+        <p:nvSpPr>
+          <p:cNvPr id="29" name="正方形/長方形 28">
+            <a:extLst>
+              <a:ext uri="{FF2B5EF4-FFF2-40B4-BE49-F238E27FC236}">
+                <a16:creationId xmlns:a16="http://schemas.microsoft.com/office/drawing/2014/main" id="{6AC7A105-E49E-4188-97E1-0A8B7D1D1BF1}"/>
+              </a:ext>
+            </a:extLst>
+          </p:cNvPr>
+          <p:cNvSpPr/>
+          <p:nvPr/>
+        </p:nvSpPr>
+        <p:spPr>
+          <a:xfrm>
+            <a:off x="6929554" y="6091944"/>
+            <a:ext cx="2109050" cy="523220"/>
+          </a:xfrm>
+          <a:prstGeom prst="rect">
+            <a:avLst/>
+          </a:prstGeom>
+          <a:ln>
+            <a:solidFill>
+              <a:schemeClr val="tx1"/>
+            </a:solidFill>
+          </a:ln>
+        </p:spPr>
+        <p:style>
+          <a:lnRef idx="2">
+            <a:schemeClr val="accent6"/>
+          </a:lnRef>
+          <a:fillRef idx="1">
+            <a:schemeClr val="lt1"/>
+          </a:fillRef>
+          <a:effectRef idx="0">
+            <a:schemeClr val="accent6"/>
+          </a:effectRef>
+          <a:fontRef idx="minor">
+            <a:schemeClr val="dk1"/>
+          </a:fontRef>
+        </p:style>
+        <p:txBody>
+          <a:bodyPr rtlCol="0" anchor="ctr"/>
+          <a:lstStyle/>
+          <a:p>
+            <a:pPr algn="ctr"/>
+            <a:r>
+              <a:rPr kumimoji="1" lang="en-US" altLang="ja-JP" dirty="0" err="1">
+                <a:solidFill>
+                  <a:srgbClr val="FF0000"/>
+                </a:solidFill>
+              </a:rPr>
+              <a:t>CommandWrite</a:t>
+            </a:r>
+            <a:endParaRPr kumimoji="1" lang="ja-JP" altLang="en-US" dirty="0">
+              <a:solidFill>
+                <a:srgbClr val="FF0000"/>
+              </a:solidFill>
+            </a:endParaRPr>
+          </a:p>
+        </p:txBody>
+      </p:sp>
+      <p:sp>
+        <p:nvSpPr>
+          <p:cNvPr id="32" name="テキスト ボックス 31">
+            <a:extLst>
+              <a:ext uri="{FF2B5EF4-FFF2-40B4-BE49-F238E27FC236}">
+                <a16:creationId xmlns:a16="http://schemas.microsoft.com/office/drawing/2014/main" id="{3D2A2AB6-711D-44EC-AF41-7C79C4C43E6C}"/>
+              </a:ext>
+            </a:extLst>
+          </p:cNvPr>
+          <p:cNvSpPr txBox="1"/>
+          <p:nvPr/>
+        </p:nvSpPr>
+        <p:spPr>
+          <a:xfrm>
+            <a:off x="4246511" y="3128075"/>
+            <a:ext cx="1580818" cy="646331"/>
+          </a:xfrm>
+          <a:prstGeom prst="rect">
+            <a:avLst/>
+          </a:prstGeom>
+          <a:noFill/>
+        </p:spPr>
+        <p:txBody>
+          <a:bodyPr wrap="square" rtlCol="0">
+            <a:spAutoFit/>
+          </a:bodyPr>
+          <a:lstStyle/>
+          <a:p>
+            <a:r>
+              <a:rPr lang="en-US" altLang="ja-JP" dirty="0" err="1"/>
+              <a:t>FrameN</a:t>
+            </a:r>
+            <a:endParaRPr lang="ja-JP" altLang="en-US" dirty="0"/>
+          </a:p>
+          <a:p>
+            <a:endParaRPr kumimoji="1" lang="ja-JP" altLang="en-US" dirty="0"/>
+          </a:p>
+        </p:txBody>
+      </p:sp>
+      <p:sp>
+        <p:nvSpPr>
+          <p:cNvPr id="34" name="正方形/長方形 33">
+            <a:extLst>
+              <a:ext uri="{FF2B5EF4-FFF2-40B4-BE49-F238E27FC236}">
+                <a16:creationId xmlns:a16="http://schemas.microsoft.com/office/drawing/2014/main" id="{8BC1AFA1-D973-4D3E-8656-B7A7BA0B8932}"/>
+              </a:ext>
+            </a:extLst>
+          </p:cNvPr>
+          <p:cNvSpPr/>
+          <p:nvPr/>
+        </p:nvSpPr>
+        <p:spPr>
+          <a:xfrm>
+            <a:off x="4289140" y="3543151"/>
+            <a:ext cx="2378976" cy="873866"/>
+          </a:xfrm>
+          <a:prstGeom prst="rect">
+            <a:avLst/>
+          </a:prstGeom>
+          <a:ln>
+            <a:solidFill>
+              <a:schemeClr val="tx1"/>
+            </a:solidFill>
+          </a:ln>
+        </p:spPr>
+        <p:style>
+          <a:lnRef idx="2">
+            <a:schemeClr val="accent6"/>
+          </a:lnRef>
+          <a:fillRef idx="1">
+            <a:schemeClr val="lt1"/>
+          </a:fillRef>
+          <a:effectRef idx="0">
+            <a:schemeClr val="accent6"/>
+          </a:effectRef>
+          <a:fontRef idx="minor">
+            <a:schemeClr val="dk1"/>
+          </a:fontRef>
+        </p:style>
+        <p:txBody>
+          <a:bodyPr rtlCol="0" anchor="ctr"/>
+          <a:lstStyle/>
+          <a:p>
+            <a:pPr algn="ctr"/>
+            <a:r>
+              <a:rPr lang="en-US" altLang="ja-JP" dirty="0" err="1"/>
+              <a:t>TextN</a:t>
+            </a:r>
+            <a:r>
+              <a:rPr lang="en-US" altLang="ja-JP" dirty="0"/>
+              <a:t>/</a:t>
+            </a:r>
+            <a:r>
+              <a:rPr lang="en-US" altLang="ja-JP" dirty="0" err="1"/>
+              <a:t>ComboN</a:t>
+            </a:r>
+            <a:endParaRPr kumimoji="1" lang="ja-JP" altLang="en-US" dirty="0"/>
+          </a:p>
+        </p:txBody>
+      </p:sp>
+      <p:sp>
+        <p:nvSpPr>
+          <p:cNvPr id="36" name="テキスト ボックス 35">
+            <a:extLst>
+              <a:ext uri="{FF2B5EF4-FFF2-40B4-BE49-F238E27FC236}">
+                <a16:creationId xmlns:a16="http://schemas.microsoft.com/office/drawing/2014/main" id="{90B735AD-C96B-4EDE-9863-3713945FFD38}"/>
+              </a:ext>
+            </a:extLst>
+          </p:cNvPr>
+          <p:cNvSpPr txBox="1"/>
+          <p:nvPr/>
+        </p:nvSpPr>
+        <p:spPr>
+          <a:xfrm>
+            <a:off x="7346086" y="3790028"/>
+            <a:ext cx="1275986" cy="523220"/>
+          </a:xfrm>
+          <a:prstGeom prst="rect">
+            <a:avLst/>
+          </a:prstGeom>
+          <a:noFill/>
+        </p:spPr>
+        <p:txBody>
+          <a:bodyPr wrap="square" rtlCol="0">
+            <a:spAutoFit/>
+          </a:bodyPr>
+          <a:lstStyle/>
+          <a:p>
+            <a:r>
               <a:rPr kumimoji="1" lang="en-US" altLang="ja-JP" sz="2800" dirty="0"/>
               <a:t>* 10 </a:t>
             </a:r>
@@ -3875,10 +4345,10 @@
       </p:sp>
       <p:sp>
         <p:nvSpPr>
-          <p:cNvPr id="22" name="正方形/長方形 21">
-            <a:extLst>
-              <a:ext uri="{FF2B5EF4-FFF2-40B4-BE49-F238E27FC236}">
-                <a16:creationId xmlns:a16="http://schemas.microsoft.com/office/drawing/2014/main" id="{4849120C-F1AD-47A6-8C53-FB49C571E322}"/>
+          <p:cNvPr id="39" name="正方形/長方形 38">
+            <a:extLst>
+              <a:ext uri="{FF2B5EF4-FFF2-40B4-BE49-F238E27FC236}">
+                <a16:creationId xmlns:a16="http://schemas.microsoft.com/office/drawing/2014/main" id="{904949D8-BCBC-46CF-9BEB-8D7009B94D2C}"/>
               </a:ext>
             </a:extLst>
           </p:cNvPr>
@@ -3887,7 +4357,7 @@
         </p:nvSpPr>
         <p:spPr>
           <a:xfrm>
-            <a:off x="6708093" y="2668518"/>
+            <a:off x="6710745" y="2663278"/>
             <a:ext cx="1275986" cy="929594"/>
           </a:xfrm>
           <a:prstGeom prst="rect">
@@ -3935,12 +4405,42 @@
           </a:p>
         </p:txBody>
       </p:sp>
-      <p:sp>
-        <p:nvSpPr>
-          <p:cNvPr id="23" name="正方形/長方形 22">
-            <a:extLst>
-              <a:ext uri="{FF2B5EF4-FFF2-40B4-BE49-F238E27FC236}">
-                <a16:creationId xmlns:a16="http://schemas.microsoft.com/office/drawing/2014/main" id="{7E9B9460-8C55-45DD-95BB-1DFFE7873247}"/>
+    </p:spTree>
+    <p:extLst>
+      <p:ext uri="{BB962C8B-B14F-4D97-AF65-F5344CB8AC3E}">
+        <p14:creationId xmlns:p14="http://schemas.microsoft.com/office/powerpoint/2010/main" val="3798471223"/>
+      </p:ext>
+    </p:extLst>
+  </p:cSld>
+  <p:clrMapOvr>
+    <a:masterClrMapping/>
+  </p:clrMapOvr>
+</p:sld>
+</file>
+
+<file path=ppt/slides/slide11.xml><?xml version="1.0" encoding="utf-8"?>
+<p:sld xmlns:a="http://schemas.openxmlformats.org/drawingml/2006/main" xmlns:r="http://schemas.openxmlformats.org/officeDocument/2006/relationships" xmlns:p="http://schemas.openxmlformats.org/presentationml/2006/main">
+  <p:cSld>
+    <p:spTree>
+      <p:nvGrpSpPr>
+        <p:cNvPr id="1" name=""/>
+        <p:cNvGrpSpPr/>
+        <p:nvPr/>
+      </p:nvGrpSpPr>
+      <p:grpSpPr>
+        <a:xfrm>
+          <a:off x="0" y="0"/>
+          <a:ext cx="0" cy="0"/>
+          <a:chOff x="0" y="0"/>
+          <a:chExt cx="0" cy="0"/>
+        </a:xfrm>
+      </p:grpSpPr>
+      <p:sp>
+        <p:nvSpPr>
+          <p:cNvPr id="4" name="正方形/長方形 3">
+            <a:extLst>
+              <a:ext uri="{FF2B5EF4-FFF2-40B4-BE49-F238E27FC236}">
+                <a16:creationId xmlns:a16="http://schemas.microsoft.com/office/drawing/2014/main" id="{B0806AB4-A78A-4D74-A2AC-6E5AA3C51D7E}"/>
               </a:ext>
             </a:extLst>
           </p:cNvPr>
@@ -3949,8 +4449,8 @@
         </p:nvSpPr>
         <p:spPr>
           <a:xfrm>
-            <a:off x="582506" y="775298"/>
-            <a:ext cx="1367686" cy="416064"/>
+            <a:off x="405576" y="619563"/>
+            <a:ext cx="3200448" cy="1328474"/>
           </a:xfrm>
           <a:prstGeom prst="rect">
             <a:avLst/>
@@ -3980,20 +4480,55 @@
           <a:lstStyle/>
           <a:p>
             <a:pPr algn="ctr"/>
+            <a:endParaRPr kumimoji="1" lang="ja-JP" altLang="en-US" dirty="0"/>
+          </a:p>
+        </p:txBody>
+      </p:sp>
+      <p:sp>
+        <p:nvSpPr>
+          <p:cNvPr id="10" name="テキスト ボックス 9">
+            <a:extLst>
+              <a:ext uri="{FF2B5EF4-FFF2-40B4-BE49-F238E27FC236}">
+                <a16:creationId xmlns:a16="http://schemas.microsoft.com/office/drawing/2014/main" id="{74E64697-0FD9-4F14-BC8C-BCD71C8E372D}"/>
+              </a:ext>
+            </a:extLst>
+          </p:cNvPr>
+          <p:cNvSpPr txBox="1"/>
+          <p:nvPr/>
+        </p:nvSpPr>
+        <p:spPr>
+          <a:xfrm>
+            <a:off x="395286" y="213721"/>
+            <a:ext cx="1580818" cy="646331"/>
+          </a:xfrm>
+          <a:prstGeom prst="rect">
+            <a:avLst/>
+          </a:prstGeom>
+          <a:noFill/>
+        </p:spPr>
+        <p:txBody>
+          <a:bodyPr wrap="square" rtlCol="0">
+            <a:spAutoFit/>
+          </a:bodyPr>
+          <a:lstStyle/>
+          <a:p>
             <a:r>
               <a:rPr lang="en-US" altLang="ja-JP" dirty="0" err="1"/>
-              <a:t>TextRow</a:t>
-            </a:r>
+              <a:t>FrameRow</a:t>
+            </a:r>
+            <a:endParaRPr lang="ja-JP" altLang="en-US" dirty="0"/>
+          </a:p>
+          <a:p>
             <a:endParaRPr kumimoji="1" lang="ja-JP" altLang="en-US" dirty="0"/>
           </a:p>
         </p:txBody>
       </p:sp>
       <p:sp>
         <p:nvSpPr>
-          <p:cNvPr id="24" name="正方形/長方形 23">
-            <a:extLst>
-              <a:ext uri="{FF2B5EF4-FFF2-40B4-BE49-F238E27FC236}">
-                <a16:creationId xmlns:a16="http://schemas.microsoft.com/office/drawing/2014/main" id="{B0ACB750-314C-469D-9034-33A23C7EF689}"/>
+          <p:cNvPr id="20" name="正方形/長方形 19">
+            <a:extLst>
+              <a:ext uri="{FF2B5EF4-FFF2-40B4-BE49-F238E27FC236}">
+                <a16:creationId xmlns:a16="http://schemas.microsoft.com/office/drawing/2014/main" id="{AFAB25F2-EB89-4229-812E-41896CE4247D}"/>
               </a:ext>
             </a:extLst>
           </p:cNvPr>
@@ -4002,8 +4537,8 @@
         </p:nvSpPr>
         <p:spPr>
           <a:xfrm>
-            <a:off x="1135981" y="1361667"/>
-            <a:ext cx="1739637" cy="508503"/>
+            <a:off x="4289140" y="3543151"/>
+            <a:ext cx="2378976" cy="873866"/>
           </a:xfrm>
           <a:prstGeom prst="rect">
             <a:avLst/>
@@ -4034,15 +4569,114 @@
           <a:p>
             <a:pPr algn="ctr"/>
             <a:r>
+              <a:rPr lang="en-US" altLang="ja-JP" dirty="0" err="1"/>
+              <a:t>TextN</a:t>
+            </a:r>
+            <a:r>
               <a:rPr lang="en-US" altLang="ja-JP" dirty="0"/>
-              <a:t>Command</a:t>
-            </a:r>
-          </a:p>
+              <a:t>/</a:t>
+            </a:r>
+            <a:r>
+              <a:rPr lang="en-US" altLang="ja-JP" dirty="0" err="1"/>
+              <a:t>ComboN</a:t>
+            </a:r>
+            <a:endParaRPr kumimoji="1" lang="ja-JP" altLang="en-US" dirty="0"/>
+          </a:p>
+        </p:txBody>
+      </p:sp>
+      <p:sp>
+        <p:nvSpPr>
+          <p:cNvPr id="21" name="テキスト ボックス 20">
+            <a:extLst>
+              <a:ext uri="{FF2B5EF4-FFF2-40B4-BE49-F238E27FC236}">
+                <a16:creationId xmlns:a16="http://schemas.microsoft.com/office/drawing/2014/main" id="{BD3A7990-06EA-4B76-A59B-DBDFE0D888C9}"/>
+              </a:ext>
+            </a:extLst>
+          </p:cNvPr>
+          <p:cNvSpPr txBox="1"/>
+          <p:nvPr/>
+        </p:nvSpPr>
+        <p:spPr>
+          <a:xfrm>
+            <a:off x="7346086" y="3790028"/>
+            <a:ext cx="1275986" cy="523220"/>
+          </a:xfrm>
+          <a:prstGeom prst="rect">
+            <a:avLst/>
+          </a:prstGeom>
+          <a:noFill/>
+        </p:spPr>
+        <p:txBody>
+          <a:bodyPr wrap="square" rtlCol="0">
+            <a:spAutoFit/>
+          </a:bodyPr>
+          <a:lstStyle/>
+          <a:p>
+            <a:r>
+              <a:rPr kumimoji="1" lang="en-US" altLang="ja-JP" sz="2800" dirty="0"/>
+              <a:t>* 10 </a:t>
+            </a:r>
+            <a:endParaRPr kumimoji="1" lang="ja-JP" altLang="en-US" sz="2800" dirty="0"/>
+          </a:p>
+        </p:txBody>
+      </p:sp>
+      <p:sp>
+        <p:nvSpPr>
+          <p:cNvPr id="22" name="正方形/長方形 21">
+            <a:extLst>
+              <a:ext uri="{FF2B5EF4-FFF2-40B4-BE49-F238E27FC236}">
+                <a16:creationId xmlns:a16="http://schemas.microsoft.com/office/drawing/2014/main" id="{4849120C-F1AD-47A6-8C53-FB49C571E322}"/>
+              </a:ext>
+            </a:extLst>
+          </p:cNvPr>
+          <p:cNvSpPr/>
+          <p:nvPr/>
+        </p:nvSpPr>
+        <p:spPr>
+          <a:xfrm>
+            <a:off x="6708093" y="2668518"/>
+            <a:ext cx="1275986" cy="929594"/>
+          </a:xfrm>
+          <a:prstGeom prst="rect">
+            <a:avLst/>
+          </a:prstGeom>
+          <a:ln>
+            <a:solidFill>
+              <a:schemeClr val="tx1"/>
+            </a:solidFill>
+            <a:prstDash val="dash"/>
+          </a:ln>
+        </p:spPr>
+        <p:style>
+          <a:lnRef idx="2">
+            <a:schemeClr val="accent6"/>
+          </a:lnRef>
+          <a:fillRef idx="1">
+            <a:schemeClr val="lt1"/>
+          </a:fillRef>
+          <a:effectRef idx="0">
+            <a:schemeClr val="accent6"/>
+          </a:effectRef>
+          <a:fontRef idx="minor">
+            <a:schemeClr val="dk1"/>
+          </a:fontRef>
+        </p:style>
+        <p:txBody>
+          <a:bodyPr rtlCol="0" anchor="ctr"/>
+          <a:lstStyle/>
           <a:p>
             <a:pPr algn="ctr"/>
             <a:r>
-              <a:rPr lang="en-US" altLang="ja-JP" dirty="0" err="1"/>
-              <a:t>NewRow</a:t>
+              <a:rPr kumimoji="1" lang="en-US" altLang="ja-JP" dirty="0" err="1"/>
+              <a:t>LabelN</a:t>
+            </a:r>
+            <a:endParaRPr kumimoji="1" lang="en-US" altLang="ja-JP" dirty="0"/>
+          </a:p>
+          <a:p>
+            <a:pPr algn="ctr"/>
+            <a:r>
+              <a:rPr lang="en-US" altLang="ja-JP" dirty="0"/>
+              <a:t>(holder)</a:t>
             </a:r>
             <a:endParaRPr kumimoji="1" lang="ja-JP" altLang="en-US" dirty="0"/>
           </a:p>
@@ -4050,10 +4684,10 @@
       </p:sp>
       <p:sp>
         <p:nvSpPr>
-          <p:cNvPr id="26" name="正方形/長方形 25">
-            <a:extLst>
-              <a:ext uri="{FF2B5EF4-FFF2-40B4-BE49-F238E27FC236}">
-                <a16:creationId xmlns:a16="http://schemas.microsoft.com/office/drawing/2014/main" id="{B0A9B8B9-B352-43F3-9BDD-35ED16AA1767}"/>
+          <p:cNvPr id="23" name="正方形/長方形 22">
+            <a:extLst>
+              <a:ext uri="{FF2B5EF4-FFF2-40B4-BE49-F238E27FC236}">
+                <a16:creationId xmlns:a16="http://schemas.microsoft.com/office/drawing/2014/main" id="{7E9B9460-8C55-45DD-95BB-1DFFE7873247}"/>
               </a:ext>
             </a:extLst>
           </p:cNvPr>
@@ -4062,8 +4696,8 @@
         </p:nvSpPr>
         <p:spPr>
           <a:xfrm>
-            <a:off x="2007695" y="775298"/>
-            <a:ext cx="1422651" cy="508502"/>
+            <a:off x="1345223" y="758556"/>
+            <a:ext cx="1367686" cy="416064"/>
           </a:xfrm>
           <a:prstGeom prst="rect">
             <a:avLst/>
@@ -4094,15 +4728,68 @@
           <a:p>
             <a:pPr algn="ctr"/>
             <a:r>
-              <a:rPr kumimoji="1" lang="en-US" altLang="ja-JP" dirty="0"/>
-              <a:t>Combo</a:t>
-            </a:r>
-          </a:p>
+              <a:rPr lang="en-US" altLang="ja-JP" dirty="0" err="1"/>
+              <a:t>TextRow</a:t>
+            </a:r>
+            <a:endParaRPr kumimoji="1" lang="ja-JP" altLang="en-US" dirty="0"/>
+          </a:p>
+        </p:txBody>
+      </p:sp>
+      <p:sp>
+        <p:nvSpPr>
+          <p:cNvPr id="24" name="正方形/長方形 23">
+            <a:extLst>
+              <a:ext uri="{FF2B5EF4-FFF2-40B4-BE49-F238E27FC236}">
+                <a16:creationId xmlns:a16="http://schemas.microsoft.com/office/drawing/2014/main" id="{B0ACB750-314C-469D-9034-33A23C7EF689}"/>
+              </a:ext>
+            </a:extLst>
+          </p:cNvPr>
+          <p:cNvSpPr/>
+          <p:nvPr/>
+        </p:nvSpPr>
+        <p:spPr>
+          <a:xfrm>
+            <a:off x="1135981" y="1361667"/>
+            <a:ext cx="1739637" cy="508503"/>
+          </a:xfrm>
+          <a:prstGeom prst="rect">
+            <a:avLst/>
+          </a:prstGeom>
+          <a:ln>
+            <a:solidFill>
+              <a:schemeClr val="tx1"/>
+            </a:solidFill>
+          </a:ln>
+        </p:spPr>
+        <p:style>
+          <a:lnRef idx="2">
+            <a:schemeClr val="accent6"/>
+          </a:lnRef>
+          <a:fillRef idx="1">
+            <a:schemeClr val="lt1"/>
+          </a:fillRef>
+          <a:effectRef idx="0">
+            <a:schemeClr val="accent6"/>
+          </a:effectRef>
+          <a:fontRef idx="minor">
+            <a:schemeClr val="dk1"/>
+          </a:fontRef>
+        </p:style>
+        <p:txBody>
+          <a:bodyPr rtlCol="0" anchor="ctr"/>
+          <a:lstStyle/>
           <a:p>
             <a:pPr algn="ctr"/>
             <a:r>
-              <a:rPr kumimoji="1" lang="en-US" altLang="ja-JP" dirty="0"/>
-              <a:t>Column</a:t>
+              <a:rPr lang="en-US" altLang="ja-JP" dirty="0"/>
+              <a:t>Command</a:t>
+            </a:r>
+          </a:p>
+          <a:p>
+            <a:pPr algn="ctr"/>
+            <a:r>
+              <a:rPr lang="en-US" altLang="ja-JP" dirty="0" err="1"/>
+              <a:t>NewRow</a:t>
             </a:r>
             <a:endParaRPr kumimoji="1" lang="ja-JP" altLang="en-US" dirty="0"/>
           </a:p>
@@ -4898,6 +5585,1592 @@
 </p:sld>
 </file>
 
+<file path=ppt/slides/slide12.xml><?xml version="1.0" encoding="utf-8"?>
+<p:sld xmlns:a="http://schemas.openxmlformats.org/drawingml/2006/main" xmlns:r="http://schemas.openxmlformats.org/officeDocument/2006/relationships" xmlns:p="http://schemas.openxmlformats.org/presentationml/2006/main">
+  <p:cSld>
+    <p:spTree>
+      <p:nvGrpSpPr>
+        <p:cNvPr id="1" name=""/>
+        <p:cNvGrpSpPr/>
+        <p:nvPr/>
+      </p:nvGrpSpPr>
+      <p:grpSpPr>
+        <a:xfrm>
+          <a:off x="0" y="0"/>
+          <a:ext cx="0" cy="0"/>
+          <a:chOff x="0" y="0"/>
+          <a:chExt cx="0" cy="0"/>
+        </a:xfrm>
+      </p:grpSpPr>
+      <p:sp>
+        <p:nvSpPr>
+          <p:cNvPr id="4" name="テキスト ボックス 3">
+            <a:extLst>
+              <a:ext uri="{FF2B5EF4-FFF2-40B4-BE49-F238E27FC236}">
+                <a16:creationId xmlns:a16="http://schemas.microsoft.com/office/drawing/2014/main" id="{59252482-7DF7-41FB-A69F-A4EC4AA80392}"/>
+              </a:ext>
+            </a:extLst>
+          </p:cNvPr>
+          <p:cNvSpPr txBox="1"/>
+          <p:nvPr/>
+        </p:nvSpPr>
+        <p:spPr>
+          <a:xfrm>
+            <a:off x="3173794" y="2952095"/>
+            <a:ext cx="6686486" cy="1754326"/>
+          </a:xfrm>
+          <a:prstGeom prst="rect">
+            <a:avLst/>
+          </a:prstGeom>
+          <a:noFill/>
+        </p:spPr>
+        <p:txBody>
+          <a:bodyPr wrap="square" rtlCol="0">
+            <a:spAutoFit/>
+          </a:bodyPr>
+          <a:lstStyle/>
+          <a:p>
+            <a:r>
+              <a:rPr kumimoji="1" lang="ja-JP" altLang="en-US" sz="5400"/>
+              <a:t>楽々インプット</a:t>
+            </a:r>
+            <a:endParaRPr kumimoji="1" lang="en-US" altLang="ja-JP" sz="5400" dirty="0"/>
+          </a:p>
+          <a:p>
+            <a:r>
+              <a:rPr lang="en-US" altLang="ja-JP" sz="5400" dirty="0"/>
+              <a:t>	version pyqt5</a:t>
+            </a:r>
+            <a:endParaRPr kumimoji="1" lang="ja-JP" altLang="en-US" sz="5400" dirty="0"/>
+          </a:p>
+        </p:txBody>
+      </p:sp>
+      <p:sp>
+        <p:nvSpPr>
+          <p:cNvPr id="2" name="TextBox 1">
+            <a:extLst>
+              <a:ext uri="{FF2B5EF4-FFF2-40B4-BE49-F238E27FC236}">
+                <a16:creationId xmlns:a16="http://schemas.microsoft.com/office/drawing/2014/main" id="{265C61DB-3801-2E41-B6B3-738A1E133408}"/>
+              </a:ext>
+            </a:extLst>
+          </p:cNvPr>
+          <p:cNvSpPr txBox="1"/>
+          <p:nvPr/>
+        </p:nvSpPr>
+        <p:spPr>
+          <a:xfrm>
+            <a:off x="1722120" y="5593080"/>
+            <a:ext cx="8880957" cy="646331"/>
+          </a:xfrm>
+          <a:prstGeom prst="rect">
+            <a:avLst/>
+          </a:prstGeom>
+          <a:noFill/>
+        </p:spPr>
+        <p:txBody>
+          <a:bodyPr wrap="none" rtlCol="0">
+            <a:spAutoFit/>
+          </a:bodyPr>
+          <a:lstStyle/>
+          <a:p>
+            <a:r>
+              <a:rPr lang="en-US" dirty="0"/>
+              <a:t>Layout is in the following </a:t>
+            </a:r>
+            <a:r>
+              <a:rPr lang="en-US" dirty="0" err="1"/>
+              <a:t>url</a:t>
+            </a:r>
+            <a:r>
+              <a:rPr lang="en-US" dirty="0"/>
+              <a:t>.</a:t>
+            </a:r>
+          </a:p>
+          <a:p>
+            <a:r>
+              <a:rPr lang="en-US" dirty="0"/>
+              <a:t>https://</a:t>
+            </a:r>
+            <a:r>
+              <a:rPr lang="en-US" dirty="0" err="1"/>
+              <a:t>www.figma.com</a:t>
+            </a:r>
+            <a:r>
+              <a:rPr lang="en-US" dirty="0"/>
+              <a:t>/file/jrnTxDiIILFm0vl6GF3PdS/</a:t>
+            </a:r>
+            <a:r>
+              <a:rPr lang="en-US" dirty="0" err="1"/>
+              <a:t>Untitled?node-id</a:t>
+            </a:r>
+            <a:r>
+              <a:rPr lang="en-US" dirty="0"/>
+              <a:t>=2%3A52</a:t>
+            </a:r>
+            <a:endParaRPr lang="en-JP" dirty="0"/>
+          </a:p>
+        </p:txBody>
+      </p:sp>
+    </p:spTree>
+    <p:extLst>
+      <p:ext uri="{BB962C8B-B14F-4D97-AF65-F5344CB8AC3E}">
+        <p14:creationId xmlns:p14="http://schemas.microsoft.com/office/powerpoint/2010/main" val="3008536068"/>
+      </p:ext>
+    </p:extLst>
+  </p:cSld>
+  <p:clrMapOvr>
+    <a:masterClrMapping/>
+  </p:clrMapOvr>
+</p:sld>
+</file>
+
+<file path=ppt/slides/slide13.xml><?xml version="1.0" encoding="utf-8"?>
+<p:sld xmlns:a="http://schemas.openxmlformats.org/drawingml/2006/main" xmlns:r="http://schemas.openxmlformats.org/officeDocument/2006/relationships" xmlns:p="http://schemas.openxmlformats.org/presentationml/2006/main">
+  <p:cSld>
+    <p:spTree>
+      <p:nvGrpSpPr>
+        <p:cNvPr id="1" name=""/>
+        <p:cNvGrpSpPr/>
+        <p:nvPr/>
+      </p:nvGrpSpPr>
+      <p:grpSpPr>
+        <a:xfrm>
+          <a:off x="0" y="0"/>
+          <a:ext cx="0" cy="0"/>
+          <a:chOff x="0" y="0"/>
+          <a:chExt cx="0" cy="0"/>
+        </a:xfrm>
+      </p:grpSpPr>
+      <p:sp>
+        <p:nvSpPr>
+          <p:cNvPr id="40" name="正方形/長方形 6">
+            <a:extLst>
+              <a:ext uri="{FF2B5EF4-FFF2-40B4-BE49-F238E27FC236}">
+                <a16:creationId xmlns:a16="http://schemas.microsoft.com/office/drawing/2014/main" id="{FCE784D8-FDF0-1B4A-BCE5-F732C2A576FB}"/>
+              </a:ext>
+            </a:extLst>
+          </p:cNvPr>
+          <p:cNvSpPr/>
+          <p:nvPr/>
+        </p:nvSpPr>
+        <p:spPr>
+          <a:xfrm>
+            <a:off x="0" y="0"/>
+            <a:ext cx="11993880" cy="6777408"/>
+          </a:xfrm>
+          <a:prstGeom prst="rect">
+            <a:avLst/>
+          </a:prstGeom>
+          <a:ln>
+            <a:solidFill>
+              <a:schemeClr val="tx1"/>
+            </a:solidFill>
+          </a:ln>
+        </p:spPr>
+        <p:style>
+          <a:lnRef idx="2">
+            <a:schemeClr val="accent6"/>
+          </a:lnRef>
+          <a:fillRef idx="1">
+            <a:schemeClr val="lt1"/>
+          </a:fillRef>
+          <a:effectRef idx="0">
+            <a:schemeClr val="accent6"/>
+          </a:effectRef>
+          <a:fontRef idx="minor">
+            <a:schemeClr val="dk1"/>
+          </a:fontRef>
+        </p:style>
+        <p:txBody>
+          <a:bodyPr rtlCol="0" anchor="ctr"/>
+          <a:lstStyle/>
+          <a:p>
+            <a:pPr algn="ctr"/>
+            <a:endParaRPr kumimoji="1" lang="ja-JP" altLang="en-US" dirty="0"/>
+          </a:p>
+        </p:txBody>
+      </p:sp>
+      <p:sp>
+        <p:nvSpPr>
+          <p:cNvPr id="35" name="正方形/長方形 23">
+            <a:extLst>
+              <a:ext uri="{FF2B5EF4-FFF2-40B4-BE49-F238E27FC236}">
+                <a16:creationId xmlns:a16="http://schemas.microsoft.com/office/drawing/2014/main" id="{1F8B2D23-D257-0147-99DC-E4BA1F5DE511}"/>
+              </a:ext>
+            </a:extLst>
+          </p:cNvPr>
+          <p:cNvSpPr/>
+          <p:nvPr/>
+        </p:nvSpPr>
+        <p:spPr>
+          <a:xfrm>
+            <a:off x="446898" y="2178396"/>
+            <a:ext cx="11135502" cy="2711803"/>
+          </a:xfrm>
+          <a:prstGeom prst="rect">
+            <a:avLst/>
+          </a:prstGeom>
+          <a:ln>
+            <a:solidFill>
+              <a:schemeClr val="tx1"/>
+            </a:solidFill>
+          </a:ln>
+        </p:spPr>
+        <p:style>
+          <a:lnRef idx="2">
+            <a:schemeClr val="accent6"/>
+          </a:lnRef>
+          <a:fillRef idx="1">
+            <a:schemeClr val="lt1"/>
+          </a:fillRef>
+          <a:effectRef idx="0">
+            <a:schemeClr val="accent6"/>
+          </a:effectRef>
+          <a:fontRef idx="minor">
+            <a:schemeClr val="dk1"/>
+          </a:fontRef>
+        </p:style>
+        <p:txBody>
+          <a:bodyPr rtlCol="0" anchor="ctr"/>
+          <a:lstStyle/>
+          <a:p>
+            <a:pPr algn="ctr"/>
+            <a:endParaRPr kumimoji="1" lang="ja-JP" altLang="en-US" dirty="0"/>
+          </a:p>
+        </p:txBody>
+      </p:sp>
+      <p:sp>
+        <p:nvSpPr>
+          <p:cNvPr id="7" name="正方形/長方形 6">
+            <a:extLst>
+              <a:ext uri="{FF2B5EF4-FFF2-40B4-BE49-F238E27FC236}">
+                <a16:creationId xmlns:a16="http://schemas.microsoft.com/office/drawing/2014/main" id="{DF440F00-AEC0-489B-8EFC-E928E8545F0B}"/>
+              </a:ext>
+            </a:extLst>
+          </p:cNvPr>
+          <p:cNvSpPr/>
+          <p:nvPr/>
+        </p:nvSpPr>
+        <p:spPr>
+          <a:xfrm>
+            <a:off x="446895" y="216845"/>
+            <a:ext cx="11135503" cy="1858136"/>
+          </a:xfrm>
+          <a:prstGeom prst="rect">
+            <a:avLst/>
+          </a:prstGeom>
+          <a:ln>
+            <a:solidFill>
+              <a:schemeClr val="tx1"/>
+            </a:solidFill>
+          </a:ln>
+        </p:spPr>
+        <p:style>
+          <a:lnRef idx="2">
+            <a:schemeClr val="accent6"/>
+          </a:lnRef>
+          <a:fillRef idx="1">
+            <a:schemeClr val="lt1"/>
+          </a:fillRef>
+          <a:effectRef idx="0">
+            <a:schemeClr val="accent6"/>
+          </a:effectRef>
+          <a:fontRef idx="minor">
+            <a:schemeClr val="dk1"/>
+          </a:fontRef>
+        </p:style>
+        <p:txBody>
+          <a:bodyPr rtlCol="0" anchor="ctr"/>
+          <a:lstStyle/>
+          <a:p>
+            <a:pPr algn="ctr"/>
+            <a:endParaRPr kumimoji="1" lang="ja-JP" altLang="en-US" dirty="0"/>
+          </a:p>
+        </p:txBody>
+      </p:sp>
+      <p:sp>
+        <p:nvSpPr>
+          <p:cNvPr id="30" name="正方形/長方形 29">
+            <a:extLst>
+              <a:ext uri="{FF2B5EF4-FFF2-40B4-BE49-F238E27FC236}">
+                <a16:creationId xmlns:a16="http://schemas.microsoft.com/office/drawing/2014/main" id="{303F5FE6-2BBA-424B-9A11-744A1703EFEC}"/>
+              </a:ext>
+            </a:extLst>
+          </p:cNvPr>
+          <p:cNvSpPr/>
+          <p:nvPr/>
+        </p:nvSpPr>
+        <p:spPr>
+          <a:xfrm>
+            <a:off x="446895" y="5140492"/>
+            <a:ext cx="11135503" cy="1509356"/>
+          </a:xfrm>
+          <a:prstGeom prst="rect">
+            <a:avLst/>
+          </a:prstGeom>
+          <a:ln>
+            <a:solidFill>
+              <a:schemeClr val="tx1"/>
+            </a:solidFill>
+          </a:ln>
+        </p:spPr>
+        <p:style>
+          <a:lnRef idx="2">
+            <a:schemeClr val="accent6"/>
+          </a:lnRef>
+          <a:fillRef idx="1">
+            <a:schemeClr val="lt1"/>
+          </a:fillRef>
+          <a:effectRef idx="0">
+            <a:schemeClr val="accent6"/>
+          </a:effectRef>
+          <a:fontRef idx="minor">
+            <a:schemeClr val="dk1"/>
+          </a:fontRef>
+        </p:style>
+        <p:txBody>
+          <a:bodyPr rtlCol="0" anchor="ctr"/>
+          <a:lstStyle/>
+          <a:p>
+            <a:pPr algn="ctr"/>
+            <a:endParaRPr kumimoji="1" lang="ja-JP" altLang="en-US" dirty="0"/>
+          </a:p>
+        </p:txBody>
+      </p:sp>
+      <p:sp>
+        <p:nvSpPr>
+          <p:cNvPr id="6" name="正方形/長方形 5">
+            <a:extLst>
+              <a:ext uri="{FF2B5EF4-FFF2-40B4-BE49-F238E27FC236}">
+                <a16:creationId xmlns:a16="http://schemas.microsoft.com/office/drawing/2014/main" id="{1068BB6C-C7D5-4078-AF25-FF50A610EA6A}"/>
+              </a:ext>
+            </a:extLst>
+          </p:cNvPr>
+          <p:cNvSpPr/>
+          <p:nvPr/>
+        </p:nvSpPr>
+        <p:spPr>
+          <a:xfrm>
+            <a:off x="4121095" y="600551"/>
+            <a:ext cx="1472349" cy="459495"/>
+          </a:xfrm>
+          <a:prstGeom prst="rect">
+            <a:avLst/>
+          </a:prstGeom>
+          <a:ln>
+            <a:solidFill>
+              <a:schemeClr val="tx1"/>
+            </a:solidFill>
+          </a:ln>
+        </p:spPr>
+        <p:style>
+          <a:lnRef idx="2">
+            <a:schemeClr val="accent6"/>
+          </a:lnRef>
+          <a:fillRef idx="1">
+            <a:schemeClr val="lt1"/>
+          </a:fillRef>
+          <a:effectRef idx="0">
+            <a:schemeClr val="accent6"/>
+          </a:effectRef>
+          <a:fontRef idx="minor">
+            <a:schemeClr val="dk1"/>
+          </a:fontRef>
+        </p:style>
+        <p:txBody>
+          <a:bodyPr rtlCol="0" anchor="ctr"/>
+          <a:lstStyle/>
+          <a:p>
+            <a:pPr algn="ctr"/>
+            <a:r>
+              <a:rPr kumimoji="1" lang="en-US" altLang="ja-JP" dirty="0"/>
+              <a:t>comboRef1</a:t>
+            </a:r>
+            <a:endParaRPr kumimoji="1" lang="ja-JP" altLang="en-US" dirty="0"/>
+          </a:p>
+        </p:txBody>
+      </p:sp>
+      <p:sp>
+        <p:nvSpPr>
+          <p:cNvPr id="8" name="正方形/長方形 7">
+            <a:extLst>
+              <a:ext uri="{FF2B5EF4-FFF2-40B4-BE49-F238E27FC236}">
+                <a16:creationId xmlns:a16="http://schemas.microsoft.com/office/drawing/2014/main" id="{737A3D66-DF9E-467E-AB1D-B0536C0F9950}"/>
+              </a:ext>
+            </a:extLst>
+          </p:cNvPr>
+          <p:cNvSpPr/>
+          <p:nvPr/>
+        </p:nvSpPr>
+        <p:spPr>
+          <a:xfrm>
+            <a:off x="4121095" y="1288124"/>
+            <a:ext cx="1472349" cy="459495"/>
+          </a:xfrm>
+          <a:prstGeom prst="rect">
+            <a:avLst/>
+          </a:prstGeom>
+          <a:ln>
+            <a:solidFill>
+              <a:schemeClr val="tx1"/>
+            </a:solidFill>
+          </a:ln>
+        </p:spPr>
+        <p:style>
+          <a:lnRef idx="2">
+            <a:schemeClr val="accent6"/>
+          </a:lnRef>
+          <a:fillRef idx="1">
+            <a:schemeClr val="lt1"/>
+          </a:fillRef>
+          <a:effectRef idx="0">
+            <a:schemeClr val="accent6"/>
+          </a:effectRef>
+          <a:fontRef idx="minor">
+            <a:schemeClr val="dk1"/>
+          </a:fontRef>
+        </p:style>
+        <p:txBody>
+          <a:bodyPr rtlCol="0" anchor="ctr"/>
+          <a:lstStyle/>
+          <a:p>
+            <a:pPr algn="ctr"/>
+            <a:r>
+              <a:rPr kumimoji="1" lang="en-US" altLang="ja-JP" dirty="0"/>
+              <a:t>comboRef2</a:t>
+            </a:r>
+            <a:endParaRPr kumimoji="1" lang="ja-JP" altLang="en-US" dirty="0"/>
+          </a:p>
+        </p:txBody>
+      </p:sp>
+      <p:sp>
+        <p:nvSpPr>
+          <p:cNvPr id="9" name="正方形/長方形 8">
+            <a:extLst>
+              <a:ext uri="{FF2B5EF4-FFF2-40B4-BE49-F238E27FC236}">
+                <a16:creationId xmlns:a16="http://schemas.microsoft.com/office/drawing/2014/main" id="{D3309B30-FB8F-44EE-8017-84EC7584F9CF}"/>
+              </a:ext>
+            </a:extLst>
+          </p:cNvPr>
+          <p:cNvSpPr/>
+          <p:nvPr/>
+        </p:nvSpPr>
+        <p:spPr>
+          <a:xfrm>
+            <a:off x="5670929" y="686418"/>
+            <a:ext cx="1472349" cy="459495"/>
+          </a:xfrm>
+          <a:prstGeom prst="rect">
+            <a:avLst/>
+          </a:prstGeom>
+          <a:ln>
+            <a:solidFill>
+              <a:schemeClr val="tx1"/>
+            </a:solidFill>
+          </a:ln>
+        </p:spPr>
+        <p:style>
+          <a:lnRef idx="2">
+            <a:schemeClr val="accent6"/>
+          </a:lnRef>
+          <a:fillRef idx="1">
+            <a:schemeClr val="lt1"/>
+          </a:fillRef>
+          <a:effectRef idx="0">
+            <a:schemeClr val="accent6"/>
+          </a:effectRef>
+          <a:fontRef idx="minor">
+            <a:schemeClr val="dk1"/>
+          </a:fontRef>
+        </p:style>
+        <p:txBody>
+          <a:bodyPr rtlCol="0" anchor="ctr"/>
+          <a:lstStyle/>
+          <a:p>
+            <a:pPr algn="ctr"/>
+            <a:r>
+              <a:rPr lang="en-US" altLang="ja-JP" dirty="0"/>
+              <a:t>line</a:t>
+            </a:r>
+            <a:r>
+              <a:rPr kumimoji="1" lang="en-US" altLang="ja-JP" dirty="0"/>
+              <a:t>Ref1</a:t>
+            </a:r>
+            <a:endParaRPr kumimoji="1" lang="ja-JP" altLang="en-US" dirty="0"/>
+          </a:p>
+        </p:txBody>
+      </p:sp>
+      <p:sp>
+        <p:nvSpPr>
+          <p:cNvPr id="12" name="正方形/長方形 11">
+            <a:extLst>
+              <a:ext uri="{FF2B5EF4-FFF2-40B4-BE49-F238E27FC236}">
+                <a16:creationId xmlns:a16="http://schemas.microsoft.com/office/drawing/2014/main" id="{97009197-1A65-49AE-AB81-B9D7D4DC2A8B}"/>
+              </a:ext>
+            </a:extLst>
+          </p:cNvPr>
+          <p:cNvSpPr/>
+          <p:nvPr/>
+        </p:nvSpPr>
+        <p:spPr>
+          <a:xfrm>
+            <a:off x="5670929" y="1261859"/>
+            <a:ext cx="1472349" cy="459495"/>
+          </a:xfrm>
+          <a:prstGeom prst="rect">
+            <a:avLst/>
+          </a:prstGeom>
+          <a:ln>
+            <a:solidFill>
+              <a:schemeClr val="tx1"/>
+            </a:solidFill>
+          </a:ln>
+        </p:spPr>
+        <p:style>
+          <a:lnRef idx="2">
+            <a:schemeClr val="accent6"/>
+          </a:lnRef>
+          <a:fillRef idx="1">
+            <a:schemeClr val="lt1"/>
+          </a:fillRef>
+          <a:effectRef idx="0">
+            <a:schemeClr val="accent6"/>
+          </a:effectRef>
+          <a:fontRef idx="minor">
+            <a:schemeClr val="dk1"/>
+          </a:fontRef>
+        </p:style>
+        <p:txBody>
+          <a:bodyPr rtlCol="0" anchor="ctr"/>
+          <a:lstStyle/>
+          <a:p>
+            <a:pPr algn="ctr"/>
+            <a:r>
+              <a:rPr lang="en-US" altLang="ja-JP" dirty="0"/>
+              <a:t>line</a:t>
+            </a:r>
+            <a:r>
+              <a:rPr kumimoji="1" lang="en-US" altLang="ja-JP" dirty="0"/>
+              <a:t>Ref2</a:t>
+            </a:r>
+            <a:endParaRPr kumimoji="1" lang="ja-JP" altLang="en-US" dirty="0"/>
+          </a:p>
+        </p:txBody>
+      </p:sp>
+      <p:sp>
+        <p:nvSpPr>
+          <p:cNvPr id="33" name="正方形/長方形 32">
+            <a:extLst>
+              <a:ext uri="{FF2B5EF4-FFF2-40B4-BE49-F238E27FC236}">
+                <a16:creationId xmlns:a16="http://schemas.microsoft.com/office/drawing/2014/main" id="{DA33E334-BCBA-4E31-B35D-90DC42D41893}"/>
+              </a:ext>
+            </a:extLst>
+          </p:cNvPr>
+          <p:cNvSpPr/>
+          <p:nvPr/>
+        </p:nvSpPr>
+        <p:spPr>
+          <a:xfrm>
+            <a:off x="4027952" y="5433559"/>
+            <a:ext cx="1472349" cy="459495"/>
+          </a:xfrm>
+          <a:prstGeom prst="rect">
+            <a:avLst/>
+          </a:prstGeom>
+          <a:ln>
+            <a:solidFill>
+              <a:schemeClr val="tx1"/>
+            </a:solidFill>
+          </a:ln>
+        </p:spPr>
+        <p:style>
+          <a:lnRef idx="2">
+            <a:schemeClr val="accent6"/>
+          </a:lnRef>
+          <a:fillRef idx="1">
+            <a:schemeClr val="lt1"/>
+          </a:fillRef>
+          <a:effectRef idx="0">
+            <a:schemeClr val="accent6"/>
+          </a:effectRef>
+          <a:fontRef idx="minor">
+            <a:schemeClr val="dk1"/>
+          </a:fontRef>
+        </p:style>
+        <p:txBody>
+          <a:bodyPr rtlCol="0" anchor="ctr"/>
+          <a:lstStyle/>
+          <a:p>
+            <a:pPr algn="ctr"/>
+            <a:r>
+              <a:rPr lang="en-US" altLang="ja-JP" dirty="0"/>
+              <a:t>line</a:t>
+            </a:r>
+            <a:r>
+              <a:rPr kumimoji="1" lang="en-US" altLang="ja-JP" dirty="0"/>
+              <a:t>Sh1</a:t>
+            </a:r>
+            <a:endParaRPr kumimoji="1" lang="ja-JP" altLang="en-US" dirty="0"/>
+          </a:p>
+        </p:txBody>
+      </p:sp>
+      <p:sp>
+        <p:nvSpPr>
+          <p:cNvPr id="16" name="正方形/長方形 15">
+            <a:extLst>
+              <a:ext uri="{FF2B5EF4-FFF2-40B4-BE49-F238E27FC236}">
+                <a16:creationId xmlns:a16="http://schemas.microsoft.com/office/drawing/2014/main" id="{C34D6C7A-6152-42A5-8B67-6A3BD8848B0C}"/>
+              </a:ext>
+            </a:extLst>
+          </p:cNvPr>
+          <p:cNvSpPr/>
+          <p:nvPr/>
+        </p:nvSpPr>
+        <p:spPr>
+          <a:xfrm>
+            <a:off x="7707672" y="553215"/>
+            <a:ext cx="1642925" cy="471836"/>
+          </a:xfrm>
+          <a:prstGeom prst="rect">
+            <a:avLst/>
+          </a:prstGeom>
+          <a:ln>
+            <a:solidFill>
+              <a:schemeClr val="tx1"/>
+            </a:solidFill>
+          </a:ln>
+        </p:spPr>
+        <p:style>
+          <a:lnRef idx="2">
+            <a:schemeClr val="accent6"/>
+          </a:lnRef>
+          <a:fillRef idx="1">
+            <a:schemeClr val="lt1"/>
+          </a:fillRef>
+          <a:effectRef idx="0">
+            <a:schemeClr val="accent6"/>
+          </a:effectRef>
+          <a:fontRef idx="minor">
+            <a:schemeClr val="dk1"/>
+          </a:fontRef>
+        </p:style>
+        <p:txBody>
+          <a:bodyPr rtlCol="0" anchor="ctr"/>
+          <a:lstStyle/>
+          <a:p>
+            <a:pPr algn="ctr"/>
+            <a:r>
+              <a:rPr kumimoji="1" lang="en-US" altLang="ja-JP" dirty="0" err="1"/>
+              <a:t>comboSearch</a:t>
+            </a:r>
+            <a:endParaRPr kumimoji="1" lang="ja-JP" altLang="en-US" dirty="0"/>
+          </a:p>
+        </p:txBody>
+      </p:sp>
+      <p:sp>
+        <p:nvSpPr>
+          <p:cNvPr id="17" name="正方形/長方形 16">
+            <a:extLst>
+              <a:ext uri="{FF2B5EF4-FFF2-40B4-BE49-F238E27FC236}">
+                <a16:creationId xmlns:a16="http://schemas.microsoft.com/office/drawing/2014/main" id="{4ED9E2AC-CB3A-458E-ACBD-134F858CBB95}"/>
+              </a:ext>
+            </a:extLst>
+          </p:cNvPr>
+          <p:cNvSpPr/>
+          <p:nvPr/>
+        </p:nvSpPr>
+        <p:spPr>
+          <a:xfrm>
+            <a:off x="9562401" y="553215"/>
+            <a:ext cx="1642925" cy="471836"/>
+          </a:xfrm>
+          <a:prstGeom prst="rect">
+            <a:avLst/>
+          </a:prstGeom>
+          <a:ln>
+            <a:solidFill>
+              <a:schemeClr val="tx1"/>
+            </a:solidFill>
+          </a:ln>
+        </p:spPr>
+        <p:style>
+          <a:lnRef idx="2">
+            <a:schemeClr val="accent6"/>
+          </a:lnRef>
+          <a:fillRef idx="1">
+            <a:schemeClr val="lt1"/>
+          </a:fillRef>
+          <a:effectRef idx="0">
+            <a:schemeClr val="accent6"/>
+          </a:effectRef>
+          <a:fontRef idx="minor">
+            <a:schemeClr val="dk1"/>
+          </a:fontRef>
+        </p:style>
+        <p:txBody>
+          <a:bodyPr rtlCol="0" anchor="ctr"/>
+          <a:lstStyle/>
+          <a:p>
+            <a:pPr algn="ctr"/>
+            <a:r>
+              <a:rPr lang="en-US" altLang="ja-JP" dirty="0" err="1"/>
+              <a:t>lineSeach</a:t>
+            </a:r>
+            <a:endParaRPr kumimoji="1" lang="ja-JP" altLang="en-US" dirty="0"/>
+          </a:p>
+        </p:txBody>
+      </p:sp>
+      <p:sp>
+        <p:nvSpPr>
+          <p:cNvPr id="18" name="正方形/長方形 17">
+            <a:extLst>
+              <a:ext uri="{FF2B5EF4-FFF2-40B4-BE49-F238E27FC236}">
+                <a16:creationId xmlns:a16="http://schemas.microsoft.com/office/drawing/2014/main" id="{6AAA43F2-6694-47D7-B57E-E383C61A7482}"/>
+              </a:ext>
+            </a:extLst>
+          </p:cNvPr>
+          <p:cNvSpPr/>
+          <p:nvPr/>
+        </p:nvSpPr>
+        <p:spPr>
+          <a:xfrm>
+            <a:off x="7707672" y="1216855"/>
+            <a:ext cx="3497654" cy="600271"/>
+          </a:xfrm>
+          <a:prstGeom prst="rect">
+            <a:avLst/>
+          </a:prstGeom>
+          <a:ln>
+            <a:solidFill>
+              <a:schemeClr val="tx1"/>
+            </a:solidFill>
+          </a:ln>
+        </p:spPr>
+        <p:style>
+          <a:lnRef idx="2">
+            <a:schemeClr val="accent6"/>
+          </a:lnRef>
+          <a:fillRef idx="1">
+            <a:schemeClr val="lt1"/>
+          </a:fillRef>
+          <a:effectRef idx="0">
+            <a:schemeClr val="accent6"/>
+          </a:effectRef>
+          <a:fontRef idx="minor">
+            <a:schemeClr val="dk1"/>
+          </a:fontRef>
+        </p:style>
+        <p:txBody>
+          <a:bodyPr rtlCol="0" anchor="ctr"/>
+          <a:lstStyle/>
+          <a:p>
+            <a:pPr algn="ctr"/>
+            <a:r>
+              <a:rPr kumimoji="1" lang="en-US" altLang="ja-JP" dirty="0" err="1"/>
+              <a:t>pushSearch</a:t>
+            </a:r>
+            <a:endParaRPr kumimoji="1" lang="ja-JP" altLang="en-US" dirty="0"/>
+          </a:p>
+        </p:txBody>
+      </p:sp>
+      <p:sp>
+        <p:nvSpPr>
+          <p:cNvPr id="20" name="正方形/長方形 19">
+            <a:extLst>
+              <a:ext uri="{FF2B5EF4-FFF2-40B4-BE49-F238E27FC236}">
+                <a16:creationId xmlns:a16="http://schemas.microsoft.com/office/drawing/2014/main" id="{AFAB25F2-EB89-4229-812E-41896CE4247D}"/>
+              </a:ext>
+            </a:extLst>
+          </p:cNvPr>
+          <p:cNvSpPr/>
+          <p:nvPr/>
+        </p:nvSpPr>
+        <p:spPr>
+          <a:xfrm>
+            <a:off x="6742854" y="3177772"/>
+            <a:ext cx="2378976" cy="873866"/>
+          </a:xfrm>
+          <a:prstGeom prst="rect">
+            <a:avLst/>
+          </a:prstGeom>
+          <a:ln>
+            <a:solidFill>
+              <a:schemeClr val="tx1"/>
+            </a:solidFill>
+          </a:ln>
+        </p:spPr>
+        <p:style>
+          <a:lnRef idx="2">
+            <a:schemeClr val="accent6"/>
+          </a:lnRef>
+          <a:fillRef idx="1">
+            <a:schemeClr val="lt1"/>
+          </a:fillRef>
+          <a:effectRef idx="0">
+            <a:schemeClr val="accent6"/>
+          </a:effectRef>
+          <a:fontRef idx="minor">
+            <a:schemeClr val="dk1"/>
+          </a:fontRef>
+        </p:style>
+        <p:txBody>
+          <a:bodyPr rtlCol="0" anchor="ctr"/>
+          <a:lstStyle/>
+          <a:p>
+            <a:pPr algn="ctr"/>
+            <a:r>
+              <a:rPr lang="en-US" altLang="ja-JP" dirty="0" err="1"/>
+              <a:t>lineMacro</a:t>
+            </a:r>
+            <a:endParaRPr kumimoji="1" lang="ja-JP" altLang="en-US" dirty="0"/>
+          </a:p>
+        </p:txBody>
+      </p:sp>
+      <p:sp>
+        <p:nvSpPr>
+          <p:cNvPr id="21" name="テキスト ボックス 20">
+            <a:extLst>
+              <a:ext uri="{FF2B5EF4-FFF2-40B4-BE49-F238E27FC236}">
+                <a16:creationId xmlns:a16="http://schemas.microsoft.com/office/drawing/2014/main" id="{BD3A7990-06EA-4B76-A59B-DBDFE0D888C9}"/>
+              </a:ext>
+            </a:extLst>
+          </p:cNvPr>
+          <p:cNvSpPr txBox="1"/>
+          <p:nvPr/>
+        </p:nvSpPr>
+        <p:spPr>
+          <a:xfrm>
+            <a:off x="9268007" y="3429000"/>
+            <a:ext cx="1275986" cy="523220"/>
+          </a:xfrm>
+          <a:prstGeom prst="rect">
+            <a:avLst/>
+          </a:prstGeom>
+          <a:noFill/>
+        </p:spPr>
+        <p:txBody>
+          <a:bodyPr wrap="square" rtlCol="0">
+            <a:spAutoFit/>
+          </a:bodyPr>
+          <a:lstStyle/>
+          <a:p>
+            <a:r>
+              <a:rPr kumimoji="1" lang="en-US" altLang="ja-JP" sz="2800" dirty="0"/>
+              <a:t>* </a:t>
+            </a:r>
+            <a:r>
+              <a:rPr lang="en-US" altLang="ja-JP" sz="2800" dirty="0"/>
+              <a:t>N</a:t>
+            </a:r>
+            <a:r>
+              <a:rPr kumimoji="1" lang="en-US" altLang="ja-JP" sz="2800" dirty="0"/>
+              <a:t> </a:t>
+            </a:r>
+            <a:endParaRPr kumimoji="1" lang="ja-JP" altLang="en-US" sz="2800" dirty="0"/>
+          </a:p>
+        </p:txBody>
+      </p:sp>
+      <p:sp>
+        <p:nvSpPr>
+          <p:cNvPr id="22" name="正方形/長方形 21">
+            <a:extLst>
+              <a:ext uri="{FF2B5EF4-FFF2-40B4-BE49-F238E27FC236}">
+                <a16:creationId xmlns:a16="http://schemas.microsoft.com/office/drawing/2014/main" id="{4849120C-F1AD-47A6-8C53-FB49C571E322}"/>
+              </a:ext>
+            </a:extLst>
+          </p:cNvPr>
+          <p:cNvSpPr/>
+          <p:nvPr/>
+        </p:nvSpPr>
+        <p:spPr>
+          <a:xfrm>
+            <a:off x="2286000" y="3177772"/>
+            <a:ext cx="1549687" cy="873866"/>
+          </a:xfrm>
+          <a:prstGeom prst="rect">
+            <a:avLst/>
+          </a:prstGeom>
+          <a:ln>
+            <a:solidFill>
+              <a:schemeClr val="tx1"/>
+            </a:solidFill>
+            <a:prstDash val="solid"/>
+          </a:ln>
+        </p:spPr>
+        <p:style>
+          <a:lnRef idx="2">
+            <a:schemeClr val="accent6"/>
+          </a:lnRef>
+          <a:fillRef idx="1">
+            <a:schemeClr val="lt1"/>
+          </a:fillRef>
+          <a:effectRef idx="0">
+            <a:schemeClr val="accent6"/>
+          </a:effectRef>
+          <a:fontRef idx="minor">
+            <a:schemeClr val="dk1"/>
+          </a:fontRef>
+        </p:style>
+        <p:txBody>
+          <a:bodyPr rtlCol="0" anchor="ctr"/>
+          <a:lstStyle/>
+          <a:p>
+            <a:pPr algn="ctr"/>
+            <a:r>
+              <a:rPr lang="en-US" altLang="ja-JP" dirty="0" err="1"/>
+              <a:t>l</a:t>
+            </a:r>
+            <a:r>
+              <a:rPr kumimoji="1" lang="en-US" altLang="ja-JP" dirty="0" err="1"/>
+              <a:t>abelMacro</a:t>
+            </a:r>
+            <a:endParaRPr kumimoji="1" lang="ja-JP" altLang="en-US" dirty="0"/>
+          </a:p>
+        </p:txBody>
+      </p:sp>
+      <p:sp>
+        <p:nvSpPr>
+          <p:cNvPr id="23" name="正方形/長方形 22">
+            <a:extLst>
+              <a:ext uri="{FF2B5EF4-FFF2-40B4-BE49-F238E27FC236}">
+                <a16:creationId xmlns:a16="http://schemas.microsoft.com/office/drawing/2014/main" id="{7E9B9460-8C55-45DD-95BB-1DFFE7873247}"/>
+              </a:ext>
+            </a:extLst>
+          </p:cNvPr>
+          <p:cNvSpPr/>
+          <p:nvPr/>
+        </p:nvSpPr>
+        <p:spPr>
+          <a:xfrm>
+            <a:off x="958971" y="550228"/>
+            <a:ext cx="1739636" cy="416064"/>
+          </a:xfrm>
+          <a:prstGeom prst="rect">
+            <a:avLst/>
+          </a:prstGeom>
+          <a:ln>
+            <a:solidFill>
+              <a:schemeClr val="tx1"/>
+            </a:solidFill>
+          </a:ln>
+        </p:spPr>
+        <p:style>
+          <a:lnRef idx="2">
+            <a:schemeClr val="accent6"/>
+          </a:lnRef>
+          <a:fillRef idx="1">
+            <a:schemeClr val="lt1"/>
+          </a:fillRef>
+          <a:effectRef idx="0">
+            <a:schemeClr val="accent6"/>
+          </a:effectRef>
+          <a:fontRef idx="minor">
+            <a:schemeClr val="dk1"/>
+          </a:fontRef>
+        </p:style>
+        <p:txBody>
+          <a:bodyPr rtlCol="0" anchor="ctr"/>
+          <a:lstStyle/>
+          <a:p>
+            <a:pPr algn="ctr"/>
+            <a:r>
+              <a:rPr lang="en-US" altLang="ja-JP" dirty="0" err="1"/>
+              <a:t>lineRow</a:t>
+            </a:r>
+            <a:endParaRPr kumimoji="1" lang="ja-JP" altLang="en-US" dirty="0"/>
+          </a:p>
+        </p:txBody>
+      </p:sp>
+      <p:sp>
+        <p:nvSpPr>
+          <p:cNvPr id="34" name="正方形/長方形 33">
+            <a:extLst>
+              <a:ext uri="{FF2B5EF4-FFF2-40B4-BE49-F238E27FC236}">
+                <a16:creationId xmlns:a16="http://schemas.microsoft.com/office/drawing/2014/main" id="{C469ECCC-4B0D-4F21-9D16-DAFBB893585B}"/>
+              </a:ext>
+            </a:extLst>
+          </p:cNvPr>
+          <p:cNvSpPr/>
+          <p:nvPr/>
+        </p:nvSpPr>
+        <p:spPr>
+          <a:xfrm>
+            <a:off x="4027952" y="6012631"/>
+            <a:ext cx="1472349" cy="459495"/>
+          </a:xfrm>
+          <a:prstGeom prst="rect">
+            <a:avLst/>
+          </a:prstGeom>
+          <a:ln>
+            <a:solidFill>
+              <a:schemeClr val="tx1"/>
+            </a:solidFill>
+          </a:ln>
+        </p:spPr>
+        <p:style>
+          <a:lnRef idx="2">
+            <a:schemeClr val="accent6"/>
+          </a:lnRef>
+          <a:fillRef idx="1">
+            <a:schemeClr val="lt1"/>
+          </a:fillRef>
+          <a:effectRef idx="0">
+            <a:schemeClr val="accent6"/>
+          </a:effectRef>
+          <a:fontRef idx="minor">
+            <a:schemeClr val="dk1"/>
+          </a:fontRef>
+        </p:style>
+        <p:txBody>
+          <a:bodyPr rtlCol="0" anchor="ctr"/>
+          <a:lstStyle/>
+          <a:p>
+            <a:pPr algn="ctr"/>
+            <a:r>
+              <a:rPr kumimoji="1" lang="en-US" altLang="ja-JP" dirty="0"/>
+              <a:t>lineSh2</a:t>
+            </a:r>
+            <a:endParaRPr kumimoji="1" lang="ja-JP" altLang="en-US" dirty="0"/>
+          </a:p>
+        </p:txBody>
+      </p:sp>
+      <p:sp>
+        <p:nvSpPr>
+          <p:cNvPr id="24" name="正方形/長方形 23">
+            <a:extLst>
+              <a:ext uri="{FF2B5EF4-FFF2-40B4-BE49-F238E27FC236}">
+                <a16:creationId xmlns:a16="http://schemas.microsoft.com/office/drawing/2014/main" id="{B0ACB750-314C-469D-9034-33A23C7EF689}"/>
+              </a:ext>
+            </a:extLst>
+          </p:cNvPr>
+          <p:cNvSpPr/>
+          <p:nvPr/>
+        </p:nvSpPr>
+        <p:spPr>
+          <a:xfrm>
+            <a:off x="945343" y="1233359"/>
+            <a:ext cx="1739637" cy="508503"/>
+          </a:xfrm>
+          <a:prstGeom prst="rect">
+            <a:avLst/>
+          </a:prstGeom>
+          <a:ln>
+            <a:solidFill>
+              <a:schemeClr val="tx1"/>
+            </a:solidFill>
+          </a:ln>
+        </p:spPr>
+        <p:style>
+          <a:lnRef idx="2">
+            <a:schemeClr val="accent6"/>
+          </a:lnRef>
+          <a:fillRef idx="1">
+            <a:schemeClr val="lt1"/>
+          </a:fillRef>
+          <a:effectRef idx="0">
+            <a:schemeClr val="accent6"/>
+          </a:effectRef>
+          <a:fontRef idx="minor">
+            <a:schemeClr val="dk1"/>
+          </a:fontRef>
+        </p:style>
+        <p:txBody>
+          <a:bodyPr rtlCol="0" anchor="ctr"/>
+          <a:lstStyle/>
+          <a:p>
+            <a:pPr algn="ctr"/>
+            <a:r>
+              <a:rPr lang="en-US" altLang="ja-JP" dirty="0" err="1"/>
+              <a:t>pushNewRow</a:t>
+            </a:r>
+            <a:endParaRPr kumimoji="1" lang="ja-JP" altLang="en-US" dirty="0"/>
+          </a:p>
+        </p:txBody>
+      </p:sp>
+      <p:sp>
+        <p:nvSpPr>
+          <p:cNvPr id="25" name="正方形/長方形 24">
+            <a:extLst>
+              <a:ext uri="{FF2B5EF4-FFF2-40B4-BE49-F238E27FC236}">
+                <a16:creationId xmlns:a16="http://schemas.microsoft.com/office/drawing/2014/main" id="{E151910C-480C-442E-B84A-1CA3770D1B43}"/>
+              </a:ext>
+            </a:extLst>
+          </p:cNvPr>
+          <p:cNvSpPr/>
+          <p:nvPr/>
+        </p:nvSpPr>
+        <p:spPr>
+          <a:xfrm>
+            <a:off x="6946915" y="6002428"/>
+            <a:ext cx="2109050" cy="523220"/>
+          </a:xfrm>
+          <a:prstGeom prst="rect">
+            <a:avLst/>
+          </a:prstGeom>
+          <a:ln>
+            <a:solidFill>
+              <a:schemeClr val="tx1"/>
+            </a:solidFill>
+          </a:ln>
+        </p:spPr>
+        <p:style>
+          <a:lnRef idx="2">
+            <a:schemeClr val="accent6"/>
+          </a:lnRef>
+          <a:fillRef idx="1">
+            <a:schemeClr val="lt1"/>
+          </a:fillRef>
+          <a:effectRef idx="0">
+            <a:schemeClr val="accent6"/>
+          </a:effectRef>
+          <a:fontRef idx="minor">
+            <a:schemeClr val="dk1"/>
+          </a:fontRef>
+        </p:style>
+        <p:txBody>
+          <a:bodyPr rtlCol="0" anchor="ctr"/>
+          <a:lstStyle/>
+          <a:p>
+            <a:pPr algn="ctr"/>
+            <a:r>
+              <a:rPr kumimoji="1" lang="en-US" altLang="ja-JP" dirty="0" err="1"/>
+              <a:t>pushWrite</a:t>
+            </a:r>
+            <a:endParaRPr kumimoji="1" lang="ja-JP" altLang="en-US" dirty="0"/>
+          </a:p>
+        </p:txBody>
+      </p:sp>
+      <p:sp>
+        <p:nvSpPr>
+          <p:cNvPr id="27" name="テキスト ボックス 26">
+            <a:extLst>
+              <a:ext uri="{FF2B5EF4-FFF2-40B4-BE49-F238E27FC236}">
+                <a16:creationId xmlns:a16="http://schemas.microsoft.com/office/drawing/2014/main" id="{7C7DEA68-CB10-4DEC-9F56-817EDC582CA8}"/>
+              </a:ext>
+            </a:extLst>
+          </p:cNvPr>
+          <p:cNvSpPr txBox="1"/>
+          <p:nvPr/>
+        </p:nvSpPr>
+        <p:spPr>
+          <a:xfrm>
+            <a:off x="505320" y="6006989"/>
+            <a:ext cx="2109049" cy="646331"/>
+          </a:xfrm>
+          <a:prstGeom prst="rect">
+            <a:avLst/>
+          </a:prstGeom>
+          <a:noFill/>
+        </p:spPr>
+        <p:txBody>
+          <a:bodyPr wrap="square" rtlCol="0">
+            <a:spAutoFit/>
+          </a:bodyPr>
+          <a:lstStyle/>
+          <a:p>
+            <a:r>
+              <a:rPr kumimoji="1" lang="en-US" altLang="ja-JP" sz="3600" dirty="0"/>
+              <a:t>Figure 1.</a:t>
+            </a:r>
+            <a:endParaRPr kumimoji="1" lang="ja-JP" altLang="en-US" sz="3600" dirty="0"/>
+          </a:p>
+        </p:txBody>
+      </p:sp>
+      <p:sp>
+        <p:nvSpPr>
+          <p:cNvPr id="28" name="正方形/長方形 27">
+            <a:extLst>
+              <a:ext uri="{FF2B5EF4-FFF2-40B4-BE49-F238E27FC236}">
+                <a16:creationId xmlns:a16="http://schemas.microsoft.com/office/drawing/2014/main" id="{8B175168-0593-4632-8AB3-4E67FED46AC9}"/>
+              </a:ext>
+            </a:extLst>
+          </p:cNvPr>
+          <p:cNvSpPr/>
+          <p:nvPr/>
+        </p:nvSpPr>
+        <p:spPr>
+          <a:xfrm>
+            <a:off x="9211614" y="6002428"/>
+            <a:ext cx="2171049" cy="523220"/>
+          </a:xfrm>
+          <a:prstGeom prst="rect">
+            <a:avLst/>
+          </a:prstGeom>
+          <a:ln>
+            <a:solidFill>
+              <a:schemeClr val="tx1"/>
+            </a:solidFill>
+          </a:ln>
+        </p:spPr>
+        <p:style>
+          <a:lnRef idx="2">
+            <a:schemeClr val="accent6"/>
+          </a:lnRef>
+          <a:fillRef idx="1">
+            <a:schemeClr val="lt1"/>
+          </a:fillRef>
+          <a:effectRef idx="0">
+            <a:schemeClr val="accent6"/>
+          </a:effectRef>
+          <a:fontRef idx="minor">
+            <a:schemeClr val="dk1"/>
+          </a:fontRef>
+        </p:style>
+        <p:txBody>
+          <a:bodyPr rtlCol="0" anchor="ctr"/>
+          <a:lstStyle/>
+          <a:p>
+            <a:pPr algn="ctr"/>
+            <a:r>
+              <a:rPr kumimoji="1" lang="en-US" altLang="ja-JP" dirty="0" err="1"/>
+              <a:t>pushCancel</a:t>
+            </a:r>
+            <a:endParaRPr kumimoji="1" lang="ja-JP" altLang="en-US" dirty="0"/>
+          </a:p>
+        </p:txBody>
+      </p:sp>
+      <p:sp>
+        <p:nvSpPr>
+          <p:cNvPr id="32" name="正方形/長方形 31">
+            <a:extLst>
+              <a:ext uri="{FF2B5EF4-FFF2-40B4-BE49-F238E27FC236}">
+                <a16:creationId xmlns:a16="http://schemas.microsoft.com/office/drawing/2014/main" id="{779449FA-76BA-473D-AFE0-01510330348F}"/>
+              </a:ext>
+            </a:extLst>
+          </p:cNvPr>
+          <p:cNvSpPr/>
+          <p:nvPr/>
+        </p:nvSpPr>
+        <p:spPr>
+          <a:xfrm>
+            <a:off x="2601473" y="6006989"/>
+            <a:ext cx="1234214" cy="470780"/>
+          </a:xfrm>
+          <a:prstGeom prst="rect">
+            <a:avLst/>
+          </a:prstGeom>
+          <a:ln>
+            <a:solidFill>
+              <a:schemeClr val="tx1"/>
+            </a:solidFill>
+            <a:prstDash val="solid"/>
+          </a:ln>
+        </p:spPr>
+        <p:style>
+          <a:lnRef idx="2">
+            <a:schemeClr val="accent6"/>
+          </a:lnRef>
+          <a:fillRef idx="1">
+            <a:schemeClr val="lt1"/>
+          </a:fillRef>
+          <a:effectRef idx="0">
+            <a:schemeClr val="accent6"/>
+          </a:effectRef>
+          <a:fontRef idx="minor">
+            <a:schemeClr val="dk1"/>
+          </a:fontRef>
+        </p:style>
+        <p:txBody>
+          <a:bodyPr rtlCol="0" anchor="ctr"/>
+          <a:lstStyle/>
+          <a:p>
+            <a:pPr algn="ctr"/>
+            <a:r>
+              <a:rPr lang="en-US" altLang="ja-JP" dirty="0"/>
+              <a:t>l</a:t>
+            </a:r>
+            <a:r>
+              <a:rPr kumimoji="1" lang="en-US" altLang="ja-JP" dirty="0"/>
+              <a:t>abelSh2</a:t>
+            </a:r>
+          </a:p>
+        </p:txBody>
+      </p:sp>
+      <p:sp>
+        <p:nvSpPr>
+          <p:cNvPr id="31" name="正方形/長方形 30">
+            <a:extLst>
+              <a:ext uri="{FF2B5EF4-FFF2-40B4-BE49-F238E27FC236}">
+                <a16:creationId xmlns:a16="http://schemas.microsoft.com/office/drawing/2014/main" id="{05CDC427-E276-4E6B-A078-6F854DBD8AC3}"/>
+              </a:ext>
+            </a:extLst>
+          </p:cNvPr>
+          <p:cNvSpPr/>
+          <p:nvPr/>
+        </p:nvSpPr>
+        <p:spPr>
+          <a:xfrm>
+            <a:off x="2601473" y="5412121"/>
+            <a:ext cx="1234214" cy="470780"/>
+          </a:xfrm>
+          <a:prstGeom prst="rect">
+            <a:avLst/>
+          </a:prstGeom>
+          <a:ln>
+            <a:solidFill>
+              <a:schemeClr val="tx1"/>
+            </a:solidFill>
+            <a:prstDash val="solid"/>
+          </a:ln>
+        </p:spPr>
+        <p:style>
+          <a:lnRef idx="2">
+            <a:schemeClr val="accent6"/>
+          </a:lnRef>
+          <a:fillRef idx="1">
+            <a:schemeClr val="lt1"/>
+          </a:fillRef>
+          <a:effectRef idx="0">
+            <a:schemeClr val="accent6"/>
+          </a:effectRef>
+          <a:fontRef idx="minor">
+            <a:schemeClr val="dk1"/>
+          </a:fontRef>
+        </p:style>
+        <p:txBody>
+          <a:bodyPr rtlCol="0" anchor="ctr"/>
+          <a:lstStyle/>
+          <a:p>
+            <a:pPr algn="ctr"/>
+            <a:r>
+              <a:rPr lang="en-US" altLang="ja-JP" dirty="0"/>
+              <a:t>l</a:t>
+            </a:r>
+            <a:r>
+              <a:rPr kumimoji="1" lang="en-US" altLang="ja-JP" dirty="0"/>
+              <a:t>abeSh1</a:t>
+            </a:r>
+          </a:p>
+        </p:txBody>
+      </p:sp>
+      <p:sp>
+        <p:nvSpPr>
+          <p:cNvPr id="36" name="正方形/長方形 19">
+            <a:extLst>
+              <a:ext uri="{FF2B5EF4-FFF2-40B4-BE49-F238E27FC236}">
+                <a16:creationId xmlns:a16="http://schemas.microsoft.com/office/drawing/2014/main" id="{4FB5BA4C-F851-B845-9CA0-EAE95DA49078}"/>
+              </a:ext>
+            </a:extLst>
+          </p:cNvPr>
+          <p:cNvSpPr/>
+          <p:nvPr/>
+        </p:nvSpPr>
+        <p:spPr>
+          <a:xfrm>
+            <a:off x="4099782" y="3177772"/>
+            <a:ext cx="2378976" cy="873866"/>
+          </a:xfrm>
+          <a:prstGeom prst="rect">
+            <a:avLst/>
+          </a:prstGeom>
+          <a:ln>
+            <a:solidFill>
+              <a:schemeClr val="tx1"/>
+            </a:solidFill>
+          </a:ln>
+        </p:spPr>
+        <p:style>
+          <a:lnRef idx="2">
+            <a:schemeClr val="accent6"/>
+          </a:lnRef>
+          <a:fillRef idx="1">
+            <a:schemeClr val="lt1"/>
+          </a:fillRef>
+          <a:effectRef idx="0">
+            <a:schemeClr val="accent6"/>
+          </a:effectRef>
+          <a:fontRef idx="minor">
+            <a:schemeClr val="dk1"/>
+          </a:fontRef>
+        </p:style>
+        <p:txBody>
+          <a:bodyPr rtlCol="0" anchor="ctr"/>
+          <a:lstStyle/>
+          <a:p>
+            <a:pPr algn="ctr"/>
+            <a:r>
+              <a:rPr kumimoji="1" lang="en-US" altLang="ja-JP" dirty="0" err="1"/>
+              <a:t>comboMacro</a:t>
+            </a:r>
+            <a:endParaRPr kumimoji="1" lang="ja-JP" altLang="en-US" dirty="0"/>
+          </a:p>
+        </p:txBody>
+      </p:sp>
+      <p:sp>
+        <p:nvSpPr>
+          <p:cNvPr id="38" name="正方形/長方形 21">
+            <a:extLst>
+              <a:ext uri="{FF2B5EF4-FFF2-40B4-BE49-F238E27FC236}">
+                <a16:creationId xmlns:a16="http://schemas.microsoft.com/office/drawing/2014/main" id="{4CDC332F-D46D-7249-B045-777554F54706}"/>
+              </a:ext>
+            </a:extLst>
+          </p:cNvPr>
+          <p:cNvSpPr/>
+          <p:nvPr/>
+        </p:nvSpPr>
+        <p:spPr>
+          <a:xfrm>
+            <a:off x="2751966" y="443752"/>
+            <a:ext cx="1275986" cy="844372"/>
+          </a:xfrm>
+          <a:prstGeom prst="rect">
+            <a:avLst/>
+          </a:prstGeom>
+          <a:ln>
+            <a:solidFill>
+              <a:schemeClr val="tx1"/>
+            </a:solidFill>
+            <a:prstDash val="dash"/>
+          </a:ln>
+        </p:spPr>
+        <p:style>
+          <a:lnRef idx="2">
+            <a:schemeClr val="accent6"/>
+          </a:lnRef>
+          <a:fillRef idx="1">
+            <a:schemeClr val="lt1"/>
+          </a:fillRef>
+          <a:effectRef idx="0">
+            <a:schemeClr val="accent6"/>
+          </a:effectRef>
+          <a:fontRef idx="minor">
+            <a:schemeClr val="dk1"/>
+          </a:fontRef>
+        </p:style>
+        <p:txBody>
+          <a:bodyPr rtlCol="0" anchor="ctr"/>
+          <a:lstStyle/>
+          <a:p>
+            <a:pPr algn="ctr"/>
+            <a:r>
+              <a:rPr lang="en-US" altLang="ja-JP" dirty="0" err="1"/>
+              <a:t>horizontalS</a:t>
+            </a:r>
+            <a:r>
+              <a:rPr kumimoji="1" lang="en-US" altLang="ja-JP" dirty="0" err="1"/>
+              <a:t>pacer</a:t>
+            </a:r>
+            <a:endParaRPr kumimoji="1" lang="en-US" altLang="ja-JP" dirty="0"/>
+          </a:p>
+          <a:p>
+            <a:pPr algn="ctr"/>
+            <a:r>
+              <a:rPr kumimoji="1" lang="en-US" altLang="ja-JP" dirty="0"/>
+              <a:t>Top</a:t>
+            </a:r>
+            <a:endParaRPr kumimoji="1" lang="ja-JP" altLang="en-US" dirty="0"/>
+          </a:p>
+        </p:txBody>
+      </p:sp>
+      <p:sp>
+        <p:nvSpPr>
+          <p:cNvPr id="39" name="正方形/長方形 21">
+            <a:extLst>
+              <a:ext uri="{FF2B5EF4-FFF2-40B4-BE49-F238E27FC236}">
+                <a16:creationId xmlns:a16="http://schemas.microsoft.com/office/drawing/2014/main" id="{AB7E5540-4606-EB46-9D40-14D8F8F116D0}"/>
+              </a:ext>
+            </a:extLst>
+          </p:cNvPr>
+          <p:cNvSpPr/>
+          <p:nvPr/>
+        </p:nvSpPr>
+        <p:spPr>
+          <a:xfrm>
+            <a:off x="5655950" y="5269568"/>
+            <a:ext cx="1275986" cy="902014"/>
+          </a:xfrm>
+          <a:prstGeom prst="rect">
+            <a:avLst/>
+          </a:prstGeom>
+          <a:ln>
+            <a:solidFill>
+              <a:schemeClr val="tx1"/>
+            </a:solidFill>
+            <a:prstDash val="dash"/>
+          </a:ln>
+        </p:spPr>
+        <p:style>
+          <a:lnRef idx="2">
+            <a:schemeClr val="accent6"/>
+          </a:lnRef>
+          <a:fillRef idx="1">
+            <a:schemeClr val="lt1"/>
+          </a:fillRef>
+          <a:effectRef idx="0">
+            <a:schemeClr val="accent6"/>
+          </a:effectRef>
+          <a:fontRef idx="minor">
+            <a:schemeClr val="dk1"/>
+          </a:fontRef>
+        </p:style>
+        <p:txBody>
+          <a:bodyPr rtlCol="0" anchor="ctr"/>
+          <a:lstStyle/>
+          <a:p>
+            <a:pPr algn="ctr"/>
+            <a:r>
+              <a:rPr lang="en-US" altLang="ja-JP" dirty="0" err="1"/>
+              <a:t>horizontalS</a:t>
+            </a:r>
+            <a:r>
+              <a:rPr kumimoji="1" lang="en-US" altLang="ja-JP" dirty="0" err="1"/>
+              <a:t>pacer</a:t>
+            </a:r>
+            <a:endParaRPr kumimoji="1" lang="en-US" altLang="ja-JP" dirty="0"/>
+          </a:p>
+          <a:p>
+            <a:pPr algn="ctr"/>
+            <a:r>
+              <a:rPr lang="en-US" altLang="ja-JP" dirty="0" err="1"/>
+              <a:t>Bottome</a:t>
+            </a:r>
+            <a:endParaRPr kumimoji="1" lang="ja-JP" altLang="en-US" dirty="0"/>
+          </a:p>
+        </p:txBody>
+      </p:sp>
+    </p:spTree>
+    <p:extLst>
+      <p:ext uri="{BB962C8B-B14F-4D97-AF65-F5344CB8AC3E}">
+        <p14:creationId xmlns:p14="http://schemas.microsoft.com/office/powerpoint/2010/main" val="3283136835"/>
+      </p:ext>
+    </p:extLst>
+  </p:cSld>
+  <p:clrMapOvr>
+    <a:masterClrMapping/>
+  </p:clrMapOvr>
+</p:sld>
+</file>
+
+<file path=ppt/slides/slide14.xml><?xml version="1.0" encoding="utf-8"?>
+<p:sld xmlns:a="http://schemas.openxmlformats.org/drawingml/2006/main" xmlns:r="http://schemas.openxmlformats.org/officeDocument/2006/relationships" xmlns:p="http://schemas.openxmlformats.org/presentationml/2006/main">
+  <p:cSld>
+    <p:spTree>
+      <p:nvGrpSpPr>
+        <p:cNvPr id="1" name=""/>
+        <p:cNvGrpSpPr/>
+        <p:nvPr/>
+      </p:nvGrpSpPr>
+      <p:grpSpPr>
+        <a:xfrm>
+          <a:off x="0" y="0"/>
+          <a:ext cx="0" cy="0"/>
+          <a:chOff x="0" y="0"/>
+          <a:chExt cx="0" cy="0"/>
+        </a:xfrm>
+      </p:grpSpPr>
+    </p:spTree>
+    <p:extLst>
+      <p:ext uri="{BB962C8B-B14F-4D97-AF65-F5344CB8AC3E}">
+        <p14:creationId xmlns:p14="http://schemas.microsoft.com/office/powerpoint/2010/main" val="1386603890"/>
+      </p:ext>
+    </p:extLst>
+  </p:cSld>
+  <p:clrMapOvr>
+    <a:masterClrMapping/>
+  </p:clrMapOvr>
+</p:sld>
+</file>
+
 <file path=ppt/slides/slide2.xml><?xml version="1.0" encoding="utf-8"?>
 <p:sld xmlns:a="http://schemas.openxmlformats.org/drawingml/2006/main" xmlns:r="http://schemas.openxmlformats.org/officeDocument/2006/relationships" xmlns:p="http://schemas.openxmlformats.org/presentationml/2006/main">
   <p:cSld>
@@ -5860,7 +8133,7 @@
         </p:nvSpPr>
         <p:spPr>
           <a:xfrm>
-            <a:off x="582506" y="775298"/>
+            <a:off x="1241559" y="778482"/>
             <a:ext cx="1367686" cy="416064"/>
           </a:xfrm>
           <a:prstGeom prst="rect">
@@ -6007,66 +8280,6 @@
             <a:r>
               <a:rPr kumimoji="1" lang="en-US" altLang="ja-JP" dirty="0" err="1"/>
               <a:t>CommandWrite</a:t>
-            </a:r>
-            <a:endParaRPr kumimoji="1" lang="ja-JP" altLang="en-US" dirty="0"/>
-          </a:p>
-        </p:txBody>
-      </p:sp>
-      <p:sp>
-        <p:nvSpPr>
-          <p:cNvPr id="26" name="正方形/長方形 25">
-            <a:extLst>
-              <a:ext uri="{FF2B5EF4-FFF2-40B4-BE49-F238E27FC236}">
-                <a16:creationId xmlns:a16="http://schemas.microsoft.com/office/drawing/2014/main" id="{B0A9B8B9-B352-43F3-9BDD-35ED16AA1767}"/>
-              </a:ext>
-            </a:extLst>
-          </p:cNvPr>
-          <p:cNvSpPr/>
-          <p:nvPr/>
-        </p:nvSpPr>
-        <p:spPr>
-          <a:xfrm>
-            <a:off x="2007695" y="775298"/>
-            <a:ext cx="1422651" cy="508502"/>
-          </a:xfrm>
-          <a:prstGeom prst="rect">
-            <a:avLst/>
-          </a:prstGeom>
-          <a:ln>
-            <a:solidFill>
-              <a:schemeClr val="tx1"/>
-            </a:solidFill>
-          </a:ln>
-        </p:spPr>
-        <p:style>
-          <a:lnRef idx="2">
-            <a:schemeClr val="accent6"/>
-          </a:lnRef>
-          <a:fillRef idx="1">
-            <a:schemeClr val="lt1"/>
-          </a:fillRef>
-          <a:effectRef idx="0">
-            <a:schemeClr val="accent6"/>
-          </a:effectRef>
-          <a:fontRef idx="minor">
-            <a:schemeClr val="dk1"/>
-          </a:fontRef>
-        </p:style>
-        <p:txBody>
-          <a:bodyPr rtlCol="0" anchor="ctr"/>
-          <a:lstStyle/>
-          <a:p>
-            <a:pPr algn="ctr"/>
-            <a:r>
-              <a:rPr kumimoji="1" lang="en-US" altLang="ja-JP" dirty="0"/>
-              <a:t>Combo</a:t>
-            </a:r>
-          </a:p>
-          <a:p>
-            <a:pPr algn="ctr"/>
-            <a:r>
-              <a:rPr kumimoji="1" lang="en-US" altLang="ja-JP" dirty="0"/>
-              <a:t>Column</a:t>
             </a:r>
             <a:endParaRPr kumimoji="1" lang="ja-JP" altLang="en-US" dirty="0"/>
           </a:p>
@@ -6493,6 +8706,1456 @@
       </p:grpSpPr>
       <p:sp>
         <p:nvSpPr>
+          <p:cNvPr id="4" name="正方形/長方形 3">
+            <a:extLst>
+              <a:ext uri="{FF2B5EF4-FFF2-40B4-BE49-F238E27FC236}">
+                <a16:creationId xmlns:a16="http://schemas.microsoft.com/office/drawing/2014/main" id="{B0806AB4-A78A-4D74-A2AC-6E5AA3C51D7E}"/>
+              </a:ext>
+            </a:extLst>
+          </p:cNvPr>
+          <p:cNvSpPr/>
+          <p:nvPr/>
+        </p:nvSpPr>
+        <p:spPr>
+          <a:xfrm>
+            <a:off x="405576" y="619563"/>
+            <a:ext cx="3200448" cy="1328474"/>
+          </a:xfrm>
+          <a:prstGeom prst="rect">
+            <a:avLst/>
+          </a:prstGeom>
+          <a:ln>
+            <a:solidFill>
+              <a:schemeClr val="tx1"/>
+            </a:solidFill>
+          </a:ln>
+        </p:spPr>
+        <p:style>
+          <a:lnRef idx="2">
+            <a:schemeClr val="accent6"/>
+          </a:lnRef>
+          <a:fillRef idx="1">
+            <a:schemeClr val="lt1"/>
+          </a:fillRef>
+          <a:effectRef idx="0">
+            <a:schemeClr val="accent6"/>
+          </a:effectRef>
+          <a:fontRef idx="minor">
+            <a:schemeClr val="dk1"/>
+          </a:fontRef>
+        </p:style>
+        <p:txBody>
+          <a:bodyPr rtlCol="0" anchor="ctr"/>
+          <a:lstStyle/>
+          <a:p>
+            <a:pPr algn="ctr"/>
+            <a:endParaRPr kumimoji="1" lang="ja-JP" altLang="en-US" dirty="0"/>
+          </a:p>
+        </p:txBody>
+      </p:sp>
+      <p:sp>
+        <p:nvSpPr>
+          <p:cNvPr id="10" name="テキスト ボックス 9">
+            <a:extLst>
+              <a:ext uri="{FF2B5EF4-FFF2-40B4-BE49-F238E27FC236}">
+                <a16:creationId xmlns:a16="http://schemas.microsoft.com/office/drawing/2014/main" id="{74E64697-0FD9-4F14-BC8C-BCD71C8E372D}"/>
+              </a:ext>
+            </a:extLst>
+          </p:cNvPr>
+          <p:cNvSpPr txBox="1"/>
+          <p:nvPr/>
+        </p:nvSpPr>
+        <p:spPr>
+          <a:xfrm>
+            <a:off x="395286" y="213721"/>
+            <a:ext cx="1580818" cy="646331"/>
+          </a:xfrm>
+          <a:prstGeom prst="rect">
+            <a:avLst/>
+          </a:prstGeom>
+          <a:noFill/>
+        </p:spPr>
+        <p:txBody>
+          <a:bodyPr wrap="square" rtlCol="0">
+            <a:spAutoFit/>
+          </a:bodyPr>
+          <a:lstStyle/>
+          <a:p>
+            <a:r>
+              <a:rPr lang="en-US" altLang="ja-JP" dirty="0" err="1"/>
+              <a:t>FrameRow</a:t>
+            </a:r>
+            <a:endParaRPr lang="ja-JP" altLang="en-US" dirty="0"/>
+          </a:p>
+          <a:p>
+            <a:endParaRPr kumimoji="1" lang="ja-JP" altLang="en-US" dirty="0"/>
+          </a:p>
+        </p:txBody>
+      </p:sp>
+      <p:sp>
+        <p:nvSpPr>
+          <p:cNvPr id="11" name="テキスト ボックス 10">
+            <a:extLst>
+              <a:ext uri="{FF2B5EF4-FFF2-40B4-BE49-F238E27FC236}">
+                <a16:creationId xmlns:a16="http://schemas.microsoft.com/office/drawing/2014/main" id="{250E9F54-0447-425A-B618-0EA6FCAC07E9}"/>
+              </a:ext>
+            </a:extLst>
+          </p:cNvPr>
+          <p:cNvSpPr txBox="1"/>
+          <p:nvPr/>
+        </p:nvSpPr>
+        <p:spPr>
+          <a:xfrm>
+            <a:off x="3897810" y="112225"/>
+            <a:ext cx="1580818" cy="646331"/>
+          </a:xfrm>
+          <a:prstGeom prst="rect">
+            <a:avLst/>
+          </a:prstGeom>
+          <a:noFill/>
+        </p:spPr>
+        <p:txBody>
+          <a:bodyPr wrap="square" rtlCol="0">
+            <a:spAutoFit/>
+          </a:bodyPr>
+          <a:lstStyle/>
+          <a:p>
+            <a:r>
+              <a:rPr lang="en-US" altLang="ja-JP" dirty="0" err="1"/>
+              <a:t>FrameRef</a:t>
+            </a:r>
+            <a:endParaRPr lang="ja-JP" altLang="en-US" dirty="0"/>
+          </a:p>
+          <a:p>
+            <a:endParaRPr kumimoji="1" lang="ja-JP" altLang="en-US" dirty="0"/>
+          </a:p>
+        </p:txBody>
+      </p:sp>
+      <p:grpSp>
+        <p:nvGrpSpPr>
+          <p:cNvPr id="13" name="グループ化 12">
+            <a:extLst>
+              <a:ext uri="{FF2B5EF4-FFF2-40B4-BE49-F238E27FC236}">
+                <a16:creationId xmlns:a16="http://schemas.microsoft.com/office/drawing/2014/main" id="{42E7393F-B3CC-4663-A5CC-90628344C350}"/>
+              </a:ext>
+            </a:extLst>
+          </p:cNvPr>
+          <p:cNvGrpSpPr/>
+          <p:nvPr/>
+        </p:nvGrpSpPr>
+        <p:grpSpPr>
+          <a:xfrm>
+            <a:off x="3953234" y="536886"/>
+            <a:ext cx="3394138" cy="1439044"/>
+            <a:chOff x="3944308" y="499098"/>
+            <a:chExt cx="3394138" cy="1439044"/>
+          </a:xfrm>
+        </p:grpSpPr>
+        <p:sp>
+          <p:nvSpPr>
+            <p:cNvPr id="7" name="正方形/長方形 6">
+              <a:extLst>
+                <a:ext uri="{FF2B5EF4-FFF2-40B4-BE49-F238E27FC236}">
+                  <a16:creationId xmlns:a16="http://schemas.microsoft.com/office/drawing/2014/main" id="{DF440F00-AEC0-489B-8EFC-E928E8545F0B}"/>
+                </a:ext>
+              </a:extLst>
+            </p:cNvPr>
+            <p:cNvSpPr/>
+            <p:nvPr/>
+          </p:nvSpPr>
+          <p:spPr>
+            <a:xfrm>
+              <a:off x="3944308" y="499098"/>
+              <a:ext cx="3394138" cy="1439044"/>
+            </a:xfrm>
+            <a:prstGeom prst="rect">
+              <a:avLst/>
+            </a:prstGeom>
+            <a:ln>
+              <a:solidFill>
+                <a:schemeClr val="tx1"/>
+              </a:solidFill>
+            </a:ln>
+          </p:spPr>
+          <p:style>
+            <a:lnRef idx="2">
+              <a:schemeClr val="accent6"/>
+            </a:lnRef>
+            <a:fillRef idx="1">
+              <a:schemeClr val="lt1"/>
+            </a:fillRef>
+            <a:effectRef idx="0">
+              <a:schemeClr val="accent6"/>
+            </a:effectRef>
+            <a:fontRef idx="minor">
+              <a:schemeClr val="dk1"/>
+            </a:fontRef>
+          </p:style>
+          <p:txBody>
+            <a:bodyPr rtlCol="0" anchor="ctr"/>
+            <a:lstStyle/>
+            <a:p>
+              <a:pPr algn="ctr"/>
+              <a:endParaRPr kumimoji="1" lang="ja-JP" altLang="en-US" dirty="0"/>
+            </a:p>
+          </p:txBody>
+        </p:sp>
+        <p:sp>
+          <p:nvSpPr>
+            <p:cNvPr id="6" name="正方形/長方形 5">
+              <a:extLst>
+                <a:ext uri="{FF2B5EF4-FFF2-40B4-BE49-F238E27FC236}">
+                  <a16:creationId xmlns:a16="http://schemas.microsoft.com/office/drawing/2014/main" id="{1068BB6C-C7D5-4078-AF25-FF50A610EA6A}"/>
+                </a:ext>
+              </a:extLst>
+            </p:cNvPr>
+            <p:cNvSpPr/>
+            <p:nvPr/>
+          </p:nvSpPr>
+          <p:spPr>
+            <a:xfrm>
+              <a:off x="4112169" y="658676"/>
+              <a:ext cx="1472349" cy="459495"/>
+            </a:xfrm>
+            <a:prstGeom prst="rect">
+              <a:avLst/>
+            </a:prstGeom>
+            <a:ln>
+              <a:solidFill>
+                <a:schemeClr val="tx1"/>
+              </a:solidFill>
+            </a:ln>
+          </p:spPr>
+          <p:style>
+            <a:lnRef idx="2">
+              <a:schemeClr val="accent6"/>
+            </a:lnRef>
+            <a:fillRef idx="1">
+              <a:schemeClr val="lt1"/>
+            </a:fillRef>
+            <a:effectRef idx="0">
+              <a:schemeClr val="accent6"/>
+            </a:effectRef>
+            <a:fontRef idx="minor">
+              <a:schemeClr val="dk1"/>
+            </a:fontRef>
+          </p:style>
+          <p:txBody>
+            <a:bodyPr rtlCol="0" anchor="ctr"/>
+            <a:lstStyle/>
+            <a:p>
+              <a:pPr algn="ctr"/>
+              <a:r>
+                <a:rPr lang="en-US" altLang="ja-JP" dirty="0"/>
+                <a:t>C</a:t>
+              </a:r>
+              <a:r>
+                <a:rPr kumimoji="1" lang="en-US" altLang="ja-JP" dirty="0"/>
+                <a:t>omboRef1</a:t>
+              </a:r>
+              <a:endParaRPr kumimoji="1" lang="ja-JP" altLang="en-US" dirty="0"/>
+            </a:p>
+          </p:txBody>
+        </p:sp>
+        <p:sp>
+          <p:nvSpPr>
+            <p:cNvPr id="8" name="正方形/長方形 7">
+              <a:extLst>
+                <a:ext uri="{FF2B5EF4-FFF2-40B4-BE49-F238E27FC236}">
+                  <a16:creationId xmlns:a16="http://schemas.microsoft.com/office/drawing/2014/main" id="{737A3D66-DF9E-467E-AB1D-B0536C0F9950}"/>
+                </a:ext>
+              </a:extLst>
+            </p:cNvPr>
+            <p:cNvSpPr/>
+            <p:nvPr/>
+          </p:nvSpPr>
+          <p:spPr>
+            <a:xfrm>
+              <a:off x="4112169" y="1250336"/>
+              <a:ext cx="1472349" cy="459495"/>
+            </a:xfrm>
+            <a:prstGeom prst="rect">
+              <a:avLst/>
+            </a:prstGeom>
+            <a:ln>
+              <a:solidFill>
+                <a:schemeClr val="tx1"/>
+              </a:solidFill>
+            </a:ln>
+          </p:spPr>
+          <p:style>
+            <a:lnRef idx="2">
+              <a:schemeClr val="accent6"/>
+            </a:lnRef>
+            <a:fillRef idx="1">
+              <a:schemeClr val="lt1"/>
+            </a:fillRef>
+            <a:effectRef idx="0">
+              <a:schemeClr val="accent6"/>
+            </a:effectRef>
+            <a:fontRef idx="minor">
+              <a:schemeClr val="dk1"/>
+            </a:fontRef>
+          </p:style>
+          <p:txBody>
+            <a:bodyPr rtlCol="0" anchor="ctr"/>
+            <a:lstStyle/>
+            <a:p>
+              <a:pPr algn="ctr"/>
+              <a:r>
+                <a:rPr lang="en-US" altLang="ja-JP" dirty="0"/>
+                <a:t>C</a:t>
+              </a:r>
+              <a:r>
+                <a:rPr kumimoji="1" lang="en-US" altLang="ja-JP" dirty="0"/>
+                <a:t>omboRef2</a:t>
+              </a:r>
+              <a:endParaRPr kumimoji="1" lang="ja-JP" altLang="en-US" dirty="0"/>
+            </a:p>
+          </p:txBody>
+        </p:sp>
+        <p:sp>
+          <p:nvSpPr>
+            <p:cNvPr id="9" name="正方形/長方形 8">
+              <a:extLst>
+                <a:ext uri="{FF2B5EF4-FFF2-40B4-BE49-F238E27FC236}">
+                  <a16:creationId xmlns:a16="http://schemas.microsoft.com/office/drawing/2014/main" id="{D3309B30-FB8F-44EE-8017-84EC7584F9CF}"/>
+                </a:ext>
+              </a:extLst>
+            </p:cNvPr>
+            <p:cNvSpPr/>
+            <p:nvPr/>
+          </p:nvSpPr>
+          <p:spPr>
+            <a:xfrm>
+              <a:off x="5662003" y="648630"/>
+              <a:ext cx="1472349" cy="459495"/>
+            </a:xfrm>
+            <a:prstGeom prst="rect">
+              <a:avLst/>
+            </a:prstGeom>
+            <a:ln>
+              <a:solidFill>
+                <a:schemeClr val="tx1"/>
+              </a:solidFill>
+            </a:ln>
+          </p:spPr>
+          <p:style>
+            <a:lnRef idx="2">
+              <a:schemeClr val="accent6"/>
+            </a:lnRef>
+            <a:fillRef idx="1">
+              <a:schemeClr val="lt1"/>
+            </a:fillRef>
+            <a:effectRef idx="0">
+              <a:schemeClr val="accent6"/>
+            </a:effectRef>
+            <a:fontRef idx="minor">
+              <a:schemeClr val="dk1"/>
+            </a:fontRef>
+          </p:style>
+          <p:txBody>
+            <a:bodyPr rtlCol="0" anchor="ctr"/>
+            <a:lstStyle/>
+            <a:p>
+              <a:pPr algn="ctr"/>
+              <a:r>
+                <a:rPr kumimoji="1" lang="en-US" altLang="ja-JP" dirty="0"/>
+                <a:t>textRef1</a:t>
+              </a:r>
+              <a:endParaRPr kumimoji="1" lang="ja-JP" altLang="en-US" dirty="0"/>
+            </a:p>
+          </p:txBody>
+        </p:sp>
+        <p:sp>
+          <p:nvSpPr>
+            <p:cNvPr id="12" name="正方形/長方形 11">
+              <a:extLst>
+                <a:ext uri="{FF2B5EF4-FFF2-40B4-BE49-F238E27FC236}">
+                  <a16:creationId xmlns:a16="http://schemas.microsoft.com/office/drawing/2014/main" id="{97009197-1A65-49AE-AB81-B9D7D4DC2A8B}"/>
+                </a:ext>
+              </a:extLst>
+            </p:cNvPr>
+            <p:cNvSpPr/>
+            <p:nvPr/>
+          </p:nvSpPr>
+          <p:spPr>
+            <a:xfrm>
+              <a:off x="5662003" y="1224071"/>
+              <a:ext cx="1472349" cy="459495"/>
+            </a:xfrm>
+            <a:prstGeom prst="rect">
+              <a:avLst/>
+            </a:prstGeom>
+            <a:ln>
+              <a:solidFill>
+                <a:schemeClr val="tx1"/>
+              </a:solidFill>
+            </a:ln>
+          </p:spPr>
+          <p:style>
+            <a:lnRef idx="2">
+              <a:schemeClr val="accent6"/>
+            </a:lnRef>
+            <a:fillRef idx="1">
+              <a:schemeClr val="lt1"/>
+            </a:fillRef>
+            <a:effectRef idx="0">
+              <a:schemeClr val="accent6"/>
+            </a:effectRef>
+            <a:fontRef idx="minor">
+              <a:schemeClr val="dk1"/>
+            </a:fontRef>
+          </p:style>
+          <p:txBody>
+            <a:bodyPr rtlCol="0" anchor="ctr"/>
+            <a:lstStyle/>
+            <a:p>
+              <a:pPr algn="ctr"/>
+              <a:r>
+                <a:rPr kumimoji="1" lang="en-US" altLang="ja-JP" dirty="0"/>
+                <a:t>textRef2</a:t>
+              </a:r>
+              <a:endParaRPr kumimoji="1" lang="ja-JP" altLang="en-US" dirty="0"/>
+            </a:p>
+          </p:txBody>
+        </p:sp>
+      </p:grpSp>
+      <p:sp>
+        <p:nvSpPr>
+          <p:cNvPr id="14" name="テキスト ボックス 13">
+            <a:extLst>
+              <a:ext uri="{FF2B5EF4-FFF2-40B4-BE49-F238E27FC236}">
+                <a16:creationId xmlns:a16="http://schemas.microsoft.com/office/drawing/2014/main" id="{D9C7855D-7BB0-4285-BD77-DC12B2BF55AA}"/>
+              </a:ext>
+            </a:extLst>
+          </p:cNvPr>
+          <p:cNvSpPr txBox="1"/>
+          <p:nvPr/>
+        </p:nvSpPr>
+        <p:spPr>
+          <a:xfrm>
+            <a:off x="7687141" y="112225"/>
+            <a:ext cx="2200778" cy="646331"/>
+          </a:xfrm>
+          <a:prstGeom prst="rect">
+            <a:avLst/>
+          </a:prstGeom>
+          <a:noFill/>
+        </p:spPr>
+        <p:txBody>
+          <a:bodyPr wrap="square" rtlCol="0">
+            <a:spAutoFit/>
+          </a:bodyPr>
+          <a:lstStyle/>
+          <a:p>
+            <a:r>
+              <a:rPr lang="en-US" altLang="ja-JP" dirty="0" err="1"/>
+              <a:t>FrameSearch</a:t>
+            </a:r>
+            <a:endParaRPr lang="ja-JP" altLang="en-US" dirty="0"/>
+          </a:p>
+          <a:p>
+            <a:endParaRPr kumimoji="1" lang="ja-JP" altLang="en-US" dirty="0"/>
+          </a:p>
+        </p:txBody>
+      </p:sp>
+      <p:sp>
+        <p:nvSpPr>
+          <p:cNvPr id="15" name="正方形/長方形 14">
+            <a:extLst>
+              <a:ext uri="{FF2B5EF4-FFF2-40B4-BE49-F238E27FC236}">
+                <a16:creationId xmlns:a16="http://schemas.microsoft.com/office/drawing/2014/main" id="{B06877D1-5656-47FF-856B-62C049A362B6}"/>
+              </a:ext>
+            </a:extLst>
+          </p:cNvPr>
+          <p:cNvSpPr/>
+          <p:nvPr/>
+        </p:nvSpPr>
+        <p:spPr>
+          <a:xfrm>
+            <a:off x="7759411" y="474135"/>
+            <a:ext cx="3688669" cy="1537197"/>
+          </a:xfrm>
+          <a:prstGeom prst="rect">
+            <a:avLst/>
+          </a:prstGeom>
+          <a:ln>
+            <a:solidFill>
+              <a:schemeClr val="tx1"/>
+            </a:solidFill>
+          </a:ln>
+        </p:spPr>
+        <p:style>
+          <a:lnRef idx="2">
+            <a:schemeClr val="accent6"/>
+          </a:lnRef>
+          <a:fillRef idx="1">
+            <a:schemeClr val="lt1"/>
+          </a:fillRef>
+          <a:effectRef idx="0">
+            <a:schemeClr val="accent6"/>
+          </a:effectRef>
+          <a:fontRef idx="minor">
+            <a:schemeClr val="dk1"/>
+          </a:fontRef>
+        </p:style>
+        <p:txBody>
+          <a:bodyPr rtlCol="0" anchor="ctr"/>
+          <a:lstStyle/>
+          <a:p>
+            <a:pPr algn="ctr"/>
+            <a:endParaRPr kumimoji="1" lang="ja-JP" altLang="en-US" dirty="0"/>
+          </a:p>
+        </p:txBody>
+      </p:sp>
+      <p:sp>
+        <p:nvSpPr>
+          <p:cNvPr id="16" name="正方形/長方形 15">
+            <a:extLst>
+              <a:ext uri="{FF2B5EF4-FFF2-40B4-BE49-F238E27FC236}">
+                <a16:creationId xmlns:a16="http://schemas.microsoft.com/office/drawing/2014/main" id="{C34D6C7A-6152-42A5-8B67-6A3BD8848B0C}"/>
+              </a:ext>
+            </a:extLst>
+          </p:cNvPr>
+          <p:cNvSpPr/>
+          <p:nvPr/>
+        </p:nvSpPr>
+        <p:spPr>
+          <a:xfrm>
+            <a:off x="7857536" y="686226"/>
+            <a:ext cx="1642925" cy="471836"/>
+          </a:xfrm>
+          <a:prstGeom prst="rect">
+            <a:avLst/>
+          </a:prstGeom>
+          <a:ln>
+            <a:solidFill>
+              <a:schemeClr val="tx1"/>
+            </a:solidFill>
+          </a:ln>
+        </p:spPr>
+        <p:style>
+          <a:lnRef idx="2">
+            <a:schemeClr val="accent6"/>
+          </a:lnRef>
+          <a:fillRef idx="1">
+            <a:schemeClr val="lt1"/>
+          </a:fillRef>
+          <a:effectRef idx="0">
+            <a:schemeClr val="accent6"/>
+          </a:effectRef>
+          <a:fontRef idx="minor">
+            <a:schemeClr val="dk1"/>
+          </a:fontRef>
+        </p:style>
+        <p:txBody>
+          <a:bodyPr rtlCol="0" anchor="ctr"/>
+          <a:lstStyle/>
+          <a:p>
+            <a:pPr algn="ctr"/>
+            <a:r>
+              <a:rPr kumimoji="1" lang="en-US" altLang="ja-JP" dirty="0" err="1"/>
+              <a:t>comboSearch</a:t>
+            </a:r>
+            <a:endParaRPr kumimoji="1" lang="ja-JP" altLang="en-US" dirty="0"/>
+          </a:p>
+        </p:txBody>
+      </p:sp>
+      <p:sp>
+        <p:nvSpPr>
+          <p:cNvPr id="17" name="正方形/長方形 16">
+            <a:extLst>
+              <a:ext uri="{FF2B5EF4-FFF2-40B4-BE49-F238E27FC236}">
+                <a16:creationId xmlns:a16="http://schemas.microsoft.com/office/drawing/2014/main" id="{4ED9E2AC-CB3A-458E-ACBD-134F858CBB95}"/>
+              </a:ext>
+            </a:extLst>
+          </p:cNvPr>
+          <p:cNvSpPr/>
+          <p:nvPr/>
+        </p:nvSpPr>
+        <p:spPr>
+          <a:xfrm>
+            <a:off x="9562401" y="674077"/>
+            <a:ext cx="1642925" cy="471836"/>
+          </a:xfrm>
+          <a:prstGeom prst="rect">
+            <a:avLst/>
+          </a:prstGeom>
+          <a:ln>
+            <a:solidFill>
+              <a:schemeClr val="tx1"/>
+            </a:solidFill>
+          </a:ln>
+        </p:spPr>
+        <p:style>
+          <a:lnRef idx="2">
+            <a:schemeClr val="accent6"/>
+          </a:lnRef>
+          <a:fillRef idx="1">
+            <a:schemeClr val="lt1"/>
+          </a:fillRef>
+          <a:effectRef idx="0">
+            <a:schemeClr val="accent6"/>
+          </a:effectRef>
+          <a:fontRef idx="minor">
+            <a:schemeClr val="dk1"/>
+          </a:fontRef>
+        </p:style>
+        <p:txBody>
+          <a:bodyPr rtlCol="0" anchor="ctr"/>
+          <a:lstStyle/>
+          <a:p>
+            <a:pPr algn="ctr"/>
+            <a:r>
+              <a:rPr lang="en-US" altLang="ja-JP" dirty="0" err="1"/>
+              <a:t>textSeach</a:t>
+            </a:r>
+            <a:endParaRPr kumimoji="1" lang="ja-JP" altLang="en-US" dirty="0"/>
+          </a:p>
+        </p:txBody>
+      </p:sp>
+      <p:sp>
+        <p:nvSpPr>
+          <p:cNvPr id="18" name="正方形/長方形 17">
+            <a:extLst>
+              <a:ext uri="{FF2B5EF4-FFF2-40B4-BE49-F238E27FC236}">
+                <a16:creationId xmlns:a16="http://schemas.microsoft.com/office/drawing/2014/main" id="{6AAA43F2-6694-47D7-B57E-E383C61A7482}"/>
+              </a:ext>
+            </a:extLst>
+          </p:cNvPr>
+          <p:cNvSpPr/>
+          <p:nvPr/>
+        </p:nvSpPr>
+        <p:spPr>
+          <a:xfrm>
+            <a:off x="8529135" y="1291809"/>
+            <a:ext cx="2066532" cy="600271"/>
+          </a:xfrm>
+          <a:prstGeom prst="rect">
+            <a:avLst/>
+          </a:prstGeom>
+          <a:ln>
+            <a:solidFill>
+              <a:schemeClr val="tx1"/>
+            </a:solidFill>
+          </a:ln>
+        </p:spPr>
+        <p:style>
+          <a:lnRef idx="2">
+            <a:schemeClr val="accent6"/>
+          </a:lnRef>
+          <a:fillRef idx="1">
+            <a:schemeClr val="lt1"/>
+          </a:fillRef>
+          <a:effectRef idx="0">
+            <a:schemeClr val="accent6"/>
+          </a:effectRef>
+          <a:fontRef idx="minor">
+            <a:schemeClr val="dk1"/>
+          </a:fontRef>
+        </p:style>
+        <p:txBody>
+          <a:bodyPr rtlCol="0" anchor="ctr"/>
+          <a:lstStyle/>
+          <a:p>
+            <a:pPr algn="ctr"/>
+            <a:r>
+              <a:rPr kumimoji="1" lang="en-US" altLang="ja-JP" dirty="0" err="1"/>
+              <a:t>commandSearch</a:t>
+            </a:r>
+            <a:endParaRPr kumimoji="1" lang="ja-JP" altLang="en-US" dirty="0"/>
+          </a:p>
+        </p:txBody>
+      </p:sp>
+      <p:sp>
+        <p:nvSpPr>
+          <p:cNvPr id="19" name="テキスト ボックス 18">
+            <a:extLst>
+              <a:ext uri="{FF2B5EF4-FFF2-40B4-BE49-F238E27FC236}">
+                <a16:creationId xmlns:a16="http://schemas.microsoft.com/office/drawing/2014/main" id="{4C26B140-7B63-4B77-A49C-819E9945714F}"/>
+              </a:ext>
+            </a:extLst>
+          </p:cNvPr>
+          <p:cNvSpPr txBox="1"/>
+          <p:nvPr/>
+        </p:nvSpPr>
+        <p:spPr>
+          <a:xfrm>
+            <a:off x="4246511" y="3128075"/>
+            <a:ext cx="1580818" cy="646331"/>
+          </a:xfrm>
+          <a:prstGeom prst="rect">
+            <a:avLst/>
+          </a:prstGeom>
+          <a:noFill/>
+        </p:spPr>
+        <p:txBody>
+          <a:bodyPr wrap="square" rtlCol="0">
+            <a:spAutoFit/>
+          </a:bodyPr>
+          <a:lstStyle/>
+          <a:p>
+            <a:r>
+              <a:rPr lang="en-US" altLang="ja-JP" dirty="0" err="1"/>
+              <a:t>FrameN</a:t>
+            </a:r>
+            <a:endParaRPr lang="ja-JP" altLang="en-US" dirty="0"/>
+          </a:p>
+          <a:p>
+            <a:endParaRPr kumimoji="1" lang="ja-JP" altLang="en-US" dirty="0"/>
+          </a:p>
+        </p:txBody>
+      </p:sp>
+      <p:sp>
+        <p:nvSpPr>
+          <p:cNvPr id="20" name="正方形/長方形 19">
+            <a:extLst>
+              <a:ext uri="{FF2B5EF4-FFF2-40B4-BE49-F238E27FC236}">
+                <a16:creationId xmlns:a16="http://schemas.microsoft.com/office/drawing/2014/main" id="{AFAB25F2-EB89-4229-812E-41896CE4247D}"/>
+              </a:ext>
+            </a:extLst>
+          </p:cNvPr>
+          <p:cNvSpPr/>
+          <p:nvPr/>
+        </p:nvSpPr>
+        <p:spPr>
+          <a:xfrm>
+            <a:off x="4289140" y="3543151"/>
+            <a:ext cx="2378976" cy="873866"/>
+          </a:xfrm>
+          <a:prstGeom prst="rect">
+            <a:avLst/>
+          </a:prstGeom>
+          <a:ln>
+            <a:solidFill>
+              <a:schemeClr val="tx1"/>
+            </a:solidFill>
+          </a:ln>
+        </p:spPr>
+        <p:style>
+          <a:lnRef idx="2">
+            <a:schemeClr val="accent6"/>
+          </a:lnRef>
+          <a:fillRef idx="1">
+            <a:schemeClr val="lt1"/>
+          </a:fillRef>
+          <a:effectRef idx="0">
+            <a:schemeClr val="accent6"/>
+          </a:effectRef>
+          <a:fontRef idx="minor">
+            <a:schemeClr val="dk1"/>
+          </a:fontRef>
+        </p:style>
+        <p:txBody>
+          <a:bodyPr rtlCol="0" anchor="ctr"/>
+          <a:lstStyle/>
+          <a:p>
+            <a:pPr algn="ctr"/>
+            <a:r>
+              <a:rPr lang="en-US" altLang="ja-JP" dirty="0" err="1"/>
+              <a:t>TextBoxN</a:t>
+            </a:r>
+            <a:r>
+              <a:rPr lang="en-US" altLang="ja-JP" dirty="0"/>
+              <a:t>/</a:t>
+            </a:r>
+          </a:p>
+          <a:p>
+            <a:pPr algn="ctr"/>
+            <a:r>
+              <a:rPr lang="en-US" altLang="ja-JP" dirty="0" err="1"/>
+              <a:t>ComboBoxN</a:t>
+            </a:r>
+            <a:endParaRPr kumimoji="1" lang="ja-JP" altLang="en-US" dirty="0"/>
+          </a:p>
+        </p:txBody>
+      </p:sp>
+      <p:sp>
+        <p:nvSpPr>
+          <p:cNvPr id="21" name="テキスト ボックス 20">
+            <a:extLst>
+              <a:ext uri="{FF2B5EF4-FFF2-40B4-BE49-F238E27FC236}">
+                <a16:creationId xmlns:a16="http://schemas.microsoft.com/office/drawing/2014/main" id="{BD3A7990-06EA-4B76-A59B-DBDFE0D888C9}"/>
+              </a:ext>
+            </a:extLst>
+          </p:cNvPr>
+          <p:cNvSpPr txBox="1"/>
+          <p:nvPr/>
+        </p:nvSpPr>
+        <p:spPr>
+          <a:xfrm>
+            <a:off x="7346086" y="3790028"/>
+            <a:ext cx="1275986" cy="523220"/>
+          </a:xfrm>
+          <a:prstGeom prst="rect">
+            <a:avLst/>
+          </a:prstGeom>
+          <a:noFill/>
+        </p:spPr>
+        <p:txBody>
+          <a:bodyPr wrap="square" rtlCol="0">
+            <a:spAutoFit/>
+          </a:bodyPr>
+          <a:lstStyle/>
+          <a:p>
+            <a:r>
+              <a:rPr kumimoji="1" lang="en-US" altLang="ja-JP" sz="2800" dirty="0"/>
+              <a:t>* 10 </a:t>
+            </a:r>
+            <a:endParaRPr kumimoji="1" lang="ja-JP" altLang="en-US" sz="2800" dirty="0"/>
+          </a:p>
+        </p:txBody>
+      </p:sp>
+      <p:sp>
+        <p:nvSpPr>
+          <p:cNvPr id="22" name="正方形/長方形 21">
+            <a:extLst>
+              <a:ext uri="{FF2B5EF4-FFF2-40B4-BE49-F238E27FC236}">
+                <a16:creationId xmlns:a16="http://schemas.microsoft.com/office/drawing/2014/main" id="{4849120C-F1AD-47A6-8C53-FB49C571E322}"/>
+              </a:ext>
+            </a:extLst>
+          </p:cNvPr>
+          <p:cNvSpPr/>
+          <p:nvPr/>
+        </p:nvSpPr>
+        <p:spPr>
+          <a:xfrm>
+            <a:off x="6710745" y="2663278"/>
+            <a:ext cx="1275986" cy="929594"/>
+          </a:xfrm>
+          <a:prstGeom prst="rect">
+            <a:avLst/>
+          </a:prstGeom>
+          <a:ln>
+            <a:solidFill>
+              <a:schemeClr val="tx1"/>
+            </a:solidFill>
+            <a:prstDash val="dash"/>
+          </a:ln>
+        </p:spPr>
+        <p:style>
+          <a:lnRef idx="2">
+            <a:schemeClr val="accent6"/>
+          </a:lnRef>
+          <a:fillRef idx="1">
+            <a:schemeClr val="lt1"/>
+          </a:fillRef>
+          <a:effectRef idx="0">
+            <a:schemeClr val="accent6"/>
+          </a:effectRef>
+          <a:fontRef idx="minor">
+            <a:schemeClr val="dk1"/>
+          </a:fontRef>
+        </p:style>
+        <p:txBody>
+          <a:bodyPr rtlCol="0" anchor="ctr"/>
+          <a:lstStyle/>
+          <a:p>
+            <a:pPr algn="ctr"/>
+            <a:r>
+              <a:rPr kumimoji="1" lang="en-US" altLang="ja-JP" dirty="0" err="1"/>
+              <a:t>LabelN</a:t>
+            </a:r>
+            <a:endParaRPr kumimoji="1" lang="en-US" altLang="ja-JP" dirty="0"/>
+          </a:p>
+          <a:p>
+            <a:pPr algn="ctr"/>
+            <a:r>
+              <a:rPr lang="en-US" altLang="ja-JP" dirty="0"/>
+              <a:t>(holder)</a:t>
+            </a:r>
+            <a:endParaRPr kumimoji="1" lang="ja-JP" altLang="en-US" dirty="0"/>
+          </a:p>
+        </p:txBody>
+      </p:sp>
+      <p:sp>
+        <p:nvSpPr>
+          <p:cNvPr id="23" name="正方形/長方形 22">
+            <a:extLst>
+              <a:ext uri="{FF2B5EF4-FFF2-40B4-BE49-F238E27FC236}">
+                <a16:creationId xmlns:a16="http://schemas.microsoft.com/office/drawing/2014/main" id="{7E9B9460-8C55-45DD-95BB-1DFFE7873247}"/>
+              </a:ext>
+            </a:extLst>
+          </p:cNvPr>
+          <p:cNvSpPr/>
+          <p:nvPr/>
+        </p:nvSpPr>
+        <p:spPr>
+          <a:xfrm>
+            <a:off x="1241559" y="778482"/>
+            <a:ext cx="1367686" cy="416064"/>
+          </a:xfrm>
+          <a:prstGeom prst="rect">
+            <a:avLst/>
+          </a:prstGeom>
+          <a:ln>
+            <a:solidFill>
+              <a:schemeClr val="tx1"/>
+            </a:solidFill>
+          </a:ln>
+        </p:spPr>
+        <p:style>
+          <a:lnRef idx="2">
+            <a:schemeClr val="accent6"/>
+          </a:lnRef>
+          <a:fillRef idx="1">
+            <a:schemeClr val="lt1"/>
+          </a:fillRef>
+          <a:effectRef idx="0">
+            <a:schemeClr val="accent6"/>
+          </a:effectRef>
+          <a:fontRef idx="minor">
+            <a:schemeClr val="dk1"/>
+          </a:fontRef>
+        </p:style>
+        <p:txBody>
+          <a:bodyPr rtlCol="0" anchor="ctr"/>
+          <a:lstStyle/>
+          <a:p>
+            <a:pPr algn="ctr"/>
+            <a:r>
+              <a:rPr lang="en-US" altLang="ja-JP" dirty="0" err="1"/>
+              <a:t>TextRow</a:t>
+            </a:r>
+            <a:endParaRPr kumimoji="1" lang="ja-JP" altLang="en-US" dirty="0"/>
+          </a:p>
+        </p:txBody>
+      </p:sp>
+      <p:sp>
+        <p:nvSpPr>
+          <p:cNvPr id="24" name="正方形/長方形 23">
+            <a:extLst>
+              <a:ext uri="{FF2B5EF4-FFF2-40B4-BE49-F238E27FC236}">
+                <a16:creationId xmlns:a16="http://schemas.microsoft.com/office/drawing/2014/main" id="{B0ACB750-314C-469D-9034-33A23C7EF689}"/>
+              </a:ext>
+            </a:extLst>
+          </p:cNvPr>
+          <p:cNvSpPr/>
+          <p:nvPr/>
+        </p:nvSpPr>
+        <p:spPr>
+          <a:xfrm>
+            <a:off x="1135981" y="1361667"/>
+            <a:ext cx="1739637" cy="508503"/>
+          </a:xfrm>
+          <a:prstGeom prst="rect">
+            <a:avLst/>
+          </a:prstGeom>
+          <a:ln>
+            <a:solidFill>
+              <a:schemeClr val="tx1"/>
+            </a:solidFill>
+          </a:ln>
+        </p:spPr>
+        <p:style>
+          <a:lnRef idx="2">
+            <a:schemeClr val="accent6"/>
+          </a:lnRef>
+          <a:fillRef idx="1">
+            <a:schemeClr val="lt1"/>
+          </a:fillRef>
+          <a:effectRef idx="0">
+            <a:schemeClr val="accent6"/>
+          </a:effectRef>
+          <a:fontRef idx="minor">
+            <a:schemeClr val="dk1"/>
+          </a:fontRef>
+        </p:style>
+        <p:txBody>
+          <a:bodyPr rtlCol="0" anchor="ctr"/>
+          <a:lstStyle/>
+          <a:p>
+            <a:pPr algn="ctr"/>
+            <a:r>
+              <a:rPr lang="en-US" altLang="ja-JP" dirty="0"/>
+              <a:t>Command</a:t>
+            </a:r>
+          </a:p>
+          <a:p>
+            <a:pPr algn="ctr"/>
+            <a:r>
+              <a:rPr lang="en-US" altLang="ja-JP" dirty="0" err="1"/>
+              <a:t>NewRow</a:t>
+            </a:r>
+            <a:endParaRPr kumimoji="1" lang="ja-JP" altLang="en-US" dirty="0"/>
+          </a:p>
+        </p:txBody>
+      </p:sp>
+      <p:sp>
+        <p:nvSpPr>
+          <p:cNvPr id="25" name="正方形/長方形 24">
+            <a:extLst>
+              <a:ext uri="{FF2B5EF4-FFF2-40B4-BE49-F238E27FC236}">
+                <a16:creationId xmlns:a16="http://schemas.microsoft.com/office/drawing/2014/main" id="{E151910C-480C-442E-B84A-1CA3770D1B43}"/>
+              </a:ext>
+            </a:extLst>
+          </p:cNvPr>
+          <p:cNvSpPr/>
+          <p:nvPr/>
+        </p:nvSpPr>
+        <p:spPr>
+          <a:xfrm>
+            <a:off x="6929554" y="6091944"/>
+            <a:ext cx="2109050" cy="523220"/>
+          </a:xfrm>
+          <a:prstGeom prst="rect">
+            <a:avLst/>
+          </a:prstGeom>
+          <a:ln>
+            <a:solidFill>
+              <a:schemeClr val="tx1"/>
+            </a:solidFill>
+          </a:ln>
+        </p:spPr>
+        <p:style>
+          <a:lnRef idx="2">
+            <a:schemeClr val="accent6"/>
+          </a:lnRef>
+          <a:fillRef idx="1">
+            <a:schemeClr val="lt1"/>
+          </a:fillRef>
+          <a:effectRef idx="0">
+            <a:schemeClr val="accent6"/>
+          </a:effectRef>
+          <a:fontRef idx="minor">
+            <a:schemeClr val="dk1"/>
+          </a:fontRef>
+        </p:style>
+        <p:txBody>
+          <a:bodyPr rtlCol="0" anchor="ctr"/>
+          <a:lstStyle/>
+          <a:p>
+            <a:pPr algn="ctr"/>
+            <a:r>
+              <a:rPr kumimoji="1" lang="en-US" altLang="ja-JP" dirty="0" err="1"/>
+              <a:t>CommandWrite</a:t>
+            </a:r>
+            <a:endParaRPr kumimoji="1" lang="ja-JP" altLang="en-US" dirty="0"/>
+          </a:p>
+        </p:txBody>
+      </p:sp>
+      <p:sp>
+        <p:nvSpPr>
+          <p:cNvPr id="27" name="テキスト ボックス 26">
+            <a:extLst>
+              <a:ext uri="{FF2B5EF4-FFF2-40B4-BE49-F238E27FC236}">
+                <a16:creationId xmlns:a16="http://schemas.microsoft.com/office/drawing/2014/main" id="{7C7DEA68-CB10-4DEC-9F56-817EDC582CA8}"/>
+              </a:ext>
+            </a:extLst>
+          </p:cNvPr>
+          <p:cNvSpPr txBox="1"/>
+          <p:nvPr/>
+        </p:nvSpPr>
+        <p:spPr>
+          <a:xfrm>
+            <a:off x="262192" y="6122255"/>
+            <a:ext cx="2109049" cy="646331"/>
+          </a:xfrm>
+          <a:prstGeom prst="rect">
+            <a:avLst/>
+          </a:prstGeom>
+          <a:noFill/>
+        </p:spPr>
+        <p:txBody>
+          <a:bodyPr wrap="square" rtlCol="0">
+            <a:spAutoFit/>
+          </a:bodyPr>
+          <a:lstStyle/>
+          <a:p>
+            <a:r>
+              <a:rPr kumimoji="1" lang="en-US" altLang="ja-JP" sz="3600" dirty="0"/>
+              <a:t>Figure1.</a:t>
+            </a:r>
+            <a:endParaRPr kumimoji="1" lang="ja-JP" altLang="en-US" sz="3600" dirty="0"/>
+          </a:p>
+        </p:txBody>
+      </p:sp>
+      <p:sp>
+        <p:nvSpPr>
+          <p:cNvPr id="28" name="正方形/長方形 27">
+            <a:extLst>
+              <a:ext uri="{FF2B5EF4-FFF2-40B4-BE49-F238E27FC236}">
+                <a16:creationId xmlns:a16="http://schemas.microsoft.com/office/drawing/2014/main" id="{8B175168-0593-4632-8AB3-4E67FED46AC9}"/>
+              </a:ext>
+            </a:extLst>
+          </p:cNvPr>
+          <p:cNvSpPr/>
+          <p:nvPr/>
+        </p:nvSpPr>
+        <p:spPr>
+          <a:xfrm>
+            <a:off x="9603745" y="6091944"/>
+            <a:ext cx="2171049" cy="523220"/>
+          </a:xfrm>
+          <a:prstGeom prst="rect">
+            <a:avLst/>
+          </a:prstGeom>
+          <a:ln>
+            <a:solidFill>
+              <a:schemeClr val="tx1"/>
+            </a:solidFill>
+          </a:ln>
+        </p:spPr>
+        <p:style>
+          <a:lnRef idx="2">
+            <a:schemeClr val="accent6"/>
+          </a:lnRef>
+          <a:fillRef idx="1">
+            <a:schemeClr val="lt1"/>
+          </a:fillRef>
+          <a:effectRef idx="0">
+            <a:schemeClr val="accent6"/>
+          </a:effectRef>
+          <a:fontRef idx="minor">
+            <a:schemeClr val="dk1"/>
+          </a:fontRef>
+        </p:style>
+        <p:txBody>
+          <a:bodyPr rtlCol="0" anchor="ctr"/>
+          <a:lstStyle/>
+          <a:p>
+            <a:pPr algn="ctr"/>
+            <a:r>
+              <a:rPr kumimoji="1" lang="en-US" altLang="ja-JP" dirty="0" err="1"/>
+              <a:t>CommandCancel</a:t>
+            </a:r>
+            <a:endParaRPr kumimoji="1" lang="ja-JP" altLang="en-US" dirty="0"/>
+          </a:p>
+        </p:txBody>
+      </p:sp>
+      <p:sp>
+        <p:nvSpPr>
+          <p:cNvPr id="29" name="テキスト ボックス 28">
+            <a:extLst>
+              <a:ext uri="{FF2B5EF4-FFF2-40B4-BE49-F238E27FC236}">
+                <a16:creationId xmlns:a16="http://schemas.microsoft.com/office/drawing/2014/main" id="{3D09F91F-FFDE-4799-A937-D079A1E93F35}"/>
+              </a:ext>
+            </a:extLst>
+          </p:cNvPr>
+          <p:cNvSpPr txBox="1"/>
+          <p:nvPr/>
+        </p:nvSpPr>
+        <p:spPr>
+          <a:xfrm>
+            <a:off x="2626881" y="4996677"/>
+            <a:ext cx="3391130" cy="646331"/>
+          </a:xfrm>
+          <a:prstGeom prst="rect">
+            <a:avLst/>
+          </a:prstGeom>
+          <a:noFill/>
+        </p:spPr>
+        <p:txBody>
+          <a:bodyPr wrap="square" rtlCol="0">
+            <a:spAutoFit/>
+          </a:bodyPr>
+          <a:lstStyle/>
+          <a:p>
+            <a:r>
+              <a:rPr lang="en-US" altLang="ja-JP" dirty="0" err="1"/>
+              <a:t>FrameSh</a:t>
+            </a:r>
+            <a:endParaRPr lang="ja-JP" altLang="en-US" dirty="0"/>
+          </a:p>
+          <a:p>
+            <a:endParaRPr kumimoji="1" lang="ja-JP" altLang="en-US" dirty="0"/>
+          </a:p>
+        </p:txBody>
+      </p:sp>
+      <p:sp>
+        <p:nvSpPr>
+          <p:cNvPr id="30" name="正方形/長方形 29">
+            <a:extLst>
+              <a:ext uri="{FF2B5EF4-FFF2-40B4-BE49-F238E27FC236}">
+                <a16:creationId xmlns:a16="http://schemas.microsoft.com/office/drawing/2014/main" id="{303F5FE6-2BBA-424B-9A11-744A1703EFEC}"/>
+              </a:ext>
+            </a:extLst>
+          </p:cNvPr>
+          <p:cNvSpPr/>
+          <p:nvPr/>
+        </p:nvSpPr>
+        <p:spPr>
+          <a:xfrm>
+            <a:off x="2626881" y="5363379"/>
+            <a:ext cx="3200448" cy="1328474"/>
+          </a:xfrm>
+          <a:prstGeom prst="rect">
+            <a:avLst/>
+          </a:prstGeom>
+          <a:ln>
+            <a:solidFill>
+              <a:schemeClr val="tx1"/>
+            </a:solidFill>
+          </a:ln>
+        </p:spPr>
+        <p:style>
+          <a:lnRef idx="2">
+            <a:schemeClr val="accent6"/>
+          </a:lnRef>
+          <a:fillRef idx="1">
+            <a:schemeClr val="lt1"/>
+          </a:fillRef>
+          <a:effectRef idx="0">
+            <a:schemeClr val="accent6"/>
+          </a:effectRef>
+          <a:fontRef idx="minor">
+            <a:schemeClr val="dk1"/>
+          </a:fontRef>
+        </p:style>
+        <p:txBody>
+          <a:bodyPr rtlCol="0" anchor="ctr"/>
+          <a:lstStyle/>
+          <a:p>
+            <a:pPr algn="ctr"/>
+            <a:endParaRPr kumimoji="1" lang="ja-JP" altLang="en-US" dirty="0"/>
+          </a:p>
+        </p:txBody>
+      </p:sp>
+      <p:sp>
+        <p:nvSpPr>
+          <p:cNvPr id="31" name="正方形/長方形 30">
+            <a:extLst>
+              <a:ext uri="{FF2B5EF4-FFF2-40B4-BE49-F238E27FC236}">
+                <a16:creationId xmlns:a16="http://schemas.microsoft.com/office/drawing/2014/main" id="{05CDC427-E276-4E6B-A078-6F854DBD8AC3}"/>
+              </a:ext>
+            </a:extLst>
+          </p:cNvPr>
+          <p:cNvSpPr/>
+          <p:nvPr/>
+        </p:nvSpPr>
+        <p:spPr>
+          <a:xfrm>
+            <a:off x="2719020" y="5538931"/>
+            <a:ext cx="1234214" cy="470780"/>
+          </a:xfrm>
+          <a:prstGeom prst="rect">
+            <a:avLst/>
+          </a:prstGeom>
+          <a:ln>
+            <a:solidFill>
+              <a:schemeClr val="tx1"/>
+            </a:solidFill>
+            <a:prstDash val="solid"/>
+          </a:ln>
+        </p:spPr>
+        <p:style>
+          <a:lnRef idx="2">
+            <a:schemeClr val="accent6"/>
+          </a:lnRef>
+          <a:fillRef idx="1">
+            <a:schemeClr val="lt1"/>
+          </a:fillRef>
+          <a:effectRef idx="0">
+            <a:schemeClr val="accent6"/>
+          </a:effectRef>
+          <a:fontRef idx="minor">
+            <a:schemeClr val="dk1"/>
+          </a:fontRef>
+        </p:style>
+        <p:txBody>
+          <a:bodyPr rtlCol="0" anchor="ctr"/>
+          <a:lstStyle/>
+          <a:p>
+            <a:pPr algn="ctr"/>
+            <a:r>
+              <a:rPr kumimoji="1" lang="en-US" altLang="ja-JP" dirty="0"/>
+              <a:t>LabeSh1</a:t>
+            </a:r>
+          </a:p>
+        </p:txBody>
+      </p:sp>
+      <p:sp>
+        <p:nvSpPr>
+          <p:cNvPr id="32" name="正方形/長方形 31">
+            <a:extLst>
+              <a:ext uri="{FF2B5EF4-FFF2-40B4-BE49-F238E27FC236}">
+                <a16:creationId xmlns:a16="http://schemas.microsoft.com/office/drawing/2014/main" id="{779449FA-76BA-473D-AFE0-01510330348F}"/>
+              </a:ext>
+            </a:extLst>
+          </p:cNvPr>
+          <p:cNvSpPr/>
+          <p:nvPr/>
+        </p:nvSpPr>
+        <p:spPr>
+          <a:xfrm>
+            <a:off x="2718749" y="6116189"/>
+            <a:ext cx="1234214" cy="470780"/>
+          </a:xfrm>
+          <a:prstGeom prst="rect">
+            <a:avLst/>
+          </a:prstGeom>
+          <a:ln>
+            <a:solidFill>
+              <a:schemeClr val="tx1"/>
+            </a:solidFill>
+            <a:prstDash val="solid"/>
+          </a:ln>
+        </p:spPr>
+        <p:style>
+          <a:lnRef idx="2">
+            <a:schemeClr val="accent6"/>
+          </a:lnRef>
+          <a:fillRef idx="1">
+            <a:schemeClr val="lt1"/>
+          </a:fillRef>
+          <a:effectRef idx="0">
+            <a:schemeClr val="accent6"/>
+          </a:effectRef>
+          <a:fontRef idx="minor">
+            <a:schemeClr val="dk1"/>
+          </a:fontRef>
+        </p:style>
+        <p:txBody>
+          <a:bodyPr rtlCol="0" anchor="ctr"/>
+          <a:lstStyle/>
+          <a:p>
+            <a:pPr algn="ctr"/>
+            <a:r>
+              <a:rPr kumimoji="1" lang="en-US" altLang="ja-JP" dirty="0"/>
+              <a:t>LabelSh2</a:t>
+            </a:r>
+          </a:p>
+        </p:txBody>
+      </p:sp>
+      <p:sp>
+        <p:nvSpPr>
+          <p:cNvPr id="33" name="正方形/長方形 32">
+            <a:extLst>
+              <a:ext uri="{FF2B5EF4-FFF2-40B4-BE49-F238E27FC236}">
+                <a16:creationId xmlns:a16="http://schemas.microsoft.com/office/drawing/2014/main" id="{DA33E334-BCBA-4E31-B35D-90DC42D41893}"/>
+              </a:ext>
+            </a:extLst>
+          </p:cNvPr>
+          <p:cNvSpPr/>
+          <p:nvPr/>
+        </p:nvSpPr>
+        <p:spPr>
+          <a:xfrm>
+            <a:off x="4145228" y="5542759"/>
+            <a:ext cx="1472349" cy="459495"/>
+          </a:xfrm>
+          <a:prstGeom prst="rect">
+            <a:avLst/>
+          </a:prstGeom>
+          <a:ln>
+            <a:solidFill>
+              <a:schemeClr val="tx1"/>
+            </a:solidFill>
+          </a:ln>
+        </p:spPr>
+        <p:style>
+          <a:lnRef idx="2">
+            <a:schemeClr val="accent6"/>
+          </a:lnRef>
+          <a:fillRef idx="1">
+            <a:schemeClr val="lt1"/>
+          </a:fillRef>
+          <a:effectRef idx="0">
+            <a:schemeClr val="accent6"/>
+          </a:effectRef>
+          <a:fontRef idx="minor">
+            <a:schemeClr val="dk1"/>
+          </a:fontRef>
+        </p:style>
+        <p:txBody>
+          <a:bodyPr rtlCol="0" anchor="ctr"/>
+          <a:lstStyle/>
+          <a:p>
+            <a:pPr algn="ctr"/>
+            <a:r>
+              <a:rPr kumimoji="1" lang="en-US" altLang="ja-JP" dirty="0"/>
+              <a:t>textSh1</a:t>
+            </a:r>
+            <a:endParaRPr kumimoji="1" lang="ja-JP" altLang="en-US" dirty="0"/>
+          </a:p>
+        </p:txBody>
+      </p:sp>
+      <p:sp>
+        <p:nvSpPr>
+          <p:cNvPr id="34" name="正方形/長方形 33">
+            <a:extLst>
+              <a:ext uri="{FF2B5EF4-FFF2-40B4-BE49-F238E27FC236}">
+                <a16:creationId xmlns:a16="http://schemas.microsoft.com/office/drawing/2014/main" id="{C469ECCC-4B0D-4F21-9D16-DAFBB893585B}"/>
+              </a:ext>
+            </a:extLst>
+          </p:cNvPr>
+          <p:cNvSpPr/>
+          <p:nvPr/>
+        </p:nvSpPr>
+        <p:spPr>
+          <a:xfrm>
+            <a:off x="4145228" y="6121831"/>
+            <a:ext cx="1472349" cy="459495"/>
+          </a:xfrm>
+          <a:prstGeom prst="rect">
+            <a:avLst/>
+          </a:prstGeom>
+          <a:ln>
+            <a:solidFill>
+              <a:schemeClr val="tx1"/>
+            </a:solidFill>
+          </a:ln>
+        </p:spPr>
+        <p:style>
+          <a:lnRef idx="2">
+            <a:schemeClr val="accent6"/>
+          </a:lnRef>
+          <a:fillRef idx="1">
+            <a:schemeClr val="lt1"/>
+          </a:fillRef>
+          <a:effectRef idx="0">
+            <a:schemeClr val="accent6"/>
+          </a:effectRef>
+          <a:fontRef idx="minor">
+            <a:schemeClr val="dk1"/>
+          </a:fontRef>
+        </p:style>
+        <p:txBody>
+          <a:bodyPr rtlCol="0" anchor="ctr"/>
+          <a:lstStyle/>
+          <a:p>
+            <a:pPr algn="ctr"/>
+            <a:r>
+              <a:rPr kumimoji="1" lang="en-US" altLang="ja-JP" dirty="0"/>
+              <a:t>textSh2</a:t>
+            </a:r>
+            <a:endParaRPr kumimoji="1" lang="ja-JP" altLang="en-US" dirty="0"/>
+          </a:p>
+        </p:txBody>
+      </p:sp>
+    </p:spTree>
+    <p:extLst>
+      <p:ext uri="{BB962C8B-B14F-4D97-AF65-F5344CB8AC3E}">
+        <p14:creationId xmlns:p14="http://schemas.microsoft.com/office/powerpoint/2010/main" val="1874413807"/>
+      </p:ext>
+    </p:extLst>
+  </p:cSld>
+  <p:clrMapOvr>
+    <a:masterClrMapping/>
+  </p:clrMapOvr>
+</p:sld>
+</file>
+
+<file path=ppt/slides/slide5.xml><?xml version="1.0" encoding="utf-8"?>
+<p:sld xmlns:a="http://schemas.openxmlformats.org/drawingml/2006/main" xmlns:r="http://schemas.openxmlformats.org/officeDocument/2006/relationships" xmlns:p="http://schemas.openxmlformats.org/presentationml/2006/main">
+  <p:cSld>
+    <p:spTree>
+      <p:nvGrpSpPr>
+        <p:cNvPr id="1" name=""/>
+        <p:cNvGrpSpPr/>
+        <p:nvPr/>
+      </p:nvGrpSpPr>
+      <p:grpSpPr>
+        <a:xfrm>
+          <a:off x="0" y="0"/>
+          <a:ext cx="0" cy="0"/>
+          <a:chOff x="0" y="0"/>
+          <a:chExt cx="0" cy="0"/>
+        </a:xfrm>
+      </p:grpSpPr>
+      <p:sp>
+        <p:nvSpPr>
           <p:cNvPr id="4" name="テキスト ボックス 3">
             <a:extLst>
               <a:ext uri="{FF2B5EF4-FFF2-40B4-BE49-F238E27FC236}">
@@ -6540,7 +10203,7 @@
 </p:sld>
 </file>
 
-<file path=ppt/slides/slide5.xml><?xml version="1.0" encoding="utf-8"?>
+<file path=ppt/slides/slide6.xml><?xml version="1.0" encoding="utf-8"?>
 <p:sld xmlns:a="http://schemas.openxmlformats.org/drawingml/2006/main" xmlns:r="http://schemas.openxmlformats.org/officeDocument/2006/relationships" xmlns:p="http://schemas.openxmlformats.org/presentationml/2006/main">
   <p:cSld>
     <p:spTree>
@@ -7222,7 +10885,7 @@
         </p:nvSpPr>
         <p:spPr>
           <a:xfrm>
-            <a:off x="582506" y="775298"/>
+            <a:off x="1316716" y="782583"/>
             <a:ext cx="1367686" cy="416064"/>
           </a:xfrm>
           <a:prstGeom prst="rect">
@@ -7326,78 +10989,6 @@
               <a:t>NewRow</a:t>
             </a:r>
             <a:endParaRPr kumimoji="1" lang="ja-JP" altLang="en-US" dirty="0"/>
-          </a:p>
-        </p:txBody>
-      </p:sp>
-      <p:sp>
-        <p:nvSpPr>
-          <p:cNvPr id="25" name="正方形/長方形 24">
-            <a:extLst>
-              <a:ext uri="{FF2B5EF4-FFF2-40B4-BE49-F238E27FC236}">
-                <a16:creationId xmlns:a16="http://schemas.microsoft.com/office/drawing/2014/main" id="{B9B7A19F-8EFE-4DE5-9BAC-15A78F683906}"/>
-              </a:ext>
-            </a:extLst>
-          </p:cNvPr>
-          <p:cNvSpPr/>
-          <p:nvPr/>
-        </p:nvSpPr>
-        <p:spPr>
-          <a:xfrm>
-            <a:off x="2007695" y="775298"/>
-            <a:ext cx="1422651" cy="508502"/>
-          </a:xfrm>
-          <a:prstGeom prst="rect">
-            <a:avLst/>
-          </a:prstGeom>
-          <a:ln>
-            <a:solidFill>
-              <a:schemeClr val="tx1"/>
-            </a:solidFill>
-          </a:ln>
-        </p:spPr>
-        <p:style>
-          <a:lnRef idx="2">
-            <a:schemeClr val="accent6"/>
-          </a:lnRef>
-          <a:fillRef idx="1">
-            <a:schemeClr val="lt1"/>
-          </a:fillRef>
-          <a:effectRef idx="0">
-            <a:schemeClr val="accent6"/>
-          </a:effectRef>
-          <a:fontRef idx="minor">
-            <a:schemeClr val="dk1"/>
-          </a:fontRef>
-        </p:style>
-        <p:txBody>
-          <a:bodyPr rtlCol="0" anchor="ctr"/>
-          <a:lstStyle/>
-          <a:p>
-            <a:pPr algn="ctr"/>
-            <a:r>
-              <a:rPr kumimoji="1" lang="en-US" altLang="ja-JP" dirty="0">
-                <a:solidFill>
-                  <a:srgbClr val="FF0000"/>
-                </a:solidFill>
-              </a:rPr>
-              <a:t>Combo</a:t>
-            </a:r>
-          </a:p>
-          <a:p>
-            <a:pPr algn="ctr"/>
-            <a:r>
-              <a:rPr kumimoji="1" lang="en-US" altLang="ja-JP" dirty="0">
-                <a:solidFill>
-                  <a:srgbClr val="FF0000"/>
-                </a:solidFill>
-              </a:rPr>
-              <a:t>Column</a:t>
-            </a:r>
-            <a:endParaRPr kumimoji="1" lang="ja-JP" altLang="en-US" dirty="0">
-              <a:solidFill>
-                <a:srgbClr val="FF0000"/>
-              </a:solidFill>
-            </a:endParaRPr>
           </a:p>
         </p:txBody>
       </p:sp>
@@ -7750,7 +11341,7 @@
 </p:sld>
 </file>
 
-<file path=ppt/slides/slide6.xml><?xml version="1.0" encoding="utf-8"?>
+<file path=ppt/slides/slide7.xml><?xml version="1.0" encoding="utf-8"?>
 <p:sld xmlns:a="http://schemas.openxmlformats.org/drawingml/2006/main" xmlns:r="http://schemas.openxmlformats.org/officeDocument/2006/relationships" xmlns:p="http://schemas.openxmlformats.org/presentationml/2006/main">
   <p:cSld>
     <p:spTree>
@@ -8258,7 +11849,7 @@
         </p:nvSpPr>
         <p:spPr>
           <a:xfrm>
-            <a:off x="582506" y="775298"/>
+            <a:off x="1225020" y="782583"/>
             <a:ext cx="1367686" cy="416064"/>
           </a:xfrm>
           <a:prstGeom prst="rect">
@@ -8352,66 +11943,6 @@
             <a:r>
               <a:rPr lang="en-US" altLang="ja-JP" dirty="0" err="1"/>
               <a:t>NewRow</a:t>
-            </a:r>
-            <a:endParaRPr kumimoji="1" lang="ja-JP" altLang="en-US" dirty="0"/>
-          </a:p>
-        </p:txBody>
-      </p:sp>
-      <p:sp>
-        <p:nvSpPr>
-          <p:cNvPr id="25" name="正方形/長方形 24">
-            <a:extLst>
-              <a:ext uri="{FF2B5EF4-FFF2-40B4-BE49-F238E27FC236}">
-                <a16:creationId xmlns:a16="http://schemas.microsoft.com/office/drawing/2014/main" id="{B9B7A19F-8EFE-4DE5-9BAC-15A78F683906}"/>
-              </a:ext>
-            </a:extLst>
-          </p:cNvPr>
-          <p:cNvSpPr/>
-          <p:nvPr/>
-        </p:nvSpPr>
-        <p:spPr>
-          <a:xfrm>
-            <a:off x="2007695" y="775298"/>
-            <a:ext cx="1422651" cy="508502"/>
-          </a:xfrm>
-          <a:prstGeom prst="rect">
-            <a:avLst/>
-          </a:prstGeom>
-          <a:ln>
-            <a:solidFill>
-              <a:schemeClr val="tx1"/>
-            </a:solidFill>
-          </a:ln>
-        </p:spPr>
-        <p:style>
-          <a:lnRef idx="2">
-            <a:schemeClr val="accent6"/>
-          </a:lnRef>
-          <a:fillRef idx="1">
-            <a:schemeClr val="lt1"/>
-          </a:fillRef>
-          <a:effectRef idx="0">
-            <a:schemeClr val="accent6"/>
-          </a:effectRef>
-          <a:fontRef idx="minor">
-            <a:schemeClr val="dk1"/>
-          </a:fontRef>
-        </p:style>
-        <p:txBody>
-          <a:bodyPr rtlCol="0" anchor="ctr"/>
-          <a:lstStyle/>
-          <a:p>
-            <a:pPr algn="ctr"/>
-            <a:r>
-              <a:rPr kumimoji="1" lang="en-US" altLang="ja-JP" dirty="0"/>
-              <a:t>Combo</a:t>
-            </a:r>
-          </a:p>
-          <a:p>
-            <a:pPr algn="ctr"/>
-            <a:r>
-              <a:rPr kumimoji="1" lang="en-US" altLang="ja-JP" dirty="0"/>
-              <a:t>Column</a:t>
             </a:r>
             <a:endParaRPr kumimoji="1" lang="ja-JP" altLang="en-US" dirty="0"/>
           </a:p>
@@ -8610,7 +12141,7 @@
 </p:sld>
 </file>
 
-<file path=ppt/slides/slide7.xml><?xml version="1.0" encoding="utf-8"?>
+<file path=ppt/slides/slide8.xml><?xml version="1.0" encoding="utf-8"?>
 <p:sld xmlns:a="http://schemas.openxmlformats.org/drawingml/2006/main" xmlns:r="http://schemas.openxmlformats.org/officeDocument/2006/relationships" xmlns:p="http://schemas.openxmlformats.org/presentationml/2006/main">
   <p:cSld>
     <p:spTree>
@@ -8984,7 +12515,7 @@
         </p:nvSpPr>
         <p:spPr>
           <a:xfrm>
-            <a:off x="582506" y="775298"/>
+            <a:off x="1266349" y="775298"/>
             <a:ext cx="1367686" cy="416064"/>
           </a:xfrm>
           <a:prstGeom prst="rect">
@@ -9085,66 +12616,6 @@
       </p:sp>
       <p:sp>
         <p:nvSpPr>
-          <p:cNvPr id="26" name="正方形/長方形 25">
-            <a:extLst>
-              <a:ext uri="{FF2B5EF4-FFF2-40B4-BE49-F238E27FC236}">
-                <a16:creationId xmlns:a16="http://schemas.microsoft.com/office/drawing/2014/main" id="{B0A9B8B9-B352-43F3-9BDD-35ED16AA1767}"/>
-              </a:ext>
-            </a:extLst>
-          </p:cNvPr>
-          <p:cNvSpPr/>
-          <p:nvPr/>
-        </p:nvSpPr>
-        <p:spPr>
-          <a:xfrm>
-            <a:off x="2007695" y="775298"/>
-            <a:ext cx="1422651" cy="508502"/>
-          </a:xfrm>
-          <a:prstGeom prst="rect">
-            <a:avLst/>
-          </a:prstGeom>
-          <a:ln>
-            <a:solidFill>
-              <a:schemeClr val="tx1"/>
-            </a:solidFill>
-          </a:ln>
-        </p:spPr>
-        <p:style>
-          <a:lnRef idx="2">
-            <a:schemeClr val="accent6"/>
-          </a:lnRef>
-          <a:fillRef idx="1">
-            <a:schemeClr val="lt1"/>
-          </a:fillRef>
-          <a:effectRef idx="0">
-            <a:schemeClr val="accent6"/>
-          </a:effectRef>
-          <a:fontRef idx="minor">
-            <a:schemeClr val="dk1"/>
-          </a:fontRef>
-        </p:style>
-        <p:txBody>
-          <a:bodyPr rtlCol="0" anchor="ctr"/>
-          <a:lstStyle/>
-          <a:p>
-            <a:pPr algn="ctr"/>
-            <a:r>
-              <a:rPr kumimoji="1" lang="en-US" altLang="ja-JP" dirty="0"/>
-              <a:t>Combo</a:t>
-            </a:r>
-          </a:p>
-          <a:p>
-            <a:pPr algn="ctr"/>
-            <a:r>
-              <a:rPr kumimoji="1" lang="en-US" altLang="ja-JP" dirty="0"/>
-              <a:t>Column</a:t>
-            </a:r>
-            <a:endParaRPr kumimoji="1" lang="ja-JP" altLang="en-US" dirty="0"/>
-          </a:p>
-        </p:txBody>
-      </p:sp>
-      <p:sp>
-        <p:nvSpPr>
           <p:cNvPr id="27" name="テキスト ボックス 26">
             <a:extLst>
               <a:ext uri="{FF2B5EF4-FFF2-40B4-BE49-F238E27FC236}">
@@ -9257,8 +12728,8 @@
         </p:nvCxnSpPr>
         <p:spPr>
           <a:xfrm flipH="1" flipV="1">
-            <a:off x="1950192" y="983330"/>
-            <a:ext cx="6578943" cy="608615"/>
+            <a:off x="2634035" y="983330"/>
+            <a:ext cx="5895100" cy="608615"/>
           </a:xfrm>
           <a:prstGeom prst="straightConnector1">
             <a:avLst/>
@@ -9298,955 +12769,6 @@
 </p:sld>
 </file>
 
-<file path=ppt/slides/slide8.xml><?xml version="1.0" encoding="utf-8"?>
-<p:sld xmlns:a="http://schemas.openxmlformats.org/drawingml/2006/main" xmlns:r="http://schemas.openxmlformats.org/officeDocument/2006/relationships" xmlns:p="http://schemas.openxmlformats.org/presentationml/2006/main">
-  <p:cSld>
-    <p:spTree>
-      <p:nvGrpSpPr>
-        <p:cNvPr id="1" name=""/>
-        <p:cNvGrpSpPr/>
-        <p:nvPr/>
-      </p:nvGrpSpPr>
-      <p:grpSpPr>
-        <a:xfrm>
-          <a:off x="0" y="0"/>
-          <a:ext cx="0" cy="0"/>
-          <a:chOff x="0" y="0"/>
-          <a:chExt cx="0" cy="0"/>
-        </a:xfrm>
-      </p:grpSpPr>
-      <p:sp>
-        <p:nvSpPr>
-          <p:cNvPr id="4" name="正方形/長方形 3">
-            <a:extLst>
-              <a:ext uri="{FF2B5EF4-FFF2-40B4-BE49-F238E27FC236}">
-                <a16:creationId xmlns:a16="http://schemas.microsoft.com/office/drawing/2014/main" id="{B0806AB4-A78A-4D74-A2AC-6E5AA3C51D7E}"/>
-              </a:ext>
-            </a:extLst>
-          </p:cNvPr>
-          <p:cNvSpPr/>
-          <p:nvPr/>
-        </p:nvSpPr>
-        <p:spPr>
-          <a:xfrm>
-            <a:off x="405576" y="619563"/>
-            <a:ext cx="3200448" cy="1328474"/>
-          </a:xfrm>
-          <a:prstGeom prst="rect">
-            <a:avLst/>
-          </a:prstGeom>
-          <a:ln>
-            <a:solidFill>
-              <a:schemeClr val="tx1"/>
-            </a:solidFill>
-          </a:ln>
-        </p:spPr>
-        <p:style>
-          <a:lnRef idx="2">
-            <a:schemeClr val="accent6"/>
-          </a:lnRef>
-          <a:fillRef idx="1">
-            <a:schemeClr val="lt1"/>
-          </a:fillRef>
-          <a:effectRef idx="0">
-            <a:schemeClr val="accent6"/>
-          </a:effectRef>
-          <a:fontRef idx="minor">
-            <a:schemeClr val="dk1"/>
-          </a:fontRef>
-        </p:style>
-        <p:txBody>
-          <a:bodyPr rtlCol="0" anchor="ctr"/>
-          <a:lstStyle/>
-          <a:p>
-            <a:pPr algn="ctr"/>
-            <a:endParaRPr kumimoji="1" lang="ja-JP" altLang="en-US" dirty="0"/>
-          </a:p>
-        </p:txBody>
-      </p:sp>
-      <p:sp>
-        <p:nvSpPr>
-          <p:cNvPr id="10" name="テキスト ボックス 9">
-            <a:extLst>
-              <a:ext uri="{FF2B5EF4-FFF2-40B4-BE49-F238E27FC236}">
-                <a16:creationId xmlns:a16="http://schemas.microsoft.com/office/drawing/2014/main" id="{74E64697-0FD9-4F14-BC8C-BCD71C8E372D}"/>
-              </a:ext>
-            </a:extLst>
-          </p:cNvPr>
-          <p:cNvSpPr txBox="1"/>
-          <p:nvPr/>
-        </p:nvSpPr>
-        <p:spPr>
-          <a:xfrm>
-            <a:off x="395286" y="213721"/>
-            <a:ext cx="1580818" cy="646331"/>
-          </a:xfrm>
-          <a:prstGeom prst="rect">
-            <a:avLst/>
-          </a:prstGeom>
-          <a:noFill/>
-        </p:spPr>
-        <p:txBody>
-          <a:bodyPr wrap="square" rtlCol="0">
-            <a:spAutoFit/>
-          </a:bodyPr>
-          <a:lstStyle/>
-          <a:p>
-            <a:r>
-              <a:rPr lang="en-US" altLang="ja-JP" dirty="0" err="1"/>
-              <a:t>FrameRow</a:t>
-            </a:r>
-            <a:endParaRPr lang="ja-JP" altLang="en-US" dirty="0"/>
-          </a:p>
-          <a:p>
-            <a:endParaRPr kumimoji="1" lang="ja-JP" altLang="en-US" dirty="0"/>
-          </a:p>
-        </p:txBody>
-      </p:sp>
-      <p:sp>
-        <p:nvSpPr>
-          <p:cNvPr id="21" name="テキスト ボックス 20">
-            <a:extLst>
-              <a:ext uri="{FF2B5EF4-FFF2-40B4-BE49-F238E27FC236}">
-                <a16:creationId xmlns:a16="http://schemas.microsoft.com/office/drawing/2014/main" id="{BD3A7990-06EA-4B76-A59B-DBDFE0D888C9}"/>
-              </a:ext>
-            </a:extLst>
-          </p:cNvPr>
-          <p:cNvSpPr txBox="1"/>
-          <p:nvPr/>
-        </p:nvSpPr>
-        <p:spPr>
-          <a:xfrm>
-            <a:off x="7346086" y="3790028"/>
-            <a:ext cx="1275986" cy="523220"/>
-          </a:xfrm>
-          <a:prstGeom prst="rect">
-            <a:avLst/>
-          </a:prstGeom>
-          <a:noFill/>
-        </p:spPr>
-        <p:txBody>
-          <a:bodyPr wrap="square" rtlCol="0">
-            <a:spAutoFit/>
-          </a:bodyPr>
-          <a:lstStyle/>
-          <a:p>
-            <a:r>
-              <a:rPr kumimoji="1" lang="en-US" altLang="ja-JP" sz="2800" dirty="0"/>
-              <a:t>* 10 </a:t>
-            </a:r>
-            <a:endParaRPr kumimoji="1" lang="ja-JP" altLang="en-US" sz="2800" dirty="0"/>
-          </a:p>
-        </p:txBody>
-      </p:sp>
-      <p:sp>
-        <p:nvSpPr>
-          <p:cNvPr id="22" name="正方形/長方形 21">
-            <a:extLst>
-              <a:ext uri="{FF2B5EF4-FFF2-40B4-BE49-F238E27FC236}">
-                <a16:creationId xmlns:a16="http://schemas.microsoft.com/office/drawing/2014/main" id="{4849120C-F1AD-47A6-8C53-FB49C571E322}"/>
-              </a:ext>
-            </a:extLst>
-          </p:cNvPr>
-          <p:cNvSpPr/>
-          <p:nvPr/>
-        </p:nvSpPr>
-        <p:spPr>
-          <a:xfrm>
-            <a:off x="6708093" y="2668518"/>
-            <a:ext cx="1275986" cy="929594"/>
-          </a:xfrm>
-          <a:prstGeom prst="rect">
-            <a:avLst/>
-          </a:prstGeom>
-          <a:ln>
-            <a:solidFill>
-              <a:schemeClr val="tx1"/>
-            </a:solidFill>
-            <a:prstDash val="dash"/>
-          </a:ln>
-        </p:spPr>
-        <p:style>
-          <a:lnRef idx="2">
-            <a:schemeClr val="accent6"/>
-          </a:lnRef>
-          <a:fillRef idx="1">
-            <a:schemeClr val="lt1"/>
-          </a:fillRef>
-          <a:effectRef idx="0">
-            <a:schemeClr val="accent6"/>
-          </a:effectRef>
-          <a:fontRef idx="minor">
-            <a:schemeClr val="dk1"/>
-          </a:fontRef>
-        </p:style>
-        <p:txBody>
-          <a:bodyPr rtlCol="0" anchor="ctr"/>
-          <a:lstStyle/>
-          <a:p>
-            <a:pPr algn="ctr"/>
-            <a:r>
-              <a:rPr kumimoji="1" lang="en-US" altLang="ja-JP" dirty="0" err="1"/>
-              <a:t>LabelN</a:t>
-            </a:r>
-            <a:endParaRPr kumimoji="1" lang="en-US" altLang="ja-JP" dirty="0"/>
-          </a:p>
-          <a:p>
-            <a:pPr algn="ctr"/>
-            <a:r>
-              <a:rPr lang="en-US" altLang="ja-JP" dirty="0"/>
-              <a:t>(holder)</a:t>
-            </a:r>
-            <a:endParaRPr kumimoji="1" lang="ja-JP" altLang="en-US" dirty="0"/>
-          </a:p>
-        </p:txBody>
-      </p:sp>
-      <p:sp>
-        <p:nvSpPr>
-          <p:cNvPr id="23" name="正方形/長方形 22">
-            <a:extLst>
-              <a:ext uri="{FF2B5EF4-FFF2-40B4-BE49-F238E27FC236}">
-                <a16:creationId xmlns:a16="http://schemas.microsoft.com/office/drawing/2014/main" id="{7E9B9460-8C55-45DD-95BB-1DFFE7873247}"/>
-              </a:ext>
-            </a:extLst>
-          </p:cNvPr>
-          <p:cNvSpPr/>
-          <p:nvPr/>
-        </p:nvSpPr>
-        <p:spPr>
-          <a:xfrm>
-            <a:off x="582506" y="775298"/>
-            <a:ext cx="1367686" cy="416064"/>
-          </a:xfrm>
-          <a:prstGeom prst="rect">
-            <a:avLst/>
-          </a:prstGeom>
-          <a:ln>
-            <a:solidFill>
-              <a:schemeClr val="tx1"/>
-            </a:solidFill>
-          </a:ln>
-        </p:spPr>
-        <p:style>
-          <a:lnRef idx="2">
-            <a:schemeClr val="accent6"/>
-          </a:lnRef>
-          <a:fillRef idx="1">
-            <a:schemeClr val="lt1"/>
-          </a:fillRef>
-          <a:effectRef idx="0">
-            <a:schemeClr val="accent6"/>
-          </a:effectRef>
-          <a:fontRef idx="minor">
-            <a:schemeClr val="dk1"/>
-          </a:fontRef>
-        </p:style>
-        <p:txBody>
-          <a:bodyPr rtlCol="0" anchor="ctr"/>
-          <a:lstStyle/>
-          <a:p>
-            <a:pPr algn="ctr"/>
-            <a:r>
-              <a:rPr lang="en-US" altLang="ja-JP" dirty="0" err="1">
-                <a:solidFill>
-                  <a:schemeClr val="accent1"/>
-                </a:solidFill>
-              </a:rPr>
-              <a:t>TextRow</a:t>
-            </a:r>
-            <a:endParaRPr kumimoji="1" lang="ja-JP" altLang="en-US" dirty="0">
-              <a:solidFill>
-                <a:schemeClr val="accent1"/>
-              </a:solidFill>
-            </a:endParaRPr>
-          </a:p>
-        </p:txBody>
-      </p:sp>
-      <p:sp>
-        <p:nvSpPr>
-          <p:cNvPr id="24" name="正方形/長方形 23">
-            <a:extLst>
-              <a:ext uri="{FF2B5EF4-FFF2-40B4-BE49-F238E27FC236}">
-                <a16:creationId xmlns:a16="http://schemas.microsoft.com/office/drawing/2014/main" id="{B0ACB750-314C-469D-9034-33A23C7EF689}"/>
-              </a:ext>
-            </a:extLst>
-          </p:cNvPr>
-          <p:cNvSpPr/>
-          <p:nvPr/>
-        </p:nvSpPr>
-        <p:spPr>
-          <a:xfrm>
-            <a:off x="1135981" y="1361667"/>
-            <a:ext cx="1739637" cy="508503"/>
-          </a:xfrm>
-          <a:prstGeom prst="rect">
-            <a:avLst/>
-          </a:prstGeom>
-          <a:ln>
-            <a:solidFill>
-              <a:schemeClr val="tx1"/>
-            </a:solidFill>
-          </a:ln>
-        </p:spPr>
-        <p:style>
-          <a:lnRef idx="2">
-            <a:schemeClr val="accent6"/>
-          </a:lnRef>
-          <a:fillRef idx="1">
-            <a:schemeClr val="lt1"/>
-          </a:fillRef>
-          <a:effectRef idx="0">
-            <a:schemeClr val="accent6"/>
-          </a:effectRef>
-          <a:fontRef idx="minor">
-            <a:schemeClr val="dk1"/>
-          </a:fontRef>
-        </p:style>
-        <p:txBody>
-          <a:bodyPr rtlCol="0" anchor="ctr"/>
-          <a:lstStyle/>
-          <a:p>
-            <a:pPr algn="ctr"/>
-            <a:r>
-              <a:rPr lang="en-US" altLang="ja-JP" dirty="0"/>
-              <a:t>Command</a:t>
-            </a:r>
-          </a:p>
-          <a:p>
-            <a:pPr algn="ctr"/>
-            <a:r>
-              <a:rPr lang="en-US" altLang="ja-JP" dirty="0" err="1"/>
-              <a:t>NewRow</a:t>
-            </a:r>
-            <a:endParaRPr kumimoji="1" lang="ja-JP" altLang="en-US" dirty="0"/>
-          </a:p>
-        </p:txBody>
-      </p:sp>
-      <p:sp>
-        <p:nvSpPr>
-          <p:cNvPr id="26" name="正方形/長方形 25">
-            <a:extLst>
-              <a:ext uri="{FF2B5EF4-FFF2-40B4-BE49-F238E27FC236}">
-                <a16:creationId xmlns:a16="http://schemas.microsoft.com/office/drawing/2014/main" id="{B0A9B8B9-B352-43F3-9BDD-35ED16AA1767}"/>
-              </a:ext>
-            </a:extLst>
-          </p:cNvPr>
-          <p:cNvSpPr/>
-          <p:nvPr/>
-        </p:nvSpPr>
-        <p:spPr>
-          <a:xfrm>
-            <a:off x="2007695" y="775298"/>
-            <a:ext cx="1422651" cy="508502"/>
-          </a:xfrm>
-          <a:prstGeom prst="rect">
-            <a:avLst/>
-          </a:prstGeom>
-          <a:ln>
-            <a:solidFill>
-              <a:schemeClr val="tx1"/>
-            </a:solidFill>
-          </a:ln>
-        </p:spPr>
-        <p:style>
-          <a:lnRef idx="2">
-            <a:schemeClr val="accent6"/>
-          </a:lnRef>
-          <a:fillRef idx="1">
-            <a:schemeClr val="lt1"/>
-          </a:fillRef>
-          <a:effectRef idx="0">
-            <a:schemeClr val="accent6"/>
-          </a:effectRef>
-          <a:fontRef idx="minor">
-            <a:schemeClr val="dk1"/>
-          </a:fontRef>
-        </p:style>
-        <p:txBody>
-          <a:bodyPr rtlCol="0" anchor="ctr"/>
-          <a:lstStyle/>
-          <a:p>
-            <a:pPr algn="ctr"/>
-            <a:r>
-              <a:rPr kumimoji="1" lang="en-US" altLang="ja-JP" dirty="0">
-                <a:solidFill>
-                  <a:schemeClr val="accent1"/>
-                </a:solidFill>
-              </a:rPr>
-              <a:t>Combo</a:t>
-            </a:r>
-          </a:p>
-          <a:p>
-            <a:pPr algn="ctr"/>
-            <a:r>
-              <a:rPr kumimoji="1" lang="en-US" altLang="ja-JP" dirty="0">
-                <a:solidFill>
-                  <a:schemeClr val="accent1"/>
-                </a:solidFill>
-              </a:rPr>
-              <a:t>Column</a:t>
-            </a:r>
-            <a:endParaRPr kumimoji="1" lang="ja-JP" altLang="en-US" dirty="0">
-              <a:solidFill>
-                <a:schemeClr val="accent1"/>
-              </a:solidFill>
-            </a:endParaRPr>
-          </a:p>
-        </p:txBody>
-      </p:sp>
-      <p:sp>
-        <p:nvSpPr>
-          <p:cNvPr id="27" name="テキスト ボックス 26">
-            <a:extLst>
-              <a:ext uri="{FF2B5EF4-FFF2-40B4-BE49-F238E27FC236}">
-                <a16:creationId xmlns:a16="http://schemas.microsoft.com/office/drawing/2014/main" id="{7C7DEA68-CB10-4DEC-9F56-817EDC582CA8}"/>
-              </a:ext>
-            </a:extLst>
-          </p:cNvPr>
-          <p:cNvSpPr txBox="1"/>
-          <p:nvPr/>
-        </p:nvSpPr>
-        <p:spPr>
-          <a:xfrm>
-            <a:off x="262192" y="6122255"/>
-            <a:ext cx="2109049" cy="646331"/>
-          </a:xfrm>
-          <a:prstGeom prst="rect">
-            <a:avLst/>
-          </a:prstGeom>
-          <a:noFill/>
-        </p:spPr>
-        <p:txBody>
-          <a:bodyPr wrap="square" rtlCol="0">
-            <a:spAutoFit/>
-          </a:bodyPr>
-          <a:lstStyle/>
-          <a:p>
-            <a:r>
-              <a:rPr kumimoji="1" lang="en-US" altLang="ja-JP" sz="3600" dirty="0"/>
-              <a:t>Figure5.</a:t>
-            </a:r>
-            <a:endParaRPr kumimoji="1" lang="ja-JP" altLang="en-US" sz="3600" dirty="0"/>
-          </a:p>
-        </p:txBody>
-      </p:sp>
-      <p:sp>
-        <p:nvSpPr>
-          <p:cNvPr id="28" name="正方形/長方形 27">
-            <a:extLst>
-              <a:ext uri="{FF2B5EF4-FFF2-40B4-BE49-F238E27FC236}">
-                <a16:creationId xmlns:a16="http://schemas.microsoft.com/office/drawing/2014/main" id="{FEEA847D-0602-48ED-92BE-FD63908A9FE0}"/>
-              </a:ext>
-            </a:extLst>
-          </p:cNvPr>
-          <p:cNvSpPr/>
-          <p:nvPr/>
-        </p:nvSpPr>
-        <p:spPr>
-          <a:xfrm>
-            <a:off x="9553395" y="3614705"/>
-            <a:ext cx="2378976" cy="873866"/>
-          </a:xfrm>
-          <a:prstGeom prst="rect">
-            <a:avLst/>
-          </a:prstGeom>
-          <a:ln>
-            <a:solidFill>
-              <a:schemeClr val="tx1"/>
-            </a:solidFill>
-          </a:ln>
-        </p:spPr>
-        <p:style>
-          <a:lnRef idx="2">
-            <a:schemeClr val="accent6"/>
-          </a:lnRef>
-          <a:fillRef idx="1">
-            <a:schemeClr val="lt1"/>
-          </a:fillRef>
-          <a:effectRef idx="0">
-            <a:schemeClr val="accent6"/>
-          </a:effectRef>
-          <a:fontRef idx="minor">
-            <a:schemeClr val="dk1"/>
-          </a:fontRef>
-        </p:style>
-        <p:txBody>
-          <a:bodyPr rtlCol="0" anchor="ctr"/>
-          <a:lstStyle/>
-          <a:p>
-            <a:pPr algn="ctr"/>
-            <a:r>
-              <a:rPr lang="ja-JP" altLang="en-US" dirty="0"/>
-              <a:t>書き込まれている</a:t>
-            </a:r>
-            <a:endParaRPr lang="en-US" altLang="ja-JP" dirty="0"/>
-          </a:p>
-          <a:p>
-            <a:pPr algn="ctr"/>
-            <a:r>
-              <a:rPr kumimoji="1" lang="ja-JP" altLang="en-US" dirty="0"/>
-              <a:t>セルの値</a:t>
-            </a:r>
-          </a:p>
-        </p:txBody>
-      </p:sp>
-      <p:cxnSp>
-        <p:nvCxnSpPr>
-          <p:cNvPr id="3" name="直線矢印コネクタ 2">
-            <a:extLst>
-              <a:ext uri="{FF2B5EF4-FFF2-40B4-BE49-F238E27FC236}">
-                <a16:creationId xmlns:a16="http://schemas.microsoft.com/office/drawing/2014/main" id="{DB53A72F-6BA2-4BC2-AFC0-C24574EB9445}"/>
-              </a:ext>
-            </a:extLst>
-          </p:cNvPr>
-          <p:cNvCxnSpPr>
-            <a:cxnSpLocks/>
-            <a:stCxn id="49" idx="3"/>
-            <a:endCxn id="28" idx="1"/>
-          </p:cNvCxnSpPr>
-          <p:nvPr/>
-        </p:nvCxnSpPr>
-        <p:spPr>
-          <a:xfrm>
-            <a:off x="6668116" y="3980084"/>
-            <a:ext cx="2885279" cy="71554"/>
-          </a:xfrm>
-          <a:prstGeom prst="straightConnector1">
-            <a:avLst/>
-          </a:prstGeom>
-          <a:ln w="57150">
-            <a:solidFill>
-              <a:srgbClr val="FF0000"/>
-            </a:solidFill>
-            <a:headEnd type="triangle"/>
-            <a:tailEnd type="triangle"/>
-          </a:ln>
-        </p:spPr>
-        <p:style>
-          <a:lnRef idx="1">
-            <a:schemeClr val="accent1"/>
-          </a:lnRef>
-          <a:fillRef idx="0">
-            <a:schemeClr val="accent1"/>
-          </a:fillRef>
-          <a:effectRef idx="0">
-            <a:schemeClr val="accent1"/>
-          </a:effectRef>
-          <a:fontRef idx="minor">
-            <a:schemeClr val="tx1"/>
-          </a:fontRef>
-        </p:style>
-      </p:cxnSp>
-      <p:sp>
-        <p:nvSpPr>
-          <p:cNvPr id="5" name="テキスト ボックス 4">
-            <a:extLst>
-              <a:ext uri="{FF2B5EF4-FFF2-40B4-BE49-F238E27FC236}">
-                <a16:creationId xmlns:a16="http://schemas.microsoft.com/office/drawing/2014/main" id="{2926DA7C-749F-4676-BAEA-814F7D0A2C3C}"/>
-              </a:ext>
-            </a:extLst>
-          </p:cNvPr>
-          <p:cNvSpPr txBox="1"/>
-          <p:nvPr/>
-        </p:nvSpPr>
-        <p:spPr>
-          <a:xfrm>
-            <a:off x="7041550" y="4388128"/>
-            <a:ext cx="2580785" cy="646331"/>
-          </a:xfrm>
-          <a:prstGeom prst="rect">
-            <a:avLst/>
-          </a:prstGeom>
-          <a:noFill/>
-        </p:spPr>
-        <p:txBody>
-          <a:bodyPr wrap="square" rtlCol="0">
-            <a:spAutoFit/>
-          </a:bodyPr>
-          <a:lstStyle/>
-          <a:p>
-            <a:r>
-              <a:rPr kumimoji="1" lang="ja-JP" altLang="en-US" dirty="0"/>
-              <a:t>比較</a:t>
-            </a:r>
-            <a:endParaRPr kumimoji="1" lang="en-US" altLang="ja-JP" dirty="0"/>
-          </a:p>
-          <a:p>
-            <a:r>
-              <a:rPr lang="ja-JP" altLang="en-US" dirty="0"/>
-              <a:t>値が違えば色を赤に</a:t>
-            </a:r>
-          </a:p>
-        </p:txBody>
-      </p:sp>
-      <p:cxnSp>
-        <p:nvCxnSpPr>
-          <p:cNvPr id="35" name="直線矢印コネクタ 34">
-            <a:extLst>
-              <a:ext uri="{FF2B5EF4-FFF2-40B4-BE49-F238E27FC236}">
-                <a16:creationId xmlns:a16="http://schemas.microsoft.com/office/drawing/2014/main" id="{DCD4E1F0-42AE-4FCD-A344-E1F8E706BF8B}"/>
-              </a:ext>
-            </a:extLst>
-          </p:cNvPr>
-          <p:cNvCxnSpPr>
-            <a:cxnSpLocks/>
-            <a:stCxn id="49" idx="1"/>
-            <a:endCxn id="4" idx="2"/>
-          </p:cNvCxnSpPr>
-          <p:nvPr/>
-        </p:nvCxnSpPr>
-        <p:spPr>
-          <a:xfrm flipH="1" flipV="1">
-            <a:off x="2005800" y="1948037"/>
-            <a:ext cx="2283340" cy="2032047"/>
-          </a:xfrm>
-          <a:prstGeom prst="straightConnector1">
-            <a:avLst/>
-          </a:prstGeom>
-          <a:ln w="57150">
-            <a:solidFill>
-              <a:srgbClr val="FF0000"/>
-            </a:solidFill>
-            <a:tailEnd type="triangle"/>
-          </a:ln>
-        </p:spPr>
-        <p:style>
-          <a:lnRef idx="1">
-            <a:schemeClr val="accent1"/>
-          </a:lnRef>
-          <a:fillRef idx="0">
-            <a:schemeClr val="accent1"/>
-          </a:fillRef>
-          <a:effectRef idx="0">
-            <a:schemeClr val="accent1"/>
-          </a:effectRef>
-          <a:fontRef idx="minor">
-            <a:schemeClr val="tx1"/>
-          </a:fontRef>
-        </p:style>
-      </p:cxnSp>
-      <p:sp>
-        <p:nvSpPr>
-          <p:cNvPr id="37" name="テキスト ボックス 36">
-            <a:extLst>
-              <a:ext uri="{FF2B5EF4-FFF2-40B4-BE49-F238E27FC236}">
-                <a16:creationId xmlns:a16="http://schemas.microsoft.com/office/drawing/2014/main" id="{93132F85-B674-4D81-B467-7132C10A8934}"/>
-              </a:ext>
-            </a:extLst>
-          </p:cNvPr>
-          <p:cNvSpPr txBox="1"/>
-          <p:nvPr/>
-        </p:nvSpPr>
-        <p:spPr>
-          <a:xfrm>
-            <a:off x="1300649" y="3314849"/>
-            <a:ext cx="2330510" cy="646331"/>
-          </a:xfrm>
-          <a:prstGeom prst="rect">
-            <a:avLst/>
-          </a:prstGeom>
-          <a:noFill/>
-        </p:spPr>
-        <p:txBody>
-          <a:bodyPr wrap="square" rtlCol="0">
-            <a:spAutoFit/>
-          </a:bodyPr>
-          <a:lstStyle/>
-          <a:p>
-            <a:r>
-              <a:rPr lang="ja-JP" altLang="en-US" dirty="0">
-                <a:solidFill>
-                  <a:schemeClr val="accent1"/>
-                </a:solidFill>
-              </a:rPr>
-              <a:t>赤が一つでもあれば、遷移時に</a:t>
-            </a:r>
-            <a:r>
-              <a:rPr lang="en-US" altLang="ja-JP" dirty="0" err="1">
-                <a:solidFill>
-                  <a:schemeClr val="accent1"/>
-                </a:solidFill>
-              </a:rPr>
-              <a:t>MsgBox</a:t>
-            </a:r>
-            <a:endParaRPr lang="ja-JP" altLang="en-US" dirty="0">
-              <a:solidFill>
-                <a:schemeClr val="accent1"/>
-              </a:solidFill>
-            </a:endParaRPr>
-          </a:p>
-        </p:txBody>
-      </p:sp>
-      <p:sp>
-        <p:nvSpPr>
-          <p:cNvPr id="39" name="正方形/長方形 38">
-            <a:extLst>
-              <a:ext uri="{FF2B5EF4-FFF2-40B4-BE49-F238E27FC236}">
-                <a16:creationId xmlns:a16="http://schemas.microsoft.com/office/drawing/2014/main" id="{5B622FDB-F46B-4E35-B5FD-1588DFADE698}"/>
-              </a:ext>
-            </a:extLst>
-          </p:cNvPr>
-          <p:cNvSpPr/>
-          <p:nvPr/>
-        </p:nvSpPr>
-        <p:spPr>
-          <a:xfrm>
-            <a:off x="6929554" y="6091944"/>
-            <a:ext cx="2109050" cy="523220"/>
-          </a:xfrm>
-          <a:prstGeom prst="rect">
-            <a:avLst/>
-          </a:prstGeom>
-          <a:ln>
-            <a:solidFill>
-              <a:schemeClr val="tx1"/>
-            </a:solidFill>
-          </a:ln>
-        </p:spPr>
-        <p:style>
-          <a:lnRef idx="2">
-            <a:schemeClr val="accent6"/>
-          </a:lnRef>
-          <a:fillRef idx="1">
-            <a:schemeClr val="lt1"/>
-          </a:fillRef>
-          <a:effectRef idx="0">
-            <a:schemeClr val="accent6"/>
-          </a:effectRef>
-          <a:fontRef idx="minor">
-            <a:schemeClr val="dk1"/>
-          </a:fontRef>
-        </p:style>
-        <p:txBody>
-          <a:bodyPr rtlCol="0" anchor="ctr"/>
-          <a:lstStyle/>
-          <a:p>
-            <a:pPr algn="ctr"/>
-            <a:r>
-              <a:rPr kumimoji="1" lang="en-US" altLang="ja-JP" dirty="0" err="1"/>
-              <a:t>CommandWrite</a:t>
-            </a:r>
-            <a:endParaRPr kumimoji="1" lang="ja-JP" altLang="en-US" dirty="0"/>
-          </a:p>
-        </p:txBody>
-      </p:sp>
-      <p:sp>
-        <p:nvSpPr>
-          <p:cNvPr id="40" name="正方形/長方形 39">
-            <a:extLst>
-              <a:ext uri="{FF2B5EF4-FFF2-40B4-BE49-F238E27FC236}">
-                <a16:creationId xmlns:a16="http://schemas.microsoft.com/office/drawing/2014/main" id="{6899D07C-7665-4DB3-9A2C-1C54274F1CE3}"/>
-              </a:ext>
-            </a:extLst>
-          </p:cNvPr>
-          <p:cNvSpPr/>
-          <p:nvPr/>
-        </p:nvSpPr>
-        <p:spPr>
-          <a:xfrm>
-            <a:off x="9603745" y="6091944"/>
-            <a:ext cx="2171049" cy="523220"/>
-          </a:xfrm>
-          <a:prstGeom prst="rect">
-            <a:avLst/>
-          </a:prstGeom>
-          <a:ln>
-            <a:solidFill>
-              <a:schemeClr val="tx1"/>
-            </a:solidFill>
-          </a:ln>
-        </p:spPr>
-        <p:style>
-          <a:lnRef idx="2">
-            <a:schemeClr val="accent6"/>
-          </a:lnRef>
-          <a:fillRef idx="1">
-            <a:schemeClr val="lt1"/>
-          </a:fillRef>
-          <a:effectRef idx="0">
-            <a:schemeClr val="accent6"/>
-          </a:effectRef>
-          <a:fontRef idx="minor">
-            <a:schemeClr val="dk1"/>
-          </a:fontRef>
-        </p:style>
-        <p:txBody>
-          <a:bodyPr rtlCol="0" anchor="ctr"/>
-          <a:lstStyle/>
-          <a:p>
-            <a:pPr algn="ctr"/>
-            <a:r>
-              <a:rPr kumimoji="1" lang="en-US" altLang="ja-JP" dirty="0" err="1"/>
-              <a:t>CommandCancel</a:t>
-            </a:r>
-            <a:endParaRPr kumimoji="1" lang="ja-JP" altLang="en-US" dirty="0"/>
-          </a:p>
-        </p:txBody>
-      </p:sp>
-      <p:sp>
-        <p:nvSpPr>
-          <p:cNvPr id="43" name="テキスト ボックス 42">
-            <a:extLst>
-              <a:ext uri="{FF2B5EF4-FFF2-40B4-BE49-F238E27FC236}">
-                <a16:creationId xmlns:a16="http://schemas.microsoft.com/office/drawing/2014/main" id="{7E17A015-2F8B-4285-9FCC-2E16F0F3AEF1}"/>
-              </a:ext>
-            </a:extLst>
-          </p:cNvPr>
-          <p:cNvSpPr txBox="1"/>
-          <p:nvPr/>
-        </p:nvSpPr>
-        <p:spPr>
-          <a:xfrm>
-            <a:off x="3946749" y="4416634"/>
-            <a:ext cx="2149251" cy="646331"/>
-          </a:xfrm>
-          <a:prstGeom prst="rect">
-            <a:avLst/>
-          </a:prstGeom>
-          <a:noFill/>
-        </p:spPr>
-        <p:txBody>
-          <a:bodyPr wrap="square" rtlCol="0">
-            <a:spAutoFit/>
-          </a:bodyPr>
-          <a:lstStyle/>
-          <a:p>
-            <a:r>
-              <a:rPr kumimoji="1" lang="en-US" altLang="ja-JP" dirty="0" err="1"/>
-              <a:t>comboN</a:t>
-            </a:r>
-            <a:r>
-              <a:rPr kumimoji="1" lang="en-US" altLang="ja-JP" dirty="0"/>
-              <a:t> </a:t>
-            </a:r>
-            <a:r>
-              <a:rPr kumimoji="1" lang="ja-JP" altLang="en-US" dirty="0"/>
-              <a:t>の値は</a:t>
-            </a:r>
-            <a:r>
-              <a:rPr kumimoji="1" lang="en-US" altLang="ja-JP" dirty="0" err="1"/>
-              <a:t>textN</a:t>
-            </a:r>
-            <a:r>
-              <a:rPr kumimoji="1" lang="ja-JP" altLang="en-US" dirty="0"/>
-              <a:t>に反映させる</a:t>
-            </a:r>
-          </a:p>
-        </p:txBody>
-      </p:sp>
-      <p:sp>
-        <p:nvSpPr>
-          <p:cNvPr id="48" name="テキスト ボックス 47">
-            <a:extLst>
-              <a:ext uri="{FF2B5EF4-FFF2-40B4-BE49-F238E27FC236}">
-                <a16:creationId xmlns:a16="http://schemas.microsoft.com/office/drawing/2014/main" id="{64386C46-78D6-409F-AEB6-CE5579BD4C17}"/>
-              </a:ext>
-            </a:extLst>
-          </p:cNvPr>
-          <p:cNvSpPr txBox="1"/>
-          <p:nvPr/>
-        </p:nvSpPr>
-        <p:spPr>
-          <a:xfrm>
-            <a:off x="4246511" y="3128075"/>
-            <a:ext cx="1580818" cy="646331"/>
-          </a:xfrm>
-          <a:prstGeom prst="rect">
-            <a:avLst/>
-          </a:prstGeom>
-          <a:noFill/>
-        </p:spPr>
-        <p:txBody>
-          <a:bodyPr wrap="square" rtlCol="0">
-            <a:spAutoFit/>
-          </a:bodyPr>
-          <a:lstStyle/>
-          <a:p>
-            <a:r>
-              <a:rPr lang="en-US" altLang="ja-JP" dirty="0" err="1"/>
-              <a:t>FrameN</a:t>
-            </a:r>
-            <a:endParaRPr lang="ja-JP" altLang="en-US" dirty="0"/>
-          </a:p>
-          <a:p>
-            <a:endParaRPr kumimoji="1" lang="ja-JP" altLang="en-US" dirty="0"/>
-          </a:p>
-        </p:txBody>
-      </p:sp>
-      <p:sp>
-        <p:nvSpPr>
-          <p:cNvPr id="49" name="正方形/長方形 48">
-            <a:extLst>
-              <a:ext uri="{FF2B5EF4-FFF2-40B4-BE49-F238E27FC236}">
-                <a16:creationId xmlns:a16="http://schemas.microsoft.com/office/drawing/2014/main" id="{48FE5EBD-288F-43E2-A514-136F566EA4E7}"/>
-              </a:ext>
-            </a:extLst>
-          </p:cNvPr>
-          <p:cNvSpPr/>
-          <p:nvPr/>
-        </p:nvSpPr>
-        <p:spPr>
-          <a:xfrm>
-            <a:off x="4289140" y="3543151"/>
-            <a:ext cx="2378976" cy="873866"/>
-          </a:xfrm>
-          <a:prstGeom prst="rect">
-            <a:avLst/>
-          </a:prstGeom>
-          <a:ln>
-            <a:solidFill>
-              <a:schemeClr val="tx1"/>
-            </a:solidFill>
-          </a:ln>
-        </p:spPr>
-        <p:style>
-          <a:lnRef idx="2">
-            <a:schemeClr val="accent6"/>
-          </a:lnRef>
-          <a:fillRef idx="1">
-            <a:schemeClr val="lt1"/>
-          </a:fillRef>
-          <a:effectRef idx="0">
-            <a:schemeClr val="accent6"/>
-          </a:effectRef>
-          <a:fontRef idx="minor">
-            <a:schemeClr val="dk1"/>
-          </a:fontRef>
-        </p:style>
-        <p:txBody>
-          <a:bodyPr rtlCol="0" anchor="ctr"/>
-          <a:lstStyle/>
-          <a:p>
-            <a:pPr algn="ctr"/>
-            <a:r>
-              <a:rPr lang="en-US" altLang="ja-JP" dirty="0" err="1"/>
-              <a:t>TextN</a:t>
-            </a:r>
-            <a:r>
-              <a:rPr lang="en-US" altLang="ja-JP" dirty="0"/>
-              <a:t>/</a:t>
-            </a:r>
-            <a:r>
-              <a:rPr lang="en-US" altLang="ja-JP" dirty="0" err="1"/>
-              <a:t>ComboN</a:t>
-            </a:r>
-            <a:endParaRPr kumimoji="1" lang="ja-JP" altLang="en-US" dirty="0"/>
-          </a:p>
-        </p:txBody>
-      </p:sp>
-    </p:spTree>
-    <p:extLst>
-      <p:ext uri="{BB962C8B-B14F-4D97-AF65-F5344CB8AC3E}">
-        <p14:creationId xmlns:p14="http://schemas.microsoft.com/office/powerpoint/2010/main" val="1091775803"/>
-      </p:ext>
-    </p:extLst>
-  </p:cSld>
-  <p:clrMapOvr>
-    <a:masterClrMapping/>
-  </p:clrMapOvr>
-</p:sld>
-</file>
-
 <file path=ppt/slides/slide9.xml><?xml version="1.0" encoding="utf-8"?>
 <p:sld xmlns:a="http://schemas.openxmlformats.org/drawingml/2006/main" xmlns:r="http://schemas.openxmlformats.org/officeDocument/2006/relationships" xmlns:p="http://schemas.openxmlformats.org/presentationml/2006/main">
   <p:cSld>
@@ -10390,6 +12912,68 @@
       </p:sp>
       <p:sp>
         <p:nvSpPr>
+          <p:cNvPr id="22" name="正方形/長方形 21">
+            <a:extLst>
+              <a:ext uri="{FF2B5EF4-FFF2-40B4-BE49-F238E27FC236}">
+                <a16:creationId xmlns:a16="http://schemas.microsoft.com/office/drawing/2014/main" id="{4849120C-F1AD-47A6-8C53-FB49C571E322}"/>
+              </a:ext>
+            </a:extLst>
+          </p:cNvPr>
+          <p:cNvSpPr/>
+          <p:nvPr/>
+        </p:nvSpPr>
+        <p:spPr>
+          <a:xfrm>
+            <a:off x="6708093" y="2668518"/>
+            <a:ext cx="1275986" cy="929594"/>
+          </a:xfrm>
+          <a:prstGeom prst="rect">
+            <a:avLst/>
+          </a:prstGeom>
+          <a:ln>
+            <a:solidFill>
+              <a:schemeClr val="tx1"/>
+            </a:solidFill>
+            <a:prstDash val="dash"/>
+          </a:ln>
+        </p:spPr>
+        <p:style>
+          <a:lnRef idx="2">
+            <a:schemeClr val="accent6"/>
+          </a:lnRef>
+          <a:fillRef idx="1">
+            <a:schemeClr val="lt1"/>
+          </a:fillRef>
+          <a:effectRef idx="0">
+            <a:schemeClr val="accent6"/>
+          </a:effectRef>
+          <a:fontRef idx="minor">
+            <a:schemeClr val="dk1"/>
+          </a:fontRef>
+        </p:style>
+        <p:txBody>
+          <a:bodyPr rtlCol="0" anchor="ctr"/>
+          <a:lstStyle/>
+          <a:p>
+            <a:pPr algn="ctr"/>
+            <a:r>
+              <a:rPr kumimoji="1" lang="en-US" altLang="ja-JP" dirty="0" err="1"/>
+              <a:t>LabelN</a:t>
+            </a:r>
+            <a:endParaRPr kumimoji="1" lang="en-US" altLang="ja-JP" dirty="0"/>
+          </a:p>
+          <a:p>
+            <a:pPr algn="ctr"/>
+            <a:r>
+              <a:rPr lang="en-US" altLang="ja-JP" dirty="0"/>
+              <a:t>(holder)</a:t>
+            </a:r>
+            <a:endParaRPr kumimoji="1" lang="ja-JP" altLang="en-US" dirty="0"/>
+          </a:p>
+        </p:txBody>
+      </p:sp>
+      <p:sp>
+        <p:nvSpPr>
           <p:cNvPr id="23" name="正方形/長方形 22">
             <a:extLst>
               <a:ext uri="{FF2B5EF4-FFF2-40B4-BE49-F238E27FC236}">
@@ -10402,7 +12986,7 @@
         </p:nvSpPr>
         <p:spPr>
           <a:xfrm>
-            <a:off x="582506" y="775298"/>
+            <a:off x="1316716" y="779948"/>
             <a:ext cx="1367686" cy="416064"/>
           </a:xfrm>
           <a:prstGeom prst="rect">
@@ -10434,10 +13018,18 @@
           <a:p>
             <a:pPr algn="ctr"/>
             <a:r>
-              <a:rPr lang="en-US" altLang="ja-JP" dirty="0" err="1"/>
+              <a:rPr lang="en-US" altLang="ja-JP" dirty="0" err="1">
+                <a:solidFill>
+                  <a:schemeClr val="accent1"/>
+                </a:solidFill>
+              </a:rPr>
               <a:t>TextRow</a:t>
             </a:r>
-            <a:endParaRPr kumimoji="1" lang="ja-JP" altLang="en-US" dirty="0"/>
+            <a:endParaRPr kumimoji="1" lang="ja-JP" altLang="en-US" dirty="0">
+              <a:solidFill>
+                <a:schemeClr val="accent1"/>
+              </a:solidFill>
+            </a:endParaRPr>
           </a:p>
         </p:txBody>
       </p:sp>
@@ -10503,10 +13095,46 @@
       </p:sp>
       <p:sp>
         <p:nvSpPr>
-          <p:cNvPr id="26" name="正方形/長方形 25">
-            <a:extLst>
-              <a:ext uri="{FF2B5EF4-FFF2-40B4-BE49-F238E27FC236}">
-                <a16:creationId xmlns:a16="http://schemas.microsoft.com/office/drawing/2014/main" id="{B0A9B8B9-B352-43F3-9BDD-35ED16AA1767}"/>
+          <p:cNvPr id="27" name="テキスト ボックス 26">
+            <a:extLst>
+              <a:ext uri="{FF2B5EF4-FFF2-40B4-BE49-F238E27FC236}">
+                <a16:creationId xmlns:a16="http://schemas.microsoft.com/office/drawing/2014/main" id="{7C7DEA68-CB10-4DEC-9F56-817EDC582CA8}"/>
+              </a:ext>
+            </a:extLst>
+          </p:cNvPr>
+          <p:cNvSpPr txBox="1"/>
+          <p:nvPr/>
+        </p:nvSpPr>
+        <p:spPr>
+          <a:xfrm>
+            <a:off x="262192" y="6122255"/>
+            <a:ext cx="2109049" cy="646331"/>
+          </a:xfrm>
+          <a:prstGeom prst="rect">
+            <a:avLst/>
+          </a:prstGeom>
+          <a:noFill/>
+        </p:spPr>
+        <p:txBody>
+          <a:bodyPr wrap="square" rtlCol="0">
+            <a:spAutoFit/>
+          </a:bodyPr>
+          <a:lstStyle/>
+          <a:p>
+            <a:r>
+              <a:rPr kumimoji="1" lang="en-US" altLang="ja-JP" sz="3600" dirty="0"/>
+              <a:t>Figure5.</a:t>
+            </a:r>
+            <a:endParaRPr kumimoji="1" lang="ja-JP" altLang="en-US" sz="3600" dirty="0"/>
+          </a:p>
+        </p:txBody>
+      </p:sp>
+      <p:sp>
+        <p:nvSpPr>
+          <p:cNvPr id="28" name="正方形/長方形 27">
+            <a:extLst>
+              <a:ext uri="{FF2B5EF4-FFF2-40B4-BE49-F238E27FC236}">
+                <a16:creationId xmlns:a16="http://schemas.microsoft.com/office/drawing/2014/main" id="{FEEA847D-0602-48ED-92BE-FD63908A9FE0}"/>
               </a:ext>
             </a:extLst>
           </p:cNvPr>
@@ -10515,8 +13143,8 @@
         </p:nvSpPr>
         <p:spPr>
           <a:xfrm>
-            <a:off x="2007695" y="775298"/>
-            <a:ext cx="1422651" cy="508502"/>
+            <a:off x="9553395" y="3614705"/>
+            <a:ext cx="2378976" cy="873866"/>
           </a:xfrm>
           <a:prstGeom prst="rect">
             <a:avLst/>
@@ -10547,102 +13175,6 @@
           <a:p>
             <a:pPr algn="ctr"/>
             <a:r>
-              <a:rPr kumimoji="1" lang="en-US" altLang="ja-JP" dirty="0"/>
-              <a:t>Combo</a:t>
-            </a:r>
-          </a:p>
-          <a:p>
-            <a:pPr algn="ctr"/>
-            <a:r>
-              <a:rPr kumimoji="1" lang="en-US" altLang="ja-JP" dirty="0"/>
-              <a:t>Column</a:t>
-            </a:r>
-            <a:endParaRPr kumimoji="1" lang="ja-JP" altLang="en-US" dirty="0"/>
-          </a:p>
-        </p:txBody>
-      </p:sp>
-      <p:sp>
-        <p:nvSpPr>
-          <p:cNvPr id="27" name="テキスト ボックス 26">
-            <a:extLst>
-              <a:ext uri="{FF2B5EF4-FFF2-40B4-BE49-F238E27FC236}">
-                <a16:creationId xmlns:a16="http://schemas.microsoft.com/office/drawing/2014/main" id="{7C7DEA68-CB10-4DEC-9F56-817EDC582CA8}"/>
-              </a:ext>
-            </a:extLst>
-          </p:cNvPr>
-          <p:cNvSpPr txBox="1"/>
-          <p:nvPr/>
-        </p:nvSpPr>
-        <p:spPr>
-          <a:xfrm>
-            <a:off x="262192" y="6122255"/>
-            <a:ext cx="2109049" cy="646331"/>
-          </a:xfrm>
-          <a:prstGeom prst="rect">
-            <a:avLst/>
-          </a:prstGeom>
-          <a:noFill/>
-        </p:spPr>
-        <p:txBody>
-          <a:bodyPr wrap="square" rtlCol="0">
-            <a:spAutoFit/>
-          </a:bodyPr>
-          <a:lstStyle/>
-          <a:p>
-            <a:r>
-              <a:rPr kumimoji="1" lang="en-US" altLang="ja-JP" sz="3600" dirty="0"/>
-              <a:t>Figure6.</a:t>
-            </a:r>
-            <a:endParaRPr kumimoji="1" lang="ja-JP" altLang="en-US" sz="3600" dirty="0"/>
-          </a:p>
-        </p:txBody>
-      </p:sp>
-      <p:sp>
-        <p:nvSpPr>
-          <p:cNvPr id="28" name="正方形/長方形 27">
-            <a:extLst>
-              <a:ext uri="{FF2B5EF4-FFF2-40B4-BE49-F238E27FC236}">
-                <a16:creationId xmlns:a16="http://schemas.microsoft.com/office/drawing/2014/main" id="{FEEA847D-0602-48ED-92BE-FD63908A9FE0}"/>
-              </a:ext>
-            </a:extLst>
-          </p:cNvPr>
-          <p:cNvSpPr/>
-          <p:nvPr/>
-        </p:nvSpPr>
-        <p:spPr>
-          <a:xfrm>
-            <a:off x="9553395" y="3614705"/>
-            <a:ext cx="2378976" cy="873866"/>
-          </a:xfrm>
-          <a:prstGeom prst="rect">
-            <a:avLst/>
-          </a:prstGeom>
-          <a:ln>
-            <a:solidFill>
-              <a:schemeClr val="tx1"/>
-            </a:solidFill>
-          </a:ln>
-        </p:spPr>
-        <p:style>
-          <a:lnRef idx="2">
-            <a:schemeClr val="accent6"/>
-          </a:lnRef>
-          <a:fillRef idx="1">
-            <a:schemeClr val="lt1"/>
-          </a:fillRef>
-          <a:effectRef idx="0">
-            <a:schemeClr val="accent6"/>
-          </a:effectRef>
-          <a:fontRef idx="minor">
-            <a:schemeClr val="dk1"/>
-          </a:fontRef>
-        </p:style>
-        <p:txBody>
-          <a:bodyPr rtlCol="0" anchor="ctr"/>
-          <a:lstStyle/>
-          <a:p>
-            <a:pPr algn="ctr"/>
-            <a:r>
               <a:rPr lang="ja-JP" altLang="en-US" dirty="0"/>
               <a:t>書き込まれている</a:t>
             </a:r>
@@ -10657,58 +13189,18 @@
           </a:p>
         </p:txBody>
       </p:sp>
-      <p:sp>
-        <p:nvSpPr>
-          <p:cNvPr id="38" name="テキスト ボックス 37">
-            <a:extLst>
-              <a:ext uri="{FF2B5EF4-FFF2-40B4-BE49-F238E27FC236}">
-                <a16:creationId xmlns:a16="http://schemas.microsoft.com/office/drawing/2014/main" id="{F10ACAC9-6424-41D3-9CE6-CF6F9E09B441}"/>
-              </a:ext>
-            </a:extLst>
-          </p:cNvPr>
-          <p:cNvSpPr txBox="1"/>
-          <p:nvPr/>
-        </p:nvSpPr>
-        <p:spPr>
-          <a:xfrm>
-            <a:off x="5478628" y="5485515"/>
-            <a:ext cx="2725925" cy="646331"/>
-          </a:xfrm>
-          <a:prstGeom prst="rect">
-            <a:avLst/>
-          </a:prstGeom>
-          <a:noFill/>
-        </p:spPr>
-        <p:txBody>
-          <a:bodyPr wrap="square" rtlCol="0">
-            <a:spAutoFit/>
-          </a:bodyPr>
-          <a:lstStyle/>
-          <a:p>
-            <a:r>
-              <a:rPr kumimoji="1" lang="ja-JP" altLang="en-US" dirty="0"/>
-              <a:t>それぞれの項目に入っているものを全て</a:t>
-            </a:r>
-            <a:r>
-              <a:rPr lang="ja-JP" altLang="en-US" dirty="0"/>
-              <a:t>書き込む</a:t>
-            </a:r>
-            <a:endParaRPr kumimoji="1" lang="ja-JP" altLang="en-US" dirty="0"/>
-          </a:p>
-        </p:txBody>
-      </p:sp>
       <p:cxnSp>
         <p:nvCxnSpPr>
-          <p:cNvPr id="6" name="直線矢印コネクタ 5">
-            <a:extLst>
-              <a:ext uri="{FF2B5EF4-FFF2-40B4-BE49-F238E27FC236}">
-                <a16:creationId xmlns:a16="http://schemas.microsoft.com/office/drawing/2014/main" id="{2C541AB5-71D5-43FD-B939-69BEFF90A17F}"/>
+          <p:cNvPr id="3" name="直線矢印コネクタ 2">
+            <a:extLst>
+              <a:ext uri="{FF2B5EF4-FFF2-40B4-BE49-F238E27FC236}">
+                <a16:creationId xmlns:a16="http://schemas.microsoft.com/office/drawing/2014/main" id="{DB53A72F-6BA2-4BC2-AFC0-C24574EB9445}"/>
               </a:ext>
             </a:extLst>
           </p:cNvPr>
           <p:cNvCxnSpPr>
             <a:cxnSpLocks/>
-            <a:stCxn id="34" idx="3"/>
+            <a:stCxn id="49" idx="3"/>
             <a:endCxn id="28" idx="1"/>
           </p:cNvCxnSpPr>
           <p:nvPr/>
@@ -10725,6 +13217,7 @@
             <a:solidFill>
               <a:srgbClr val="FF0000"/>
             </a:solidFill>
+            <a:headEnd type="triangle"/>
             <a:tailEnd type="triangle"/>
           </a:ln>
         </p:spPr>
@@ -10745,10 +13238,10 @@
       </p:cxnSp>
       <p:sp>
         <p:nvSpPr>
-          <p:cNvPr id="7" name="テキスト ボックス 6">
-            <a:extLst>
-              <a:ext uri="{FF2B5EF4-FFF2-40B4-BE49-F238E27FC236}">
-                <a16:creationId xmlns:a16="http://schemas.microsoft.com/office/drawing/2014/main" id="{87B58132-E05A-4EA5-BB83-6B2F1359F180}"/>
+          <p:cNvPr id="5" name="テキスト ボックス 4">
+            <a:extLst>
+              <a:ext uri="{FF2B5EF4-FFF2-40B4-BE49-F238E27FC236}">
+                <a16:creationId xmlns:a16="http://schemas.microsoft.com/office/drawing/2014/main" id="{2926DA7C-749F-4676-BAEA-814F7D0A2C3C}"/>
               </a:ext>
             </a:extLst>
           </p:cNvPr>
@@ -10757,8 +13250,8 @@
         </p:nvSpPr>
         <p:spPr>
           <a:xfrm>
-            <a:off x="7599439" y="4144081"/>
-            <a:ext cx="1439165" cy="461665"/>
+            <a:off x="7041550" y="4388128"/>
+            <a:ext cx="2580785" cy="646331"/>
           </a:xfrm>
           <a:prstGeom prst="rect">
             <a:avLst/>
@@ -10772,18 +13265,123 @@
           <a:lstStyle/>
           <a:p>
             <a:r>
-              <a:rPr kumimoji="1" lang="ja-JP" altLang="en-US" sz="2400" dirty="0"/>
-              <a:t>書き込み</a:t>
-            </a:r>
-          </a:p>
-        </p:txBody>
-      </p:sp>
-      <p:sp>
-        <p:nvSpPr>
-          <p:cNvPr id="29" name="正方形/長方形 28">
-            <a:extLst>
-              <a:ext uri="{FF2B5EF4-FFF2-40B4-BE49-F238E27FC236}">
-                <a16:creationId xmlns:a16="http://schemas.microsoft.com/office/drawing/2014/main" id="{6AC7A105-E49E-4188-97E1-0A8B7D1D1BF1}"/>
+              <a:rPr kumimoji="1" lang="ja-JP" altLang="en-US" dirty="0"/>
+              <a:t>比較</a:t>
+            </a:r>
+            <a:endParaRPr kumimoji="1" lang="en-US" altLang="ja-JP" dirty="0"/>
+          </a:p>
+          <a:p>
+            <a:r>
+              <a:rPr lang="ja-JP" altLang="en-US" dirty="0"/>
+              <a:t>値が違えば色を赤に</a:t>
+            </a:r>
+          </a:p>
+        </p:txBody>
+      </p:sp>
+      <p:cxnSp>
+        <p:nvCxnSpPr>
+          <p:cNvPr id="35" name="直線矢印コネクタ 34">
+            <a:extLst>
+              <a:ext uri="{FF2B5EF4-FFF2-40B4-BE49-F238E27FC236}">
+                <a16:creationId xmlns:a16="http://schemas.microsoft.com/office/drawing/2014/main" id="{DCD4E1F0-42AE-4FCD-A344-E1F8E706BF8B}"/>
+              </a:ext>
+            </a:extLst>
+          </p:cNvPr>
+          <p:cNvCxnSpPr>
+            <a:cxnSpLocks/>
+            <a:stCxn id="49" idx="1"/>
+            <a:endCxn id="4" idx="2"/>
+          </p:cNvCxnSpPr>
+          <p:nvPr/>
+        </p:nvCxnSpPr>
+        <p:spPr>
+          <a:xfrm flipH="1" flipV="1">
+            <a:off x="2005800" y="1948037"/>
+            <a:ext cx="2283340" cy="2032047"/>
+          </a:xfrm>
+          <a:prstGeom prst="straightConnector1">
+            <a:avLst/>
+          </a:prstGeom>
+          <a:ln w="57150">
+            <a:solidFill>
+              <a:srgbClr val="FF0000"/>
+            </a:solidFill>
+            <a:tailEnd type="triangle"/>
+          </a:ln>
+        </p:spPr>
+        <p:style>
+          <a:lnRef idx="1">
+            <a:schemeClr val="accent1"/>
+          </a:lnRef>
+          <a:fillRef idx="0">
+            <a:schemeClr val="accent1"/>
+          </a:fillRef>
+          <a:effectRef idx="0">
+            <a:schemeClr val="accent1"/>
+          </a:effectRef>
+          <a:fontRef idx="minor">
+            <a:schemeClr val="tx1"/>
+          </a:fontRef>
+        </p:style>
+      </p:cxnSp>
+      <p:sp>
+        <p:nvSpPr>
+          <p:cNvPr id="37" name="テキスト ボックス 36">
+            <a:extLst>
+              <a:ext uri="{FF2B5EF4-FFF2-40B4-BE49-F238E27FC236}">
+                <a16:creationId xmlns:a16="http://schemas.microsoft.com/office/drawing/2014/main" id="{93132F85-B674-4D81-B467-7132C10A8934}"/>
+              </a:ext>
+            </a:extLst>
+          </p:cNvPr>
+          <p:cNvSpPr txBox="1"/>
+          <p:nvPr/>
+        </p:nvSpPr>
+        <p:spPr>
+          <a:xfrm>
+            <a:off x="1300649" y="3314849"/>
+            <a:ext cx="2330510" cy="646331"/>
+          </a:xfrm>
+          <a:prstGeom prst="rect">
+            <a:avLst/>
+          </a:prstGeom>
+          <a:noFill/>
+        </p:spPr>
+        <p:txBody>
+          <a:bodyPr wrap="square" rtlCol="0">
+            <a:spAutoFit/>
+          </a:bodyPr>
+          <a:lstStyle/>
+          <a:p>
+            <a:r>
+              <a:rPr lang="ja-JP" altLang="en-US" dirty="0">
+                <a:solidFill>
+                  <a:schemeClr val="accent1"/>
+                </a:solidFill>
+              </a:rPr>
+              <a:t>赤が一つでもあれば、遷移時に</a:t>
+            </a:r>
+            <a:r>
+              <a:rPr lang="en-US" altLang="ja-JP" dirty="0" err="1">
+                <a:solidFill>
+                  <a:schemeClr val="accent1"/>
+                </a:solidFill>
+              </a:rPr>
+              <a:t>MsgBox</a:t>
+            </a:r>
+            <a:endParaRPr lang="ja-JP" altLang="en-US" dirty="0">
+              <a:solidFill>
+                <a:schemeClr val="accent1"/>
+              </a:solidFill>
+            </a:endParaRPr>
+          </a:p>
+        </p:txBody>
+      </p:sp>
+      <p:sp>
+        <p:nvSpPr>
+          <p:cNvPr id="39" name="正方形/長方形 38">
+            <a:extLst>
+              <a:ext uri="{FF2B5EF4-FFF2-40B4-BE49-F238E27FC236}">
+                <a16:creationId xmlns:a16="http://schemas.microsoft.com/office/drawing/2014/main" id="{5B622FDB-F46B-4E35-B5FD-1588DFADE698}"/>
               </a:ext>
             </a:extLst>
           </p:cNvPr>
@@ -10824,66 +13422,19 @@
           <a:p>
             <a:pPr algn="ctr"/>
             <a:r>
-              <a:rPr kumimoji="1" lang="en-US" altLang="ja-JP" dirty="0" err="1">
-                <a:solidFill>
-                  <a:srgbClr val="FF0000"/>
-                </a:solidFill>
-              </a:rPr>
+              <a:rPr kumimoji="1" lang="en-US" altLang="ja-JP" dirty="0" err="1"/>
               <a:t>CommandWrite</a:t>
             </a:r>
-            <a:endParaRPr kumimoji="1" lang="ja-JP" altLang="en-US" dirty="0">
-              <a:solidFill>
-                <a:srgbClr val="FF0000"/>
-              </a:solidFill>
-            </a:endParaRPr>
-          </a:p>
-        </p:txBody>
-      </p:sp>
-      <p:sp>
-        <p:nvSpPr>
-          <p:cNvPr id="32" name="テキスト ボックス 31">
-            <a:extLst>
-              <a:ext uri="{FF2B5EF4-FFF2-40B4-BE49-F238E27FC236}">
-                <a16:creationId xmlns:a16="http://schemas.microsoft.com/office/drawing/2014/main" id="{3D2A2AB6-711D-44EC-AF41-7C79C4C43E6C}"/>
-              </a:ext>
-            </a:extLst>
-          </p:cNvPr>
-          <p:cNvSpPr txBox="1"/>
-          <p:nvPr/>
-        </p:nvSpPr>
-        <p:spPr>
-          <a:xfrm>
-            <a:off x="4246511" y="3128075"/>
-            <a:ext cx="1580818" cy="646331"/>
-          </a:xfrm>
-          <a:prstGeom prst="rect">
-            <a:avLst/>
-          </a:prstGeom>
-          <a:noFill/>
-        </p:spPr>
-        <p:txBody>
-          <a:bodyPr wrap="square" rtlCol="0">
-            <a:spAutoFit/>
-          </a:bodyPr>
-          <a:lstStyle/>
-          <a:p>
-            <a:r>
-              <a:rPr lang="en-US" altLang="ja-JP" dirty="0" err="1"/>
-              <a:t>FrameN</a:t>
-            </a:r>
-            <a:endParaRPr lang="ja-JP" altLang="en-US" dirty="0"/>
-          </a:p>
-          <a:p>
             <a:endParaRPr kumimoji="1" lang="ja-JP" altLang="en-US" dirty="0"/>
           </a:p>
         </p:txBody>
       </p:sp>
       <p:sp>
         <p:nvSpPr>
-          <p:cNvPr id="34" name="正方形/長方形 33">
-            <a:extLst>
-              <a:ext uri="{FF2B5EF4-FFF2-40B4-BE49-F238E27FC236}">
-                <a16:creationId xmlns:a16="http://schemas.microsoft.com/office/drawing/2014/main" id="{8BC1AFA1-D973-4D3E-8656-B7A7BA0B8932}"/>
+          <p:cNvPr id="40" name="正方形/長方形 39">
+            <a:extLst>
+              <a:ext uri="{FF2B5EF4-FFF2-40B4-BE49-F238E27FC236}">
+                <a16:creationId xmlns:a16="http://schemas.microsoft.com/office/drawing/2014/main" id="{6899D07C-7665-4DB3-9A2C-1C54274F1CE3}"/>
               </a:ext>
             </a:extLst>
           </p:cNvPr>
@@ -10892,8 +13443,8 @@
         </p:nvSpPr>
         <p:spPr>
           <a:xfrm>
-            <a:off x="4289140" y="3543151"/>
-            <a:ext cx="2378976" cy="873866"/>
+            <a:off x="9603745" y="6091944"/>
+            <a:ext cx="2171049" cy="523220"/>
           </a:xfrm>
           <a:prstGeom prst="rect">
             <a:avLst/>
@@ -10924,16 +13475,8 @@
           <a:p>
             <a:pPr algn="ctr"/>
             <a:r>
-              <a:rPr lang="en-US" altLang="ja-JP" dirty="0" err="1"/>
-              <a:t>TextN</a:t>
-            </a:r>
-            <a:r>
-              <a:rPr lang="en-US" altLang="ja-JP" dirty="0"/>
-              <a:t>/</a:t>
-            </a:r>
-            <a:r>
-              <a:rPr lang="en-US" altLang="ja-JP" dirty="0" err="1"/>
-              <a:t>ComboN</a:t>
+              <a:rPr kumimoji="1" lang="en-US" altLang="ja-JP" dirty="0" err="1"/>
+              <a:t>CommandCancel</a:t>
             </a:r>
             <a:endParaRPr kumimoji="1" lang="ja-JP" altLang="en-US" dirty="0"/>
           </a:p>
@@ -10941,10 +13484,10 @@
       </p:sp>
       <p:sp>
         <p:nvSpPr>
-          <p:cNvPr id="36" name="テキスト ボックス 35">
-            <a:extLst>
-              <a:ext uri="{FF2B5EF4-FFF2-40B4-BE49-F238E27FC236}">
-                <a16:creationId xmlns:a16="http://schemas.microsoft.com/office/drawing/2014/main" id="{90B735AD-C96B-4EDE-9863-3713945FFD38}"/>
+          <p:cNvPr id="43" name="テキスト ボックス 42">
+            <a:extLst>
+              <a:ext uri="{FF2B5EF4-FFF2-40B4-BE49-F238E27FC236}">
+                <a16:creationId xmlns:a16="http://schemas.microsoft.com/office/drawing/2014/main" id="{7E17A015-2F8B-4285-9FCC-2E16F0F3AEF1}"/>
               </a:ext>
             </a:extLst>
           </p:cNvPr>
@@ -10953,8 +13496,8 @@
         </p:nvSpPr>
         <p:spPr>
           <a:xfrm>
-            <a:off x="7346086" y="3790028"/>
-            <a:ext cx="1275986" cy="523220"/>
+            <a:off x="3946749" y="4416634"/>
+            <a:ext cx="2149251" cy="646331"/>
           </a:xfrm>
           <a:prstGeom prst="rect">
             <a:avLst/>
@@ -10968,19 +13511,73 @@
           <a:lstStyle/>
           <a:p>
             <a:r>
-              <a:rPr kumimoji="1" lang="en-US" altLang="ja-JP" sz="2800" dirty="0"/>
-              <a:t>* 10 </a:t>
-            </a:r>
-            <a:endParaRPr kumimoji="1" lang="ja-JP" altLang="en-US" sz="2800" dirty="0"/>
-          </a:p>
-        </p:txBody>
-      </p:sp>
-      <p:sp>
-        <p:nvSpPr>
-          <p:cNvPr id="39" name="正方形/長方形 38">
-            <a:extLst>
-              <a:ext uri="{FF2B5EF4-FFF2-40B4-BE49-F238E27FC236}">
-                <a16:creationId xmlns:a16="http://schemas.microsoft.com/office/drawing/2014/main" id="{904949D8-BCBC-46CF-9BEB-8D7009B94D2C}"/>
+              <a:rPr kumimoji="1" lang="en-US" altLang="ja-JP" dirty="0" err="1"/>
+              <a:t>comboN</a:t>
+            </a:r>
+            <a:r>
+              <a:rPr kumimoji="1" lang="en-US" altLang="ja-JP" dirty="0"/>
+              <a:t> </a:t>
+            </a:r>
+            <a:r>
+              <a:rPr kumimoji="1" lang="ja-JP" altLang="en-US" dirty="0"/>
+              <a:t>の値は</a:t>
+            </a:r>
+            <a:r>
+              <a:rPr kumimoji="1" lang="en-US" altLang="ja-JP" dirty="0" err="1"/>
+              <a:t>textN</a:t>
+            </a:r>
+            <a:r>
+              <a:rPr kumimoji="1" lang="ja-JP" altLang="en-US" dirty="0"/>
+              <a:t>に反映させる</a:t>
+            </a:r>
+          </a:p>
+        </p:txBody>
+      </p:sp>
+      <p:sp>
+        <p:nvSpPr>
+          <p:cNvPr id="48" name="テキスト ボックス 47">
+            <a:extLst>
+              <a:ext uri="{FF2B5EF4-FFF2-40B4-BE49-F238E27FC236}">
+                <a16:creationId xmlns:a16="http://schemas.microsoft.com/office/drawing/2014/main" id="{64386C46-78D6-409F-AEB6-CE5579BD4C17}"/>
+              </a:ext>
+            </a:extLst>
+          </p:cNvPr>
+          <p:cNvSpPr txBox="1"/>
+          <p:nvPr/>
+        </p:nvSpPr>
+        <p:spPr>
+          <a:xfrm>
+            <a:off x="4246511" y="3128075"/>
+            <a:ext cx="1580818" cy="646331"/>
+          </a:xfrm>
+          <a:prstGeom prst="rect">
+            <a:avLst/>
+          </a:prstGeom>
+          <a:noFill/>
+        </p:spPr>
+        <p:txBody>
+          <a:bodyPr wrap="square" rtlCol="0">
+            <a:spAutoFit/>
+          </a:bodyPr>
+          <a:lstStyle/>
+          <a:p>
+            <a:r>
+              <a:rPr lang="en-US" altLang="ja-JP" dirty="0" err="1"/>
+              <a:t>FrameN</a:t>
+            </a:r>
+            <a:endParaRPr lang="ja-JP" altLang="en-US" dirty="0"/>
+          </a:p>
+          <a:p>
+            <a:endParaRPr kumimoji="1" lang="ja-JP" altLang="en-US" dirty="0"/>
+          </a:p>
+        </p:txBody>
+      </p:sp>
+      <p:sp>
+        <p:nvSpPr>
+          <p:cNvPr id="49" name="正方形/長方形 48">
+            <a:extLst>
+              <a:ext uri="{FF2B5EF4-FFF2-40B4-BE49-F238E27FC236}">
+                <a16:creationId xmlns:a16="http://schemas.microsoft.com/office/drawing/2014/main" id="{48FE5EBD-288F-43E2-A514-136F566EA4E7}"/>
               </a:ext>
             </a:extLst>
           </p:cNvPr>
@@ -10989,8 +13586,8 @@
         </p:nvSpPr>
         <p:spPr>
           <a:xfrm>
-            <a:off x="6710745" y="2663278"/>
-            <a:ext cx="1275986" cy="929594"/>
+            <a:off x="4289140" y="3543151"/>
+            <a:ext cx="2378976" cy="873866"/>
           </a:xfrm>
           <a:prstGeom prst="rect">
             <a:avLst/>
@@ -10999,7 +13596,6 @@
             <a:solidFill>
               <a:schemeClr val="tx1"/>
             </a:solidFill>
-            <a:prstDash val="dash"/>
           </a:ln>
         </p:spPr>
         <p:style>
@@ -11022,16 +13618,16 @@
           <a:p>
             <a:pPr algn="ctr"/>
             <a:r>
-              <a:rPr kumimoji="1" lang="en-US" altLang="ja-JP" dirty="0" err="1"/>
-              <a:t>LabelN</a:t>
-            </a:r>
-            <a:endParaRPr kumimoji="1" lang="en-US" altLang="ja-JP" dirty="0"/>
-          </a:p>
-          <a:p>
-            <a:pPr algn="ctr"/>
+              <a:rPr lang="en-US" altLang="ja-JP" dirty="0" err="1"/>
+              <a:t>TextN</a:t>
+            </a:r>
             <a:r>
               <a:rPr lang="en-US" altLang="ja-JP" dirty="0"/>
-              <a:t>(holder)</a:t>
+              <a:t>/</a:t>
+            </a:r>
+            <a:r>
+              <a:rPr lang="en-US" altLang="ja-JP" dirty="0" err="1"/>
+              <a:t>ComboN</a:t>
             </a:r>
             <a:endParaRPr kumimoji="1" lang="ja-JP" altLang="en-US" dirty="0"/>
           </a:p>
@@ -11040,7 +13636,7 @@
     </p:spTree>
     <p:extLst>
       <p:ext uri="{BB962C8B-B14F-4D97-AF65-F5344CB8AC3E}">
-        <p14:creationId xmlns:p14="http://schemas.microsoft.com/office/powerpoint/2010/main" val="3798471223"/>
+        <p14:creationId xmlns:p14="http://schemas.microsoft.com/office/powerpoint/2010/main" val="1091775803"/>
       </p:ext>
     </p:extLst>
   </p:cSld>

--- a/prj_input/rakurakuInput.pptx
+++ b/prj_input/rakurakuInput.pptx
@@ -19,6 +19,7 @@
     <p:sldId id="268" r:id="rId13"/>
     <p:sldId id="270" r:id="rId14"/>
     <p:sldId id="269" r:id="rId15"/>
+    <p:sldId id="271" r:id="rId16"/>
   </p:sldIdLst>
   <p:sldSz cx="12192000" cy="6858000"/>
   <p:notesSz cx="6858000" cy="9144000"/>
@@ -272,7 +273,7 @@
           <a:p>
             <a:fld id="{1CD75DFC-66AA-4157-91E4-03CC23A492E6}" type="datetimeFigureOut">
               <a:rPr kumimoji="1" lang="ja-JP" altLang="en-US" smtClean="0"/>
-              <a:t>2020/5/8</a:t>
+              <a:t>2020/5/11</a:t>
             </a:fld>
             <a:endParaRPr kumimoji="1" lang="ja-JP" altLang="en-US"/>
           </a:p>
@@ -502,7 +503,7 @@
           <a:p>
             <a:fld id="{1CD75DFC-66AA-4157-91E4-03CC23A492E6}" type="datetimeFigureOut">
               <a:rPr kumimoji="1" lang="ja-JP" altLang="en-US" smtClean="0"/>
-              <a:t>2020/5/8</a:t>
+              <a:t>2020/5/11</a:t>
             </a:fld>
             <a:endParaRPr kumimoji="1" lang="ja-JP" altLang="en-US"/>
           </a:p>
@@ -742,7 +743,7 @@
           <a:p>
             <a:fld id="{1CD75DFC-66AA-4157-91E4-03CC23A492E6}" type="datetimeFigureOut">
               <a:rPr kumimoji="1" lang="ja-JP" altLang="en-US" smtClean="0"/>
-              <a:t>2020/5/8</a:t>
+              <a:t>2020/5/11</a:t>
             </a:fld>
             <a:endParaRPr kumimoji="1" lang="ja-JP" altLang="en-US"/>
           </a:p>
@@ -972,7 +973,7 @@
           <a:p>
             <a:fld id="{1CD75DFC-66AA-4157-91E4-03CC23A492E6}" type="datetimeFigureOut">
               <a:rPr kumimoji="1" lang="ja-JP" altLang="en-US" smtClean="0"/>
-              <a:t>2020/5/8</a:t>
+              <a:t>2020/5/11</a:t>
             </a:fld>
             <a:endParaRPr kumimoji="1" lang="ja-JP" altLang="en-US"/>
           </a:p>
@@ -1247,7 +1248,7 @@
           <a:p>
             <a:fld id="{1CD75DFC-66AA-4157-91E4-03CC23A492E6}" type="datetimeFigureOut">
               <a:rPr kumimoji="1" lang="ja-JP" altLang="en-US" smtClean="0"/>
-              <a:t>2020/5/8</a:t>
+              <a:t>2020/5/11</a:t>
             </a:fld>
             <a:endParaRPr kumimoji="1" lang="ja-JP" altLang="en-US"/>
           </a:p>
@@ -1576,7 +1577,7 @@
           <a:p>
             <a:fld id="{1CD75DFC-66AA-4157-91E4-03CC23A492E6}" type="datetimeFigureOut">
               <a:rPr kumimoji="1" lang="ja-JP" altLang="en-US" smtClean="0"/>
-              <a:t>2020/5/8</a:t>
+              <a:t>2020/5/11</a:t>
             </a:fld>
             <a:endParaRPr kumimoji="1" lang="ja-JP" altLang="en-US"/>
           </a:p>
@@ -2052,7 +2053,7 @@
           <a:p>
             <a:fld id="{1CD75DFC-66AA-4157-91E4-03CC23A492E6}" type="datetimeFigureOut">
               <a:rPr kumimoji="1" lang="ja-JP" altLang="en-US" smtClean="0"/>
-              <a:t>2020/5/8</a:t>
+              <a:t>2020/5/11</a:t>
             </a:fld>
             <a:endParaRPr kumimoji="1" lang="ja-JP" altLang="en-US"/>
           </a:p>
@@ -2193,7 +2194,7 @@
           <a:p>
             <a:fld id="{1CD75DFC-66AA-4157-91E4-03CC23A492E6}" type="datetimeFigureOut">
               <a:rPr kumimoji="1" lang="ja-JP" altLang="en-US" smtClean="0"/>
-              <a:t>2020/5/8</a:t>
+              <a:t>2020/5/11</a:t>
             </a:fld>
             <a:endParaRPr kumimoji="1" lang="ja-JP" altLang="en-US"/>
           </a:p>
@@ -2306,7 +2307,7 @@
           <a:p>
             <a:fld id="{1CD75DFC-66AA-4157-91E4-03CC23A492E6}" type="datetimeFigureOut">
               <a:rPr kumimoji="1" lang="ja-JP" altLang="en-US" smtClean="0"/>
-              <a:t>2020/5/8</a:t>
+              <a:t>2020/5/11</a:t>
             </a:fld>
             <a:endParaRPr kumimoji="1" lang="ja-JP" altLang="en-US"/>
           </a:p>
@@ -2649,7 +2650,7 @@
           <a:p>
             <a:fld id="{1CD75DFC-66AA-4157-91E4-03CC23A492E6}" type="datetimeFigureOut">
               <a:rPr kumimoji="1" lang="ja-JP" altLang="en-US" smtClean="0"/>
-              <a:t>2020/5/8</a:t>
+              <a:t>2020/5/11</a:t>
             </a:fld>
             <a:endParaRPr kumimoji="1" lang="ja-JP" altLang="en-US"/>
           </a:p>
@@ -2937,7 +2938,7 @@
           <a:p>
             <a:fld id="{1CD75DFC-66AA-4157-91E4-03CC23A492E6}" type="datetimeFigureOut">
               <a:rPr kumimoji="1" lang="ja-JP" altLang="en-US" smtClean="0"/>
-              <a:t>2020/5/8</a:t>
+              <a:t>2020/5/11</a:t>
             </a:fld>
             <a:endParaRPr kumimoji="1" lang="ja-JP" altLang="en-US"/>
           </a:p>
@@ -3210,7 +3211,7 @@
           <a:p>
             <a:fld id="{1CD75DFC-66AA-4157-91E4-03CC23A492E6}" type="datetimeFigureOut">
               <a:rPr kumimoji="1" lang="ja-JP" altLang="en-US" smtClean="0"/>
-              <a:t>2020/5/8</a:t>
+              <a:t>2020/5/11</a:t>
             </a:fld>
             <a:endParaRPr kumimoji="1" lang="ja-JP" altLang="en-US"/>
           </a:p>
@@ -7158,10 +7159,875 @@
           <a:chExt cx="0" cy="0"/>
         </a:xfrm>
       </p:grpSpPr>
+      <p:sp>
+        <p:nvSpPr>
+          <p:cNvPr id="2" name="テキスト ボックス 3">
+            <a:extLst>
+              <a:ext uri="{FF2B5EF4-FFF2-40B4-BE49-F238E27FC236}">
+                <a16:creationId xmlns:a16="http://schemas.microsoft.com/office/drawing/2014/main" id="{7238BC4E-C50B-A14F-94DB-1666F600F2C8}"/>
+              </a:ext>
+            </a:extLst>
+          </p:cNvPr>
+          <p:cNvSpPr txBox="1"/>
+          <p:nvPr/>
+        </p:nvSpPr>
+        <p:spPr>
+          <a:xfrm>
+            <a:off x="1927304" y="3044279"/>
+            <a:ext cx="8337391" cy="769441"/>
+          </a:xfrm>
+          <a:prstGeom prst="rect">
+            <a:avLst/>
+          </a:prstGeom>
+          <a:noFill/>
+        </p:spPr>
+        <p:txBody>
+          <a:bodyPr wrap="square" rtlCol="0">
+            <a:spAutoFit/>
+          </a:bodyPr>
+          <a:lstStyle/>
+          <a:p>
+            <a:pPr algn="ctr"/>
+            <a:r>
+              <a:rPr lang="en-US" altLang="ja-JP" sz="4400" dirty="0"/>
+              <a:t>Read and Write Architecture </a:t>
+            </a:r>
+            <a:endParaRPr kumimoji="1" lang="ja-JP" altLang="en-US" sz="4400" dirty="0"/>
+          </a:p>
+        </p:txBody>
+      </p:sp>
     </p:spTree>
     <p:extLst>
       <p:ext uri="{BB962C8B-B14F-4D97-AF65-F5344CB8AC3E}">
         <p14:creationId xmlns:p14="http://schemas.microsoft.com/office/powerpoint/2010/main" val="1386603890"/>
+      </p:ext>
+    </p:extLst>
+  </p:cSld>
+  <p:clrMapOvr>
+    <a:masterClrMapping/>
+  </p:clrMapOvr>
+</p:sld>
+</file>
+
+<file path=ppt/slides/slide15.xml><?xml version="1.0" encoding="utf-8"?>
+<p:sld xmlns:a="http://schemas.openxmlformats.org/drawingml/2006/main" xmlns:r="http://schemas.openxmlformats.org/officeDocument/2006/relationships" xmlns:p="http://schemas.openxmlformats.org/presentationml/2006/main">
+  <p:cSld>
+    <p:spTree>
+      <p:nvGrpSpPr>
+        <p:cNvPr id="1" name=""/>
+        <p:cNvGrpSpPr/>
+        <p:nvPr/>
+      </p:nvGrpSpPr>
+      <p:grpSpPr>
+        <a:xfrm>
+          <a:off x="0" y="0"/>
+          <a:ext cx="0" cy="0"/>
+          <a:chOff x="0" y="0"/>
+          <a:chExt cx="0" cy="0"/>
+        </a:xfrm>
+      </p:grpSpPr>
+      <p:sp>
+        <p:nvSpPr>
+          <p:cNvPr id="4" name="正方形/長方形 21">
+            <a:extLst>
+              <a:ext uri="{FF2B5EF4-FFF2-40B4-BE49-F238E27FC236}">
+                <a16:creationId xmlns:a16="http://schemas.microsoft.com/office/drawing/2014/main" id="{4C276156-EEF8-A046-8B34-9F6398016865}"/>
+              </a:ext>
+            </a:extLst>
+          </p:cNvPr>
+          <p:cNvSpPr/>
+          <p:nvPr/>
+        </p:nvSpPr>
+        <p:spPr>
+          <a:xfrm>
+            <a:off x="7150608" y="252983"/>
+            <a:ext cx="1380055" cy="1524000"/>
+          </a:xfrm>
+          <a:prstGeom prst="rect">
+            <a:avLst/>
+          </a:prstGeom>
+          <a:solidFill>
+            <a:schemeClr val="bg2">
+              <a:lumMod val="90000"/>
+            </a:schemeClr>
+          </a:solidFill>
+          <a:ln>
+            <a:solidFill>
+              <a:schemeClr val="tx1"/>
+            </a:solidFill>
+            <a:prstDash val="solid"/>
+          </a:ln>
+        </p:spPr>
+        <p:style>
+          <a:lnRef idx="2">
+            <a:schemeClr val="accent6"/>
+          </a:lnRef>
+          <a:fillRef idx="1">
+            <a:schemeClr val="lt1"/>
+          </a:fillRef>
+          <a:effectRef idx="0">
+            <a:schemeClr val="accent6"/>
+          </a:effectRef>
+          <a:fontRef idx="minor">
+            <a:schemeClr val="dk1"/>
+          </a:fontRef>
+        </p:style>
+        <p:txBody>
+          <a:bodyPr rtlCol="0" anchor="ctr"/>
+          <a:lstStyle/>
+          <a:p>
+            <a:pPr algn="ctr"/>
+            <a:r>
+              <a:rPr kumimoji="1" lang="en-US" altLang="ja-JP" dirty="0"/>
+              <a:t>Original</a:t>
+            </a:r>
+          </a:p>
+          <a:p>
+            <a:pPr algn="ctr"/>
+            <a:r>
+              <a:rPr lang="en-US" altLang="ja-JP" dirty="0"/>
+              <a:t>Excel File</a:t>
+            </a:r>
+          </a:p>
+        </p:txBody>
+      </p:sp>
+      <p:cxnSp>
+        <p:nvCxnSpPr>
+          <p:cNvPr id="6" name="Straight Arrow Connector 5">
+            <a:extLst>
+              <a:ext uri="{FF2B5EF4-FFF2-40B4-BE49-F238E27FC236}">
+                <a16:creationId xmlns:a16="http://schemas.microsoft.com/office/drawing/2014/main" id="{4740B631-F76E-7D43-A588-4803C9DEE676}"/>
+              </a:ext>
+            </a:extLst>
+          </p:cNvPr>
+          <p:cNvCxnSpPr>
+            <a:cxnSpLocks/>
+            <a:stCxn id="4" idx="1"/>
+            <a:endCxn id="8" idx="3"/>
+          </p:cNvCxnSpPr>
+          <p:nvPr/>
+        </p:nvCxnSpPr>
+        <p:spPr>
+          <a:xfrm flipH="1">
+            <a:off x="4831081" y="1014983"/>
+            <a:ext cx="2319527" cy="762001"/>
+          </a:xfrm>
+          <a:prstGeom prst="straightConnector1">
+            <a:avLst/>
+          </a:prstGeom>
+          <a:ln w="38100" cap="rnd">
+            <a:solidFill>
+              <a:schemeClr val="accent2"/>
+            </a:solidFill>
+            <a:tailEnd type="triangle" w="lg" len="lg"/>
+          </a:ln>
+        </p:spPr>
+        <p:style>
+          <a:lnRef idx="1">
+            <a:schemeClr val="accent1"/>
+          </a:lnRef>
+          <a:fillRef idx="0">
+            <a:schemeClr val="accent1"/>
+          </a:fillRef>
+          <a:effectRef idx="0">
+            <a:schemeClr val="accent1"/>
+          </a:effectRef>
+          <a:fontRef idx="minor">
+            <a:schemeClr val="tx1"/>
+          </a:fontRef>
+        </p:style>
+      </p:cxnSp>
+      <p:sp>
+        <p:nvSpPr>
+          <p:cNvPr id="8" name="Rounded Rectangle 7">
+            <a:extLst>
+              <a:ext uri="{FF2B5EF4-FFF2-40B4-BE49-F238E27FC236}">
+                <a16:creationId xmlns:a16="http://schemas.microsoft.com/office/drawing/2014/main" id="{99865FF3-C4D0-D745-9A5D-DE9401BE3262}"/>
+              </a:ext>
+            </a:extLst>
+          </p:cNvPr>
+          <p:cNvSpPr/>
+          <p:nvPr/>
+        </p:nvSpPr>
+        <p:spPr>
+          <a:xfrm>
+            <a:off x="2502409" y="1106424"/>
+            <a:ext cx="2328672" cy="1341120"/>
+          </a:xfrm>
+          <a:prstGeom prst="roundRect">
+            <a:avLst/>
+          </a:prstGeom>
+          <a:ln>
+            <a:solidFill>
+              <a:schemeClr val="tx1"/>
+            </a:solidFill>
+          </a:ln>
+        </p:spPr>
+        <p:style>
+          <a:lnRef idx="2">
+            <a:schemeClr val="accent6"/>
+          </a:lnRef>
+          <a:fillRef idx="1">
+            <a:schemeClr val="lt1"/>
+          </a:fillRef>
+          <a:effectRef idx="0">
+            <a:schemeClr val="accent6"/>
+          </a:effectRef>
+          <a:fontRef idx="minor">
+            <a:schemeClr val="dk1"/>
+          </a:fontRef>
+        </p:style>
+        <p:txBody>
+          <a:bodyPr rtlCol="0" anchor="ctr"/>
+          <a:lstStyle/>
+          <a:p>
+            <a:pPr algn="ctr"/>
+            <a:r>
+              <a:rPr lang="en-US" dirty="0"/>
+              <a:t>O</a:t>
+            </a:r>
+            <a:r>
+              <a:rPr lang="en-JP" dirty="0"/>
+              <a:t>penpyxl Objects</a:t>
+            </a:r>
+          </a:p>
+          <a:p>
+            <a:pPr algn="ctr"/>
+            <a:r>
+              <a:rPr lang="en-JP" dirty="0"/>
+              <a:t>(ws1)</a:t>
+            </a:r>
+          </a:p>
+        </p:txBody>
+      </p:sp>
+      <p:sp>
+        <p:nvSpPr>
+          <p:cNvPr id="11" name="Rounded Rectangle 10">
+            <a:extLst>
+              <a:ext uri="{FF2B5EF4-FFF2-40B4-BE49-F238E27FC236}">
+                <a16:creationId xmlns:a16="http://schemas.microsoft.com/office/drawing/2014/main" id="{F04717F7-70DB-F54E-B6B0-D19E74358CB8}"/>
+              </a:ext>
+            </a:extLst>
+          </p:cNvPr>
+          <p:cNvSpPr/>
+          <p:nvPr/>
+        </p:nvSpPr>
+        <p:spPr>
+          <a:xfrm>
+            <a:off x="2502409" y="3825734"/>
+            <a:ext cx="2328672" cy="1341120"/>
+          </a:xfrm>
+          <a:prstGeom prst="roundRect">
+            <a:avLst/>
+          </a:prstGeom>
+          <a:ln>
+            <a:solidFill>
+              <a:schemeClr val="tx1"/>
+            </a:solidFill>
+          </a:ln>
+        </p:spPr>
+        <p:style>
+          <a:lnRef idx="2">
+            <a:schemeClr val="accent6"/>
+          </a:lnRef>
+          <a:fillRef idx="1">
+            <a:schemeClr val="lt1"/>
+          </a:fillRef>
+          <a:effectRef idx="0">
+            <a:schemeClr val="accent6"/>
+          </a:effectRef>
+          <a:fontRef idx="minor">
+            <a:schemeClr val="dk1"/>
+          </a:fontRef>
+        </p:style>
+        <p:txBody>
+          <a:bodyPr rtlCol="0" anchor="ctr"/>
+          <a:lstStyle/>
+          <a:p>
+            <a:pPr algn="ctr"/>
+            <a:r>
+              <a:rPr lang="en-JP" dirty="0"/>
+              <a:t>UI Objects</a:t>
+            </a:r>
+          </a:p>
+        </p:txBody>
+      </p:sp>
+      <p:sp>
+        <p:nvSpPr>
+          <p:cNvPr id="18" name="正方形/長方形 21">
+            <a:extLst>
+              <a:ext uri="{FF2B5EF4-FFF2-40B4-BE49-F238E27FC236}">
+                <a16:creationId xmlns:a16="http://schemas.microsoft.com/office/drawing/2014/main" id="{8D4A65D0-8EE4-7949-8C22-130813F3DB30}"/>
+              </a:ext>
+            </a:extLst>
+          </p:cNvPr>
+          <p:cNvSpPr/>
+          <p:nvPr/>
+        </p:nvSpPr>
+        <p:spPr>
+          <a:xfrm>
+            <a:off x="7150608" y="4887428"/>
+            <a:ext cx="1363196" cy="1524000"/>
+          </a:xfrm>
+          <a:prstGeom prst="rect">
+            <a:avLst/>
+          </a:prstGeom>
+          <a:solidFill>
+            <a:schemeClr val="bg2">
+              <a:lumMod val="90000"/>
+            </a:schemeClr>
+          </a:solidFill>
+          <a:ln>
+            <a:solidFill>
+              <a:schemeClr val="tx1"/>
+            </a:solidFill>
+            <a:prstDash val="solid"/>
+          </a:ln>
+        </p:spPr>
+        <p:style>
+          <a:lnRef idx="2">
+            <a:schemeClr val="accent6"/>
+          </a:lnRef>
+          <a:fillRef idx="1">
+            <a:schemeClr val="lt1"/>
+          </a:fillRef>
+          <a:effectRef idx="0">
+            <a:schemeClr val="accent6"/>
+          </a:effectRef>
+          <a:fontRef idx="minor">
+            <a:schemeClr val="dk1"/>
+          </a:fontRef>
+        </p:style>
+        <p:txBody>
+          <a:bodyPr rtlCol="0" anchor="ctr"/>
+          <a:lstStyle/>
+          <a:p>
+            <a:pPr algn="ctr"/>
+            <a:r>
+              <a:rPr lang="en-US" altLang="ja-JP" dirty="0"/>
+              <a:t>Difference</a:t>
+            </a:r>
+          </a:p>
+          <a:p>
+            <a:pPr algn="ctr"/>
+            <a:r>
+              <a:rPr lang="en-US" altLang="ja-JP" dirty="0"/>
+              <a:t>Data</a:t>
+            </a:r>
+          </a:p>
+          <a:p>
+            <a:pPr algn="ctr"/>
+            <a:r>
+              <a:rPr lang="en-US" altLang="ja-JP" dirty="0"/>
+              <a:t>(excel)</a:t>
+            </a:r>
+          </a:p>
+        </p:txBody>
+      </p:sp>
+      <p:cxnSp>
+        <p:nvCxnSpPr>
+          <p:cNvPr id="20" name="Straight Arrow Connector 19">
+            <a:extLst>
+              <a:ext uri="{FF2B5EF4-FFF2-40B4-BE49-F238E27FC236}">
+                <a16:creationId xmlns:a16="http://schemas.microsoft.com/office/drawing/2014/main" id="{42CA6ADF-38D9-4A41-85A4-ED4AA09B1A4D}"/>
+              </a:ext>
+            </a:extLst>
+          </p:cNvPr>
+          <p:cNvCxnSpPr>
+            <a:cxnSpLocks/>
+          </p:cNvCxnSpPr>
+          <p:nvPr/>
+        </p:nvCxnSpPr>
+        <p:spPr>
+          <a:xfrm>
+            <a:off x="3184832" y="2447544"/>
+            <a:ext cx="0" cy="1378190"/>
+          </a:xfrm>
+          <a:prstGeom prst="straightConnector1">
+            <a:avLst/>
+          </a:prstGeom>
+          <a:ln w="38100" cap="rnd">
+            <a:solidFill>
+              <a:schemeClr val="accent1">
+                <a:lumMod val="60000"/>
+                <a:lumOff val="40000"/>
+              </a:schemeClr>
+            </a:solidFill>
+            <a:tailEnd type="triangle" w="lg" len="lg"/>
+          </a:ln>
+        </p:spPr>
+        <p:style>
+          <a:lnRef idx="1">
+            <a:schemeClr val="accent1"/>
+          </a:lnRef>
+          <a:fillRef idx="0">
+            <a:schemeClr val="accent1"/>
+          </a:fillRef>
+          <a:effectRef idx="0">
+            <a:schemeClr val="accent1"/>
+          </a:effectRef>
+          <a:fontRef idx="minor">
+            <a:schemeClr val="tx1"/>
+          </a:fontRef>
+        </p:style>
+      </p:cxnSp>
+      <p:cxnSp>
+        <p:nvCxnSpPr>
+          <p:cNvPr id="23" name="Straight Arrow Connector 22">
+            <a:extLst>
+              <a:ext uri="{FF2B5EF4-FFF2-40B4-BE49-F238E27FC236}">
+                <a16:creationId xmlns:a16="http://schemas.microsoft.com/office/drawing/2014/main" id="{01A9AD67-645D-A24F-8418-A58300AC6D2D}"/>
+              </a:ext>
+            </a:extLst>
+          </p:cNvPr>
+          <p:cNvCxnSpPr>
+            <a:cxnSpLocks/>
+            <a:stCxn id="11" idx="3"/>
+            <a:endCxn id="18" idx="1"/>
+          </p:cNvCxnSpPr>
+          <p:nvPr/>
+        </p:nvCxnSpPr>
+        <p:spPr>
+          <a:xfrm>
+            <a:off x="4831081" y="4496294"/>
+            <a:ext cx="2319527" cy="1153134"/>
+          </a:xfrm>
+          <a:prstGeom prst="straightConnector1">
+            <a:avLst/>
+          </a:prstGeom>
+          <a:ln w="38100" cap="rnd">
+            <a:solidFill>
+              <a:schemeClr val="accent6"/>
+            </a:solidFill>
+            <a:tailEnd type="triangle" w="lg" len="lg"/>
+          </a:ln>
+        </p:spPr>
+        <p:style>
+          <a:lnRef idx="1">
+            <a:schemeClr val="accent1"/>
+          </a:lnRef>
+          <a:fillRef idx="0">
+            <a:schemeClr val="accent1"/>
+          </a:fillRef>
+          <a:effectRef idx="0">
+            <a:schemeClr val="accent1"/>
+          </a:effectRef>
+          <a:fontRef idx="minor">
+            <a:schemeClr val="tx1"/>
+          </a:fontRef>
+        </p:style>
+      </p:cxnSp>
+      <p:cxnSp>
+        <p:nvCxnSpPr>
+          <p:cNvPr id="26" name="Straight Arrow Connector 25">
+            <a:extLst>
+              <a:ext uri="{FF2B5EF4-FFF2-40B4-BE49-F238E27FC236}">
+                <a16:creationId xmlns:a16="http://schemas.microsoft.com/office/drawing/2014/main" id="{4D4BA775-3BCD-CA47-BF3C-56DB76DEF3AE}"/>
+              </a:ext>
+            </a:extLst>
+          </p:cNvPr>
+          <p:cNvCxnSpPr>
+            <a:cxnSpLocks/>
+            <a:stCxn id="18" idx="0"/>
+            <a:endCxn id="57" idx="2"/>
+          </p:cNvCxnSpPr>
+          <p:nvPr/>
+        </p:nvCxnSpPr>
+        <p:spPr>
+          <a:xfrm flipV="1">
+            <a:off x="7832206" y="4085490"/>
+            <a:ext cx="0" cy="801938"/>
+          </a:xfrm>
+          <a:prstGeom prst="straightConnector1">
+            <a:avLst/>
+          </a:prstGeom>
+          <a:ln w="38100" cap="rnd">
+            <a:solidFill>
+              <a:schemeClr val="tx1"/>
+            </a:solidFill>
+            <a:tailEnd type="triangle" w="lg" len="lg"/>
+          </a:ln>
+        </p:spPr>
+        <p:style>
+          <a:lnRef idx="1">
+            <a:schemeClr val="accent1"/>
+          </a:lnRef>
+          <a:fillRef idx="0">
+            <a:schemeClr val="accent1"/>
+          </a:fillRef>
+          <a:effectRef idx="0">
+            <a:schemeClr val="accent1"/>
+          </a:effectRef>
+          <a:fontRef idx="minor">
+            <a:schemeClr val="tx1"/>
+          </a:fontRef>
+        </p:style>
+      </p:cxnSp>
+      <p:sp>
+        <p:nvSpPr>
+          <p:cNvPr id="29" name="TextBox 28">
+            <a:extLst>
+              <a:ext uri="{FF2B5EF4-FFF2-40B4-BE49-F238E27FC236}">
+                <a16:creationId xmlns:a16="http://schemas.microsoft.com/office/drawing/2014/main" id="{EED90E5B-4F5F-2D40-ACD0-AA5713B3C45C}"/>
+              </a:ext>
+            </a:extLst>
+          </p:cNvPr>
+          <p:cNvSpPr txBox="1"/>
+          <p:nvPr/>
+        </p:nvSpPr>
+        <p:spPr>
+          <a:xfrm>
+            <a:off x="5481138" y="1628651"/>
+            <a:ext cx="1380055" cy="523220"/>
+          </a:xfrm>
+          <a:prstGeom prst="rect">
+            <a:avLst/>
+          </a:prstGeom>
+          <a:noFill/>
+        </p:spPr>
+        <p:txBody>
+          <a:bodyPr wrap="square" rtlCol="0">
+            <a:spAutoFit/>
+          </a:bodyPr>
+          <a:lstStyle/>
+          <a:p>
+            <a:r>
+              <a:rPr lang="en-JP" sz="2800" dirty="0">
+                <a:solidFill>
+                  <a:schemeClr val="accent2"/>
+                </a:solidFill>
+              </a:rPr>
+              <a:t>Read</a:t>
+            </a:r>
+          </a:p>
+        </p:txBody>
+      </p:sp>
+      <p:sp>
+        <p:nvSpPr>
+          <p:cNvPr id="32" name="TextBox 31">
+            <a:extLst>
+              <a:ext uri="{FF2B5EF4-FFF2-40B4-BE49-F238E27FC236}">
+                <a16:creationId xmlns:a16="http://schemas.microsoft.com/office/drawing/2014/main" id="{49BAA8E4-4801-6D4F-81C7-E0B4441DE936}"/>
+              </a:ext>
+            </a:extLst>
+          </p:cNvPr>
+          <p:cNvSpPr txBox="1"/>
+          <p:nvPr/>
+        </p:nvSpPr>
+        <p:spPr>
+          <a:xfrm>
+            <a:off x="1010839" y="2863334"/>
+            <a:ext cx="2173993" cy="369332"/>
+          </a:xfrm>
+          <a:prstGeom prst="rect">
+            <a:avLst/>
+          </a:prstGeom>
+          <a:noFill/>
+        </p:spPr>
+        <p:txBody>
+          <a:bodyPr wrap="none" rtlCol="0">
+            <a:spAutoFit/>
+          </a:bodyPr>
+          <a:lstStyle/>
+          <a:p>
+            <a:r>
+              <a:rPr lang="en-US" dirty="0">
+                <a:solidFill>
+                  <a:schemeClr val="accent1">
+                    <a:lumMod val="60000"/>
+                    <a:lumOff val="40000"/>
+                  </a:schemeClr>
+                </a:solidFill>
+              </a:rPr>
+              <a:t>R</a:t>
+            </a:r>
+            <a:r>
+              <a:rPr lang="en-JP" dirty="0">
+                <a:solidFill>
+                  <a:schemeClr val="accent1">
+                    <a:lumMod val="60000"/>
+                    <a:lumOff val="40000"/>
+                  </a:schemeClr>
+                </a:solidFill>
+              </a:rPr>
+              <a:t>ead one line data</a:t>
+            </a:r>
+          </a:p>
+        </p:txBody>
+      </p:sp>
+      <p:cxnSp>
+        <p:nvCxnSpPr>
+          <p:cNvPr id="35" name="Straight Arrow Connector 34">
+            <a:extLst>
+              <a:ext uri="{FF2B5EF4-FFF2-40B4-BE49-F238E27FC236}">
+                <a16:creationId xmlns:a16="http://schemas.microsoft.com/office/drawing/2014/main" id="{56C72D2F-FCA1-6B48-B1AE-E8F1CC055B97}"/>
+              </a:ext>
+            </a:extLst>
+          </p:cNvPr>
+          <p:cNvCxnSpPr>
+            <a:cxnSpLocks/>
+          </p:cNvCxnSpPr>
+          <p:nvPr/>
+        </p:nvCxnSpPr>
+        <p:spPr>
+          <a:xfrm flipV="1">
+            <a:off x="4250724" y="2447544"/>
+            <a:ext cx="0" cy="1378190"/>
+          </a:xfrm>
+          <a:prstGeom prst="straightConnector1">
+            <a:avLst/>
+          </a:prstGeom>
+          <a:ln w="38100" cap="rnd">
+            <a:solidFill>
+              <a:schemeClr val="accent6"/>
+            </a:solidFill>
+            <a:tailEnd type="triangle" w="lg" len="lg"/>
+          </a:ln>
+        </p:spPr>
+        <p:style>
+          <a:lnRef idx="1">
+            <a:schemeClr val="accent1"/>
+          </a:lnRef>
+          <a:fillRef idx="0">
+            <a:schemeClr val="accent1"/>
+          </a:fillRef>
+          <a:effectRef idx="0">
+            <a:schemeClr val="accent1"/>
+          </a:effectRef>
+          <a:fontRef idx="minor">
+            <a:schemeClr val="tx1"/>
+          </a:fontRef>
+        </p:style>
+      </p:cxnSp>
+      <p:sp>
+        <p:nvSpPr>
+          <p:cNvPr id="38" name="TextBox 37">
+            <a:extLst>
+              <a:ext uri="{FF2B5EF4-FFF2-40B4-BE49-F238E27FC236}">
+                <a16:creationId xmlns:a16="http://schemas.microsoft.com/office/drawing/2014/main" id="{8D25A14B-04D1-4A4F-96F4-8E4E639A2800}"/>
+              </a:ext>
+            </a:extLst>
+          </p:cNvPr>
+          <p:cNvSpPr txBox="1"/>
+          <p:nvPr/>
+        </p:nvSpPr>
+        <p:spPr>
+          <a:xfrm>
+            <a:off x="4668798" y="3414930"/>
+            <a:ext cx="1380055" cy="523220"/>
+          </a:xfrm>
+          <a:prstGeom prst="rect">
+            <a:avLst/>
+          </a:prstGeom>
+          <a:noFill/>
+        </p:spPr>
+        <p:txBody>
+          <a:bodyPr wrap="square" rtlCol="0">
+            <a:spAutoFit/>
+          </a:bodyPr>
+          <a:lstStyle/>
+          <a:p>
+            <a:r>
+              <a:rPr lang="en-JP" sz="2800" dirty="0">
+                <a:solidFill>
+                  <a:schemeClr val="accent6"/>
+                </a:solidFill>
+              </a:rPr>
+              <a:t>Write</a:t>
+            </a:r>
+          </a:p>
+        </p:txBody>
+      </p:sp>
+      <p:sp>
+        <p:nvSpPr>
+          <p:cNvPr id="57" name="Rounded Rectangle 56">
+            <a:extLst>
+              <a:ext uri="{FF2B5EF4-FFF2-40B4-BE49-F238E27FC236}">
+                <a16:creationId xmlns:a16="http://schemas.microsoft.com/office/drawing/2014/main" id="{C4C6F1E3-5517-5341-84AA-E165B1A5C871}"/>
+              </a:ext>
+            </a:extLst>
+          </p:cNvPr>
+          <p:cNvSpPr/>
+          <p:nvPr/>
+        </p:nvSpPr>
+        <p:spPr>
+          <a:xfrm>
+            <a:off x="6672443" y="2744370"/>
+            <a:ext cx="2319526" cy="1341120"/>
+          </a:xfrm>
+          <a:prstGeom prst="roundRect">
+            <a:avLst/>
+          </a:prstGeom>
+          <a:ln>
+            <a:solidFill>
+              <a:schemeClr val="tx1"/>
+            </a:solidFill>
+          </a:ln>
+        </p:spPr>
+        <p:style>
+          <a:lnRef idx="2">
+            <a:schemeClr val="accent6"/>
+          </a:lnRef>
+          <a:fillRef idx="1">
+            <a:schemeClr val="lt1"/>
+          </a:fillRef>
+          <a:effectRef idx="0">
+            <a:schemeClr val="accent6"/>
+          </a:effectRef>
+          <a:fontRef idx="minor">
+            <a:schemeClr val="dk1"/>
+          </a:fontRef>
+        </p:style>
+        <p:txBody>
+          <a:bodyPr rtlCol="0" anchor="ctr"/>
+          <a:lstStyle/>
+          <a:p>
+            <a:pPr algn="ctr"/>
+            <a:r>
+              <a:rPr lang="en-US" dirty="0"/>
+              <a:t>O</a:t>
+            </a:r>
+            <a:r>
+              <a:rPr lang="en-JP" dirty="0"/>
+              <a:t>penpyxl Objects</a:t>
+            </a:r>
+          </a:p>
+          <a:p>
+            <a:pPr algn="ctr"/>
+            <a:r>
+              <a:rPr lang="en-JP" dirty="0"/>
+              <a:t>(wsBase)</a:t>
+            </a:r>
+          </a:p>
+        </p:txBody>
+      </p:sp>
+      <p:cxnSp>
+        <p:nvCxnSpPr>
+          <p:cNvPr id="60" name="Straight Arrow Connector 59">
+            <a:extLst>
+              <a:ext uri="{FF2B5EF4-FFF2-40B4-BE49-F238E27FC236}">
+                <a16:creationId xmlns:a16="http://schemas.microsoft.com/office/drawing/2014/main" id="{DEBA80FC-5F29-1A4D-90B5-EC06A4609093}"/>
+              </a:ext>
+            </a:extLst>
+          </p:cNvPr>
+          <p:cNvCxnSpPr>
+            <a:cxnSpLocks/>
+          </p:cNvCxnSpPr>
+          <p:nvPr/>
+        </p:nvCxnSpPr>
+        <p:spPr>
+          <a:xfrm flipV="1">
+            <a:off x="8124841" y="1776984"/>
+            <a:ext cx="0" cy="967386"/>
+          </a:xfrm>
+          <a:prstGeom prst="straightConnector1">
+            <a:avLst/>
+          </a:prstGeom>
+          <a:ln w="38100" cap="rnd">
+            <a:solidFill>
+              <a:schemeClr val="tx1"/>
+            </a:solidFill>
+            <a:tailEnd type="triangle" w="lg" len="lg"/>
+          </a:ln>
+        </p:spPr>
+        <p:style>
+          <a:lnRef idx="1">
+            <a:schemeClr val="accent1"/>
+          </a:lnRef>
+          <a:fillRef idx="0">
+            <a:schemeClr val="accent1"/>
+          </a:fillRef>
+          <a:effectRef idx="0">
+            <a:schemeClr val="accent1"/>
+          </a:effectRef>
+          <a:fontRef idx="minor">
+            <a:schemeClr val="tx1"/>
+          </a:fontRef>
+        </p:style>
+      </p:cxnSp>
+      <p:cxnSp>
+        <p:nvCxnSpPr>
+          <p:cNvPr id="64" name="Straight Arrow Connector 63">
+            <a:extLst>
+              <a:ext uri="{FF2B5EF4-FFF2-40B4-BE49-F238E27FC236}">
+                <a16:creationId xmlns:a16="http://schemas.microsoft.com/office/drawing/2014/main" id="{20F3C646-72E6-FD4C-A389-7AFBA927F444}"/>
+              </a:ext>
+            </a:extLst>
+          </p:cNvPr>
+          <p:cNvCxnSpPr>
+            <a:cxnSpLocks/>
+          </p:cNvCxnSpPr>
+          <p:nvPr/>
+        </p:nvCxnSpPr>
+        <p:spPr>
+          <a:xfrm>
+            <a:off x="7522210" y="1809149"/>
+            <a:ext cx="0" cy="935221"/>
+          </a:xfrm>
+          <a:prstGeom prst="straightConnector1">
+            <a:avLst/>
+          </a:prstGeom>
+          <a:ln w="38100" cap="rnd">
+            <a:solidFill>
+              <a:schemeClr val="accent2"/>
+            </a:solidFill>
+            <a:tailEnd type="triangle" w="lg" len="lg"/>
+          </a:ln>
+        </p:spPr>
+        <p:style>
+          <a:lnRef idx="1">
+            <a:schemeClr val="accent1"/>
+          </a:lnRef>
+          <a:fillRef idx="0">
+            <a:schemeClr val="accent1"/>
+          </a:fillRef>
+          <a:effectRef idx="0">
+            <a:schemeClr val="accent1"/>
+          </a:effectRef>
+          <a:fontRef idx="minor">
+            <a:schemeClr val="tx1"/>
+          </a:fontRef>
+        </p:style>
+      </p:cxnSp>
+      <p:sp>
+        <p:nvSpPr>
+          <p:cNvPr id="69" name="TextBox 68">
+            <a:extLst>
+              <a:ext uri="{FF2B5EF4-FFF2-40B4-BE49-F238E27FC236}">
+                <a16:creationId xmlns:a16="http://schemas.microsoft.com/office/drawing/2014/main" id="{61B53850-04D5-5942-9958-461475299441}"/>
+              </a:ext>
+            </a:extLst>
+          </p:cNvPr>
+          <p:cNvSpPr txBox="1"/>
+          <p:nvPr/>
+        </p:nvSpPr>
+        <p:spPr>
+          <a:xfrm>
+            <a:off x="9354065" y="3167390"/>
+            <a:ext cx="986167" cy="523220"/>
+          </a:xfrm>
+          <a:prstGeom prst="rect">
+            <a:avLst/>
+          </a:prstGeom>
+          <a:noFill/>
+        </p:spPr>
+        <p:txBody>
+          <a:bodyPr wrap="none" rtlCol="0">
+            <a:spAutoFit/>
+          </a:bodyPr>
+          <a:lstStyle/>
+          <a:p>
+            <a:r>
+              <a:rPr lang="en-JP" sz="2800" dirty="0"/>
+              <a:t>Save</a:t>
+            </a:r>
+          </a:p>
+        </p:txBody>
+      </p:sp>
+    </p:spTree>
+    <p:extLst>
+      <p:ext uri="{BB962C8B-B14F-4D97-AF65-F5344CB8AC3E}">
+        <p14:creationId xmlns:p14="http://schemas.microsoft.com/office/powerpoint/2010/main" val="929313866"/>
       </p:ext>
     </p:extLst>
   </p:cSld>
